--- a/pinpairformal.pptx
+++ b/pinpairformal.pptx
@@ -2,12 +2,12 @@
 <file path=ppt/presentation.xml><?xml version="1.0" encoding="utf-8"?>
 <p:presentation xmlns:a="http://schemas.openxmlformats.org/drawingml/2006/main" xmlns:r="http://schemas.openxmlformats.org/officeDocument/2006/relationships" xmlns:p="http://schemas.openxmlformats.org/presentationml/2006/main" saveSubsetFonts="1">
   <p:sldMasterIdLst>
-    <p:sldMasterId id="2147483672" r:id="rId1"/>
+    <p:sldMasterId id="2147483660" r:id="rId1"/>
   </p:sldMasterIdLst>
   <p:sldIdLst>
     <p:sldId id="256" r:id="rId2"/>
   </p:sldIdLst>
-  <p:sldSz cx="6858000" cy="9144000" type="letter"/>
+  <p:sldSz cx="12179300" cy="9134475" type="ledger"/>
   <p:notesSz cx="6858000" cy="9144000"/>
   <p:defaultTextStyle>
     <a:defPPr>
@@ -136,15 +136,15 @@
         </p:nvSpPr>
         <p:spPr>
           <a:xfrm>
-            <a:off x="514350" y="1496484"/>
-            <a:ext cx="5829300" cy="3183467"/>
+            <a:off x="913448" y="1494925"/>
+            <a:ext cx="10352405" cy="3180151"/>
           </a:xfrm>
         </p:spPr>
         <p:txBody>
           <a:bodyPr anchor="b"/>
           <a:lstStyle>
             <a:lvl1pPr algn="ctr">
-              <a:defRPr sz="4500"/>
+              <a:defRPr sz="7991"/>
             </a:lvl1pPr>
           </a:lstStyle>
           <a:p>
@@ -168,8 +168,8 @@
         </p:nvSpPr>
         <p:spPr>
           <a:xfrm>
-            <a:off x="857250" y="4802717"/>
-            <a:ext cx="5143500" cy="2207683"/>
+            <a:off x="1522413" y="4797715"/>
+            <a:ext cx="9134475" cy="2205383"/>
           </a:xfrm>
         </p:spPr>
         <p:txBody>
@@ -177,39 +177,39 @@
           <a:lstStyle>
             <a:lvl1pPr marL="0" indent="0" algn="ctr">
               <a:buNone/>
-              <a:defRPr sz="1800"/>
+              <a:defRPr sz="3197"/>
             </a:lvl1pPr>
-            <a:lvl2pPr marL="342900" indent="0" algn="ctr">
-              <a:buNone/>
-              <a:defRPr sz="1500"/>
+            <a:lvl2pPr marL="608945" indent="0" algn="ctr">
+              <a:buNone/>
+              <a:defRPr sz="2664"/>
             </a:lvl2pPr>
-            <a:lvl3pPr marL="685800" indent="0" algn="ctr">
-              <a:buNone/>
-              <a:defRPr sz="1350"/>
+            <a:lvl3pPr marL="1217889" indent="0" algn="ctr">
+              <a:buNone/>
+              <a:defRPr sz="2397"/>
             </a:lvl3pPr>
-            <a:lvl4pPr marL="1028700" indent="0" algn="ctr">
-              <a:buNone/>
-              <a:defRPr sz="1200"/>
+            <a:lvl4pPr marL="1826834" indent="0" algn="ctr">
+              <a:buNone/>
+              <a:defRPr sz="2131"/>
             </a:lvl4pPr>
-            <a:lvl5pPr marL="1371600" indent="0" algn="ctr">
-              <a:buNone/>
-              <a:defRPr sz="1200"/>
+            <a:lvl5pPr marL="2435779" indent="0" algn="ctr">
+              <a:buNone/>
+              <a:defRPr sz="2131"/>
             </a:lvl5pPr>
-            <a:lvl6pPr marL="1714500" indent="0" algn="ctr">
-              <a:buNone/>
-              <a:defRPr sz="1200"/>
+            <a:lvl6pPr marL="3044723" indent="0" algn="ctr">
+              <a:buNone/>
+              <a:defRPr sz="2131"/>
             </a:lvl6pPr>
-            <a:lvl7pPr marL="2057400" indent="0" algn="ctr">
-              <a:buNone/>
-              <a:defRPr sz="1200"/>
+            <a:lvl7pPr marL="3653668" indent="0" algn="ctr">
+              <a:buNone/>
+              <a:defRPr sz="2131"/>
             </a:lvl7pPr>
-            <a:lvl8pPr marL="2400300" indent="0" algn="ctr">
-              <a:buNone/>
-              <a:defRPr sz="1200"/>
+            <a:lvl8pPr marL="4262613" indent="0" algn="ctr">
+              <a:buNone/>
+              <a:defRPr sz="2131"/>
             </a:lvl8pPr>
-            <a:lvl9pPr marL="2743200" indent="0" algn="ctr">
-              <a:buNone/>
-              <a:defRPr sz="1200"/>
+            <a:lvl9pPr marL="4871557" indent="0" algn="ctr">
+              <a:buNone/>
+              <a:defRPr sz="2131"/>
             </a:lvl9pPr>
           </a:lstStyle>
           <a:p>
@@ -236,7 +236,7 @@
           <a:bodyPr/>
           <a:lstStyle/>
           <a:p>
-            <a:fld id="{88C959E9-FC84-4BB7-BD68-608EB7FE0B53}" type="datetimeFigureOut">
+            <a:fld id="{3876C20E-AA49-4326-9523-6CB48867F0C7}" type="datetimeFigureOut">
               <a:rPr lang="en-US" smtClean="0"/>
               <a:t>4/23/2019</a:t>
             </a:fld>
@@ -278,7 +278,7 @@
           <a:bodyPr/>
           <a:lstStyle/>
           <a:p>
-            <a:fld id="{D8D498DE-22BD-409E-A79F-96C816FDF884}" type="slidenum">
+            <a:fld id="{89D42CA6-5633-4728-A24F-87669370FB2D}" type="slidenum">
               <a:rPr lang="en-US" smtClean="0"/>
               <a:t>‹#›</a:t>
             </a:fld>
@@ -289,7 +289,7 @@
     </p:spTree>
     <p:extLst>
       <p:ext uri="{BB962C8B-B14F-4D97-AF65-F5344CB8AC3E}">
-        <p14:creationId xmlns:p14="http://schemas.microsoft.com/office/powerpoint/2010/main" val="1016683623"/>
+        <p14:creationId xmlns:p14="http://schemas.microsoft.com/office/powerpoint/2010/main" val="1847972791"/>
       </p:ext>
     </p:extLst>
   </p:cSld>
@@ -406,7 +406,7 @@
           <a:bodyPr/>
           <a:lstStyle/>
           <a:p>
-            <a:fld id="{88C959E9-FC84-4BB7-BD68-608EB7FE0B53}" type="datetimeFigureOut">
+            <a:fld id="{3876C20E-AA49-4326-9523-6CB48867F0C7}" type="datetimeFigureOut">
               <a:rPr lang="en-US" smtClean="0"/>
               <a:t>4/23/2019</a:t>
             </a:fld>
@@ -448,7 +448,7 @@
           <a:bodyPr/>
           <a:lstStyle/>
           <a:p>
-            <a:fld id="{D8D498DE-22BD-409E-A79F-96C816FDF884}" type="slidenum">
+            <a:fld id="{89D42CA6-5633-4728-A24F-87669370FB2D}" type="slidenum">
               <a:rPr lang="en-US" smtClean="0"/>
               <a:t>‹#›</a:t>
             </a:fld>
@@ -459,7 +459,7 @@
     </p:spTree>
     <p:extLst>
       <p:ext uri="{BB962C8B-B14F-4D97-AF65-F5344CB8AC3E}">
-        <p14:creationId xmlns:p14="http://schemas.microsoft.com/office/powerpoint/2010/main" val="2200979892"/>
+        <p14:creationId xmlns:p14="http://schemas.microsoft.com/office/powerpoint/2010/main" val="2763701572"/>
       </p:ext>
     </p:extLst>
   </p:cSld>
@@ -498,8 +498,8 @@
         </p:nvSpPr>
         <p:spPr>
           <a:xfrm>
-            <a:off x="4907757" y="486834"/>
-            <a:ext cx="1478756" cy="7749117"/>
+            <a:off x="8715812" y="486326"/>
+            <a:ext cx="2626162" cy="7741045"/>
           </a:xfrm>
         </p:spPr>
         <p:txBody>
@@ -526,8 +526,8 @@
         </p:nvSpPr>
         <p:spPr>
           <a:xfrm>
-            <a:off x="471488" y="486834"/>
-            <a:ext cx="4350544" cy="7749117"/>
+            <a:off x="837328" y="486326"/>
+            <a:ext cx="7726243" cy="7741045"/>
           </a:xfrm>
         </p:spPr>
         <p:txBody>
@@ -586,7 +586,7 @@
           <a:bodyPr/>
           <a:lstStyle/>
           <a:p>
-            <a:fld id="{88C959E9-FC84-4BB7-BD68-608EB7FE0B53}" type="datetimeFigureOut">
+            <a:fld id="{3876C20E-AA49-4326-9523-6CB48867F0C7}" type="datetimeFigureOut">
               <a:rPr lang="en-US" smtClean="0"/>
               <a:t>4/23/2019</a:t>
             </a:fld>
@@ -628,7 +628,7 @@
           <a:bodyPr/>
           <a:lstStyle/>
           <a:p>
-            <a:fld id="{D8D498DE-22BD-409E-A79F-96C816FDF884}" type="slidenum">
+            <a:fld id="{89D42CA6-5633-4728-A24F-87669370FB2D}" type="slidenum">
               <a:rPr lang="en-US" smtClean="0"/>
               <a:t>‹#›</a:t>
             </a:fld>
@@ -639,7 +639,7 @@
     </p:spTree>
     <p:extLst>
       <p:ext uri="{BB962C8B-B14F-4D97-AF65-F5344CB8AC3E}">
-        <p14:creationId xmlns:p14="http://schemas.microsoft.com/office/powerpoint/2010/main" val="4091235096"/>
+        <p14:creationId xmlns:p14="http://schemas.microsoft.com/office/powerpoint/2010/main" val="2053760955"/>
       </p:ext>
     </p:extLst>
   </p:cSld>
@@ -756,7 +756,7 @@
           <a:bodyPr/>
           <a:lstStyle/>
           <a:p>
-            <a:fld id="{88C959E9-FC84-4BB7-BD68-608EB7FE0B53}" type="datetimeFigureOut">
+            <a:fld id="{3876C20E-AA49-4326-9523-6CB48867F0C7}" type="datetimeFigureOut">
               <a:rPr lang="en-US" smtClean="0"/>
               <a:t>4/23/2019</a:t>
             </a:fld>
@@ -798,7 +798,7 @@
           <a:bodyPr/>
           <a:lstStyle/>
           <a:p>
-            <a:fld id="{D8D498DE-22BD-409E-A79F-96C816FDF884}" type="slidenum">
+            <a:fld id="{89D42CA6-5633-4728-A24F-87669370FB2D}" type="slidenum">
               <a:rPr lang="en-US" smtClean="0"/>
               <a:t>‹#›</a:t>
             </a:fld>
@@ -809,7 +809,7 @@
     </p:spTree>
     <p:extLst>
       <p:ext uri="{BB962C8B-B14F-4D97-AF65-F5344CB8AC3E}">
-        <p14:creationId xmlns:p14="http://schemas.microsoft.com/office/powerpoint/2010/main" val="2394877591"/>
+        <p14:creationId xmlns:p14="http://schemas.microsoft.com/office/powerpoint/2010/main" val="3088239296"/>
       </p:ext>
     </p:extLst>
   </p:cSld>
@@ -848,15 +848,15 @@
         </p:nvSpPr>
         <p:spPr>
           <a:xfrm>
-            <a:off x="467916" y="2279653"/>
-            <a:ext cx="5915025" cy="3803649"/>
+            <a:off x="830984" y="2277278"/>
+            <a:ext cx="10504646" cy="3799687"/>
           </a:xfrm>
         </p:spPr>
         <p:txBody>
           <a:bodyPr anchor="b"/>
           <a:lstStyle>
             <a:lvl1pPr>
-              <a:defRPr sz="4500"/>
+              <a:defRPr sz="7991"/>
             </a:lvl1pPr>
           </a:lstStyle>
           <a:p>
@@ -880,8 +880,8 @@
         </p:nvSpPr>
         <p:spPr>
           <a:xfrm>
-            <a:off x="467916" y="6119286"/>
-            <a:ext cx="5915025" cy="2000249"/>
+            <a:off x="830984" y="6112912"/>
+            <a:ext cx="10504646" cy="1998166"/>
           </a:xfrm>
         </p:spPr>
         <p:txBody>
@@ -889,15 +889,15 @@
           <a:lstStyle>
             <a:lvl1pPr marL="0" indent="0">
               <a:buNone/>
-              <a:defRPr sz="1800">
+              <a:defRPr sz="3197">
                 <a:solidFill>
                   <a:schemeClr val="tx1"/>
                 </a:solidFill>
               </a:defRPr>
             </a:lvl1pPr>
-            <a:lvl2pPr marL="342900" indent="0">
-              <a:buNone/>
-              <a:defRPr sz="1500">
+            <a:lvl2pPr marL="608945" indent="0">
+              <a:buNone/>
+              <a:defRPr sz="2664">
                 <a:solidFill>
                   <a:schemeClr val="tx1">
                     <a:tint val="75000"/>
@@ -905,9 +905,9 @@
                 </a:solidFill>
               </a:defRPr>
             </a:lvl2pPr>
-            <a:lvl3pPr marL="685800" indent="0">
-              <a:buNone/>
-              <a:defRPr sz="1350">
+            <a:lvl3pPr marL="1217889" indent="0">
+              <a:buNone/>
+              <a:defRPr sz="2397">
                 <a:solidFill>
                   <a:schemeClr val="tx1">
                     <a:tint val="75000"/>
@@ -915,9 +915,9 @@
                 </a:solidFill>
               </a:defRPr>
             </a:lvl3pPr>
-            <a:lvl4pPr marL="1028700" indent="0">
-              <a:buNone/>
-              <a:defRPr sz="1200">
+            <a:lvl4pPr marL="1826834" indent="0">
+              <a:buNone/>
+              <a:defRPr sz="2131">
                 <a:solidFill>
                   <a:schemeClr val="tx1">
                     <a:tint val="75000"/>
@@ -925,9 +925,9 @@
                 </a:solidFill>
               </a:defRPr>
             </a:lvl4pPr>
-            <a:lvl5pPr marL="1371600" indent="0">
-              <a:buNone/>
-              <a:defRPr sz="1200">
+            <a:lvl5pPr marL="2435779" indent="0">
+              <a:buNone/>
+              <a:defRPr sz="2131">
                 <a:solidFill>
                   <a:schemeClr val="tx1">
                     <a:tint val="75000"/>
@@ -935,9 +935,9 @@
                 </a:solidFill>
               </a:defRPr>
             </a:lvl5pPr>
-            <a:lvl6pPr marL="1714500" indent="0">
-              <a:buNone/>
-              <a:defRPr sz="1200">
+            <a:lvl6pPr marL="3044723" indent="0">
+              <a:buNone/>
+              <a:defRPr sz="2131">
                 <a:solidFill>
                   <a:schemeClr val="tx1">
                     <a:tint val="75000"/>
@@ -945,9 +945,9 @@
                 </a:solidFill>
               </a:defRPr>
             </a:lvl6pPr>
-            <a:lvl7pPr marL="2057400" indent="0">
-              <a:buNone/>
-              <a:defRPr sz="1200">
+            <a:lvl7pPr marL="3653668" indent="0">
+              <a:buNone/>
+              <a:defRPr sz="2131">
                 <a:solidFill>
                   <a:schemeClr val="tx1">
                     <a:tint val="75000"/>
@@ -955,9 +955,9 @@
                 </a:solidFill>
               </a:defRPr>
             </a:lvl7pPr>
-            <a:lvl8pPr marL="2400300" indent="0">
-              <a:buNone/>
-              <a:defRPr sz="1200">
+            <a:lvl8pPr marL="4262613" indent="0">
+              <a:buNone/>
+              <a:defRPr sz="2131">
                 <a:solidFill>
                   <a:schemeClr val="tx1">
                     <a:tint val="75000"/>
@@ -965,9 +965,9 @@
                 </a:solidFill>
               </a:defRPr>
             </a:lvl8pPr>
-            <a:lvl9pPr marL="2743200" indent="0">
-              <a:buNone/>
-              <a:defRPr sz="1200">
+            <a:lvl9pPr marL="4871557" indent="0">
+              <a:buNone/>
+              <a:defRPr sz="2131">
                 <a:solidFill>
                   <a:schemeClr val="tx1">
                     <a:tint val="75000"/>
@@ -1000,7 +1000,7 @@
           <a:bodyPr/>
           <a:lstStyle/>
           <a:p>
-            <a:fld id="{88C959E9-FC84-4BB7-BD68-608EB7FE0B53}" type="datetimeFigureOut">
+            <a:fld id="{3876C20E-AA49-4326-9523-6CB48867F0C7}" type="datetimeFigureOut">
               <a:rPr lang="en-US" smtClean="0"/>
               <a:t>4/23/2019</a:t>
             </a:fld>
@@ -1042,7 +1042,7 @@
           <a:bodyPr/>
           <a:lstStyle/>
           <a:p>
-            <a:fld id="{D8D498DE-22BD-409E-A79F-96C816FDF884}" type="slidenum">
+            <a:fld id="{89D42CA6-5633-4728-A24F-87669370FB2D}" type="slidenum">
               <a:rPr lang="en-US" smtClean="0"/>
               <a:t>‹#›</a:t>
             </a:fld>
@@ -1053,7 +1053,7 @@
     </p:spTree>
     <p:extLst>
       <p:ext uri="{BB962C8B-B14F-4D97-AF65-F5344CB8AC3E}">
-        <p14:creationId xmlns:p14="http://schemas.microsoft.com/office/powerpoint/2010/main" val="3000127616"/>
+        <p14:creationId xmlns:p14="http://schemas.microsoft.com/office/powerpoint/2010/main" val="3291526345"/>
       </p:ext>
     </p:extLst>
   </p:cSld>
@@ -1115,8 +1115,8 @@
         </p:nvSpPr>
         <p:spPr>
           <a:xfrm>
-            <a:off x="471488" y="2434167"/>
-            <a:ext cx="2914650" cy="5801784"/>
+            <a:off x="837327" y="2431631"/>
+            <a:ext cx="5176203" cy="5795740"/>
           </a:xfrm>
         </p:spPr>
         <p:txBody>
@@ -1172,8 +1172,8 @@
         </p:nvSpPr>
         <p:spPr>
           <a:xfrm>
-            <a:off x="3471863" y="2434167"/>
-            <a:ext cx="2914650" cy="5801784"/>
+            <a:off x="6165770" y="2431631"/>
+            <a:ext cx="5176203" cy="5795740"/>
           </a:xfrm>
         </p:spPr>
         <p:txBody>
@@ -1232,7 +1232,7 @@
           <a:bodyPr/>
           <a:lstStyle/>
           <a:p>
-            <a:fld id="{88C959E9-FC84-4BB7-BD68-608EB7FE0B53}" type="datetimeFigureOut">
+            <a:fld id="{3876C20E-AA49-4326-9523-6CB48867F0C7}" type="datetimeFigureOut">
               <a:rPr lang="en-US" smtClean="0"/>
               <a:t>4/23/2019</a:t>
             </a:fld>
@@ -1274,7 +1274,7 @@
           <a:bodyPr/>
           <a:lstStyle/>
           <a:p>
-            <a:fld id="{D8D498DE-22BD-409E-A79F-96C816FDF884}" type="slidenum">
+            <a:fld id="{89D42CA6-5633-4728-A24F-87669370FB2D}" type="slidenum">
               <a:rPr lang="en-US" smtClean="0"/>
               <a:t>‹#›</a:t>
             </a:fld>
@@ -1285,7 +1285,7 @@
     </p:spTree>
     <p:extLst>
       <p:ext uri="{BB962C8B-B14F-4D97-AF65-F5344CB8AC3E}">
-        <p14:creationId xmlns:p14="http://schemas.microsoft.com/office/powerpoint/2010/main" val="2015688944"/>
+        <p14:creationId xmlns:p14="http://schemas.microsoft.com/office/powerpoint/2010/main" val="1741467426"/>
       </p:ext>
     </p:extLst>
   </p:cSld>
@@ -1324,8 +1324,8 @@
         </p:nvSpPr>
         <p:spPr>
           <a:xfrm>
-            <a:off x="472381" y="486836"/>
-            <a:ext cx="5915025" cy="1767417"/>
+            <a:off x="838913" y="486328"/>
+            <a:ext cx="10504646" cy="1765576"/>
           </a:xfrm>
         </p:spPr>
         <p:txBody>
@@ -1352,8 +1352,8 @@
         </p:nvSpPr>
         <p:spPr>
           <a:xfrm>
-            <a:off x="472381" y="2241551"/>
-            <a:ext cx="2901255" cy="1098549"/>
+            <a:off x="838915" y="2239216"/>
+            <a:ext cx="5152414" cy="1097405"/>
           </a:xfrm>
         </p:spPr>
         <p:txBody>
@@ -1361,39 +1361,39 @@
           <a:lstStyle>
             <a:lvl1pPr marL="0" indent="0">
               <a:buNone/>
-              <a:defRPr sz="1800" b="1"/>
+              <a:defRPr sz="3197" b="1"/>
             </a:lvl1pPr>
-            <a:lvl2pPr marL="342900" indent="0">
-              <a:buNone/>
-              <a:defRPr sz="1500" b="1"/>
+            <a:lvl2pPr marL="608945" indent="0">
+              <a:buNone/>
+              <a:defRPr sz="2664" b="1"/>
             </a:lvl2pPr>
-            <a:lvl3pPr marL="685800" indent="0">
-              <a:buNone/>
-              <a:defRPr sz="1350" b="1"/>
+            <a:lvl3pPr marL="1217889" indent="0">
+              <a:buNone/>
+              <a:defRPr sz="2397" b="1"/>
             </a:lvl3pPr>
-            <a:lvl4pPr marL="1028700" indent="0">
-              <a:buNone/>
-              <a:defRPr sz="1200" b="1"/>
+            <a:lvl4pPr marL="1826834" indent="0">
+              <a:buNone/>
+              <a:defRPr sz="2131" b="1"/>
             </a:lvl4pPr>
-            <a:lvl5pPr marL="1371600" indent="0">
-              <a:buNone/>
-              <a:defRPr sz="1200" b="1"/>
+            <a:lvl5pPr marL="2435779" indent="0">
+              <a:buNone/>
+              <a:defRPr sz="2131" b="1"/>
             </a:lvl5pPr>
-            <a:lvl6pPr marL="1714500" indent="0">
-              <a:buNone/>
-              <a:defRPr sz="1200" b="1"/>
+            <a:lvl6pPr marL="3044723" indent="0">
+              <a:buNone/>
+              <a:defRPr sz="2131" b="1"/>
             </a:lvl6pPr>
-            <a:lvl7pPr marL="2057400" indent="0">
-              <a:buNone/>
-              <a:defRPr sz="1200" b="1"/>
+            <a:lvl7pPr marL="3653668" indent="0">
+              <a:buNone/>
+              <a:defRPr sz="2131" b="1"/>
             </a:lvl7pPr>
-            <a:lvl8pPr marL="2400300" indent="0">
-              <a:buNone/>
-              <a:defRPr sz="1200" b="1"/>
+            <a:lvl8pPr marL="4262613" indent="0">
+              <a:buNone/>
+              <a:defRPr sz="2131" b="1"/>
             </a:lvl8pPr>
-            <a:lvl9pPr marL="2743200" indent="0">
-              <a:buNone/>
-              <a:defRPr sz="1200" b="1"/>
+            <a:lvl9pPr marL="4871557" indent="0">
+              <a:buNone/>
+              <a:defRPr sz="2131" b="1"/>
             </a:lvl9pPr>
           </a:lstStyle>
           <a:p>
@@ -1417,8 +1417,8 @@
         </p:nvSpPr>
         <p:spPr>
           <a:xfrm>
-            <a:off x="472381" y="3340100"/>
-            <a:ext cx="2901255" cy="4912784"/>
+            <a:off x="838915" y="3336620"/>
+            <a:ext cx="5152414" cy="4907667"/>
           </a:xfrm>
         </p:spPr>
         <p:txBody>
@@ -1474,8 +1474,8 @@
         </p:nvSpPr>
         <p:spPr>
           <a:xfrm>
-            <a:off x="3471863" y="2241551"/>
-            <a:ext cx="2915543" cy="1098549"/>
+            <a:off x="6165771" y="2239216"/>
+            <a:ext cx="5177789" cy="1097405"/>
           </a:xfrm>
         </p:spPr>
         <p:txBody>
@@ -1483,39 +1483,39 @@
           <a:lstStyle>
             <a:lvl1pPr marL="0" indent="0">
               <a:buNone/>
-              <a:defRPr sz="1800" b="1"/>
+              <a:defRPr sz="3197" b="1"/>
             </a:lvl1pPr>
-            <a:lvl2pPr marL="342900" indent="0">
-              <a:buNone/>
-              <a:defRPr sz="1500" b="1"/>
+            <a:lvl2pPr marL="608945" indent="0">
+              <a:buNone/>
+              <a:defRPr sz="2664" b="1"/>
             </a:lvl2pPr>
-            <a:lvl3pPr marL="685800" indent="0">
-              <a:buNone/>
-              <a:defRPr sz="1350" b="1"/>
+            <a:lvl3pPr marL="1217889" indent="0">
+              <a:buNone/>
+              <a:defRPr sz="2397" b="1"/>
             </a:lvl3pPr>
-            <a:lvl4pPr marL="1028700" indent="0">
-              <a:buNone/>
-              <a:defRPr sz="1200" b="1"/>
+            <a:lvl4pPr marL="1826834" indent="0">
+              <a:buNone/>
+              <a:defRPr sz="2131" b="1"/>
             </a:lvl4pPr>
-            <a:lvl5pPr marL="1371600" indent="0">
-              <a:buNone/>
-              <a:defRPr sz="1200" b="1"/>
+            <a:lvl5pPr marL="2435779" indent="0">
+              <a:buNone/>
+              <a:defRPr sz="2131" b="1"/>
             </a:lvl5pPr>
-            <a:lvl6pPr marL="1714500" indent="0">
-              <a:buNone/>
-              <a:defRPr sz="1200" b="1"/>
+            <a:lvl6pPr marL="3044723" indent="0">
+              <a:buNone/>
+              <a:defRPr sz="2131" b="1"/>
             </a:lvl6pPr>
-            <a:lvl7pPr marL="2057400" indent="0">
-              <a:buNone/>
-              <a:defRPr sz="1200" b="1"/>
+            <a:lvl7pPr marL="3653668" indent="0">
+              <a:buNone/>
+              <a:defRPr sz="2131" b="1"/>
             </a:lvl7pPr>
-            <a:lvl8pPr marL="2400300" indent="0">
-              <a:buNone/>
-              <a:defRPr sz="1200" b="1"/>
+            <a:lvl8pPr marL="4262613" indent="0">
+              <a:buNone/>
+              <a:defRPr sz="2131" b="1"/>
             </a:lvl8pPr>
-            <a:lvl9pPr marL="2743200" indent="0">
-              <a:buNone/>
-              <a:defRPr sz="1200" b="1"/>
+            <a:lvl9pPr marL="4871557" indent="0">
+              <a:buNone/>
+              <a:defRPr sz="2131" b="1"/>
             </a:lvl9pPr>
           </a:lstStyle>
           <a:p>
@@ -1539,8 +1539,8 @@
         </p:nvSpPr>
         <p:spPr>
           <a:xfrm>
-            <a:off x="3471863" y="3340100"/>
-            <a:ext cx="2915543" cy="4912784"/>
+            <a:off x="6165771" y="3336620"/>
+            <a:ext cx="5177789" cy="4907667"/>
           </a:xfrm>
         </p:spPr>
         <p:txBody>
@@ -1599,7 +1599,7 @@
           <a:bodyPr/>
           <a:lstStyle/>
           <a:p>
-            <a:fld id="{88C959E9-FC84-4BB7-BD68-608EB7FE0B53}" type="datetimeFigureOut">
+            <a:fld id="{3876C20E-AA49-4326-9523-6CB48867F0C7}" type="datetimeFigureOut">
               <a:rPr lang="en-US" smtClean="0"/>
               <a:t>4/23/2019</a:t>
             </a:fld>
@@ -1641,7 +1641,7 @@
           <a:bodyPr/>
           <a:lstStyle/>
           <a:p>
-            <a:fld id="{D8D498DE-22BD-409E-A79F-96C816FDF884}" type="slidenum">
+            <a:fld id="{89D42CA6-5633-4728-A24F-87669370FB2D}" type="slidenum">
               <a:rPr lang="en-US" smtClean="0"/>
               <a:t>‹#›</a:t>
             </a:fld>
@@ -1652,7 +1652,7 @@
     </p:spTree>
     <p:extLst>
       <p:ext uri="{BB962C8B-B14F-4D97-AF65-F5344CB8AC3E}">
-        <p14:creationId xmlns:p14="http://schemas.microsoft.com/office/powerpoint/2010/main" val="816143486"/>
+        <p14:creationId xmlns:p14="http://schemas.microsoft.com/office/powerpoint/2010/main" val="3909234939"/>
       </p:ext>
     </p:extLst>
   </p:cSld>
@@ -1717,7 +1717,7 @@
           <a:bodyPr/>
           <a:lstStyle/>
           <a:p>
-            <a:fld id="{88C959E9-FC84-4BB7-BD68-608EB7FE0B53}" type="datetimeFigureOut">
+            <a:fld id="{3876C20E-AA49-4326-9523-6CB48867F0C7}" type="datetimeFigureOut">
               <a:rPr lang="en-US" smtClean="0"/>
               <a:t>4/23/2019</a:t>
             </a:fld>
@@ -1759,7 +1759,7 @@
           <a:bodyPr/>
           <a:lstStyle/>
           <a:p>
-            <a:fld id="{D8D498DE-22BD-409E-A79F-96C816FDF884}" type="slidenum">
+            <a:fld id="{89D42CA6-5633-4728-A24F-87669370FB2D}" type="slidenum">
               <a:rPr lang="en-US" smtClean="0"/>
               <a:t>‹#›</a:t>
             </a:fld>
@@ -1770,7 +1770,7 @@
     </p:spTree>
     <p:extLst>
       <p:ext uri="{BB962C8B-B14F-4D97-AF65-F5344CB8AC3E}">
-        <p14:creationId xmlns:p14="http://schemas.microsoft.com/office/powerpoint/2010/main" val="3304085337"/>
+        <p14:creationId xmlns:p14="http://schemas.microsoft.com/office/powerpoint/2010/main" val="2798994751"/>
       </p:ext>
     </p:extLst>
   </p:cSld>
@@ -1812,7 +1812,7 @@
           <a:bodyPr/>
           <a:lstStyle/>
           <a:p>
-            <a:fld id="{88C959E9-FC84-4BB7-BD68-608EB7FE0B53}" type="datetimeFigureOut">
+            <a:fld id="{3876C20E-AA49-4326-9523-6CB48867F0C7}" type="datetimeFigureOut">
               <a:rPr lang="en-US" smtClean="0"/>
               <a:t>4/23/2019</a:t>
             </a:fld>
@@ -1854,7 +1854,7 @@
           <a:bodyPr/>
           <a:lstStyle/>
           <a:p>
-            <a:fld id="{D8D498DE-22BD-409E-A79F-96C816FDF884}" type="slidenum">
+            <a:fld id="{89D42CA6-5633-4728-A24F-87669370FB2D}" type="slidenum">
               <a:rPr lang="en-US" smtClean="0"/>
               <a:t>‹#›</a:t>
             </a:fld>
@@ -1865,7 +1865,7 @@
     </p:spTree>
     <p:extLst>
       <p:ext uri="{BB962C8B-B14F-4D97-AF65-F5344CB8AC3E}">
-        <p14:creationId xmlns:p14="http://schemas.microsoft.com/office/powerpoint/2010/main" val="789325347"/>
+        <p14:creationId xmlns:p14="http://schemas.microsoft.com/office/powerpoint/2010/main" val="459273426"/>
       </p:ext>
     </p:extLst>
   </p:cSld>
@@ -1904,15 +1904,15 @@
         </p:nvSpPr>
         <p:spPr>
           <a:xfrm>
-            <a:off x="472381" y="609600"/>
-            <a:ext cx="2211884" cy="2133600"/>
+            <a:off x="838913" y="608965"/>
+            <a:ext cx="3928141" cy="2131378"/>
           </a:xfrm>
         </p:spPr>
         <p:txBody>
           <a:bodyPr anchor="b"/>
           <a:lstStyle>
             <a:lvl1pPr>
-              <a:defRPr sz="2400"/>
+              <a:defRPr sz="4262"/>
             </a:lvl1pPr>
           </a:lstStyle>
           <a:p>
@@ -1936,39 +1936,39 @@
         </p:nvSpPr>
         <p:spPr>
           <a:xfrm>
-            <a:off x="2915543" y="1316569"/>
-            <a:ext cx="3471863" cy="6498167"/>
+            <a:off x="5177789" y="1315197"/>
+            <a:ext cx="6165771" cy="6491398"/>
           </a:xfrm>
         </p:spPr>
         <p:txBody>
           <a:bodyPr/>
           <a:lstStyle>
             <a:lvl1pPr>
-              <a:defRPr sz="2400"/>
+              <a:defRPr sz="4262"/>
             </a:lvl1pPr>
             <a:lvl2pPr>
-              <a:defRPr sz="2100"/>
+              <a:defRPr sz="3729"/>
             </a:lvl2pPr>
             <a:lvl3pPr>
-              <a:defRPr sz="1800"/>
+              <a:defRPr sz="3197"/>
             </a:lvl3pPr>
             <a:lvl4pPr>
-              <a:defRPr sz="1500"/>
+              <a:defRPr sz="2664"/>
             </a:lvl4pPr>
             <a:lvl5pPr>
-              <a:defRPr sz="1500"/>
+              <a:defRPr sz="2664"/>
             </a:lvl5pPr>
             <a:lvl6pPr>
-              <a:defRPr sz="1500"/>
+              <a:defRPr sz="2664"/>
             </a:lvl6pPr>
             <a:lvl7pPr>
-              <a:defRPr sz="1500"/>
+              <a:defRPr sz="2664"/>
             </a:lvl7pPr>
             <a:lvl8pPr>
-              <a:defRPr sz="1500"/>
+              <a:defRPr sz="2664"/>
             </a:lvl8pPr>
             <a:lvl9pPr>
-              <a:defRPr sz="1500"/>
+              <a:defRPr sz="2664"/>
             </a:lvl9pPr>
           </a:lstStyle>
           <a:p>
@@ -2021,8 +2021,8 @@
         </p:nvSpPr>
         <p:spPr>
           <a:xfrm>
-            <a:off x="472381" y="2743200"/>
-            <a:ext cx="2211884" cy="5082117"/>
+            <a:off x="838913" y="2740343"/>
+            <a:ext cx="3928141" cy="5076823"/>
           </a:xfrm>
         </p:spPr>
         <p:txBody>
@@ -2030,39 +2030,39 @@
           <a:lstStyle>
             <a:lvl1pPr marL="0" indent="0">
               <a:buNone/>
-              <a:defRPr sz="1200"/>
+              <a:defRPr sz="2131"/>
             </a:lvl1pPr>
-            <a:lvl2pPr marL="342900" indent="0">
-              <a:buNone/>
-              <a:defRPr sz="1050"/>
+            <a:lvl2pPr marL="608945" indent="0">
+              <a:buNone/>
+              <a:defRPr sz="1865"/>
             </a:lvl2pPr>
-            <a:lvl3pPr marL="685800" indent="0">
-              <a:buNone/>
-              <a:defRPr sz="900"/>
+            <a:lvl3pPr marL="1217889" indent="0">
+              <a:buNone/>
+              <a:defRPr sz="1598"/>
             </a:lvl3pPr>
-            <a:lvl4pPr marL="1028700" indent="0">
-              <a:buNone/>
-              <a:defRPr sz="750"/>
+            <a:lvl4pPr marL="1826834" indent="0">
+              <a:buNone/>
+              <a:defRPr sz="1332"/>
             </a:lvl4pPr>
-            <a:lvl5pPr marL="1371600" indent="0">
-              <a:buNone/>
-              <a:defRPr sz="750"/>
+            <a:lvl5pPr marL="2435779" indent="0">
+              <a:buNone/>
+              <a:defRPr sz="1332"/>
             </a:lvl5pPr>
-            <a:lvl6pPr marL="1714500" indent="0">
-              <a:buNone/>
-              <a:defRPr sz="750"/>
+            <a:lvl6pPr marL="3044723" indent="0">
+              <a:buNone/>
+              <a:defRPr sz="1332"/>
             </a:lvl6pPr>
-            <a:lvl7pPr marL="2057400" indent="0">
-              <a:buNone/>
-              <a:defRPr sz="750"/>
+            <a:lvl7pPr marL="3653668" indent="0">
+              <a:buNone/>
+              <a:defRPr sz="1332"/>
             </a:lvl7pPr>
-            <a:lvl8pPr marL="2400300" indent="0">
-              <a:buNone/>
-              <a:defRPr sz="750"/>
+            <a:lvl8pPr marL="4262613" indent="0">
+              <a:buNone/>
+              <a:defRPr sz="1332"/>
             </a:lvl8pPr>
-            <a:lvl9pPr marL="2743200" indent="0">
-              <a:buNone/>
-              <a:defRPr sz="750"/>
+            <a:lvl9pPr marL="4871557" indent="0">
+              <a:buNone/>
+              <a:defRPr sz="1332"/>
             </a:lvl9pPr>
           </a:lstStyle>
           <a:p>
@@ -2089,7 +2089,7 @@
           <a:bodyPr/>
           <a:lstStyle/>
           <a:p>
-            <a:fld id="{88C959E9-FC84-4BB7-BD68-608EB7FE0B53}" type="datetimeFigureOut">
+            <a:fld id="{3876C20E-AA49-4326-9523-6CB48867F0C7}" type="datetimeFigureOut">
               <a:rPr lang="en-US" smtClean="0"/>
               <a:t>4/23/2019</a:t>
             </a:fld>
@@ -2131,7 +2131,7 @@
           <a:bodyPr/>
           <a:lstStyle/>
           <a:p>
-            <a:fld id="{D8D498DE-22BD-409E-A79F-96C816FDF884}" type="slidenum">
+            <a:fld id="{89D42CA6-5633-4728-A24F-87669370FB2D}" type="slidenum">
               <a:rPr lang="en-US" smtClean="0"/>
               <a:t>‹#›</a:t>
             </a:fld>
@@ -2142,7 +2142,7 @@
     </p:spTree>
     <p:extLst>
       <p:ext uri="{BB962C8B-B14F-4D97-AF65-F5344CB8AC3E}">
-        <p14:creationId xmlns:p14="http://schemas.microsoft.com/office/powerpoint/2010/main" val="265809568"/>
+        <p14:creationId xmlns:p14="http://schemas.microsoft.com/office/powerpoint/2010/main" val="1769809187"/>
       </p:ext>
     </p:extLst>
   </p:cSld>
@@ -2181,15 +2181,15 @@
         </p:nvSpPr>
         <p:spPr>
           <a:xfrm>
-            <a:off x="472381" y="609600"/>
-            <a:ext cx="2211884" cy="2133600"/>
+            <a:off x="838913" y="608965"/>
+            <a:ext cx="3928141" cy="2131378"/>
           </a:xfrm>
         </p:spPr>
         <p:txBody>
           <a:bodyPr anchor="b"/>
           <a:lstStyle>
             <a:lvl1pPr>
-              <a:defRPr sz="2400"/>
+              <a:defRPr sz="4262"/>
             </a:lvl1pPr>
           </a:lstStyle>
           <a:p>
@@ -2213,8 +2213,8 @@
         </p:nvSpPr>
         <p:spPr>
           <a:xfrm>
-            <a:off x="2915543" y="1316569"/>
-            <a:ext cx="3471863" cy="6498167"/>
+            <a:off x="5177789" y="1315197"/>
+            <a:ext cx="6165771" cy="6491398"/>
           </a:xfrm>
         </p:spPr>
         <p:txBody>
@@ -2222,39 +2222,39 @@
           <a:lstStyle>
             <a:lvl1pPr marL="0" indent="0">
               <a:buNone/>
-              <a:defRPr sz="2400"/>
+              <a:defRPr sz="4262"/>
             </a:lvl1pPr>
-            <a:lvl2pPr marL="342900" indent="0">
-              <a:buNone/>
-              <a:defRPr sz="2100"/>
+            <a:lvl2pPr marL="608945" indent="0">
+              <a:buNone/>
+              <a:defRPr sz="3729"/>
             </a:lvl2pPr>
-            <a:lvl3pPr marL="685800" indent="0">
-              <a:buNone/>
-              <a:defRPr sz="1800"/>
+            <a:lvl3pPr marL="1217889" indent="0">
+              <a:buNone/>
+              <a:defRPr sz="3197"/>
             </a:lvl3pPr>
-            <a:lvl4pPr marL="1028700" indent="0">
-              <a:buNone/>
-              <a:defRPr sz="1500"/>
+            <a:lvl4pPr marL="1826834" indent="0">
+              <a:buNone/>
+              <a:defRPr sz="2664"/>
             </a:lvl4pPr>
-            <a:lvl5pPr marL="1371600" indent="0">
-              <a:buNone/>
-              <a:defRPr sz="1500"/>
+            <a:lvl5pPr marL="2435779" indent="0">
+              <a:buNone/>
+              <a:defRPr sz="2664"/>
             </a:lvl5pPr>
-            <a:lvl6pPr marL="1714500" indent="0">
-              <a:buNone/>
-              <a:defRPr sz="1500"/>
+            <a:lvl6pPr marL="3044723" indent="0">
+              <a:buNone/>
+              <a:defRPr sz="2664"/>
             </a:lvl6pPr>
-            <a:lvl7pPr marL="2057400" indent="0">
-              <a:buNone/>
-              <a:defRPr sz="1500"/>
+            <a:lvl7pPr marL="3653668" indent="0">
+              <a:buNone/>
+              <a:defRPr sz="2664"/>
             </a:lvl7pPr>
-            <a:lvl8pPr marL="2400300" indent="0">
-              <a:buNone/>
-              <a:defRPr sz="1500"/>
+            <a:lvl8pPr marL="4262613" indent="0">
+              <a:buNone/>
+              <a:defRPr sz="2664"/>
             </a:lvl8pPr>
-            <a:lvl9pPr marL="2743200" indent="0">
-              <a:buNone/>
-              <a:defRPr sz="1500"/>
+            <a:lvl9pPr marL="4871557" indent="0">
+              <a:buNone/>
+              <a:defRPr sz="2664"/>
             </a:lvl9pPr>
           </a:lstStyle>
           <a:p>
@@ -2278,8 +2278,8 @@
         </p:nvSpPr>
         <p:spPr>
           <a:xfrm>
-            <a:off x="472381" y="2743200"/>
-            <a:ext cx="2211884" cy="5082117"/>
+            <a:off x="838913" y="2740343"/>
+            <a:ext cx="3928141" cy="5076823"/>
           </a:xfrm>
         </p:spPr>
         <p:txBody>
@@ -2287,39 +2287,39 @@
           <a:lstStyle>
             <a:lvl1pPr marL="0" indent="0">
               <a:buNone/>
-              <a:defRPr sz="1200"/>
+              <a:defRPr sz="2131"/>
             </a:lvl1pPr>
-            <a:lvl2pPr marL="342900" indent="0">
-              <a:buNone/>
-              <a:defRPr sz="1050"/>
+            <a:lvl2pPr marL="608945" indent="0">
+              <a:buNone/>
+              <a:defRPr sz="1865"/>
             </a:lvl2pPr>
-            <a:lvl3pPr marL="685800" indent="0">
-              <a:buNone/>
-              <a:defRPr sz="900"/>
+            <a:lvl3pPr marL="1217889" indent="0">
+              <a:buNone/>
+              <a:defRPr sz="1598"/>
             </a:lvl3pPr>
-            <a:lvl4pPr marL="1028700" indent="0">
-              <a:buNone/>
-              <a:defRPr sz="750"/>
+            <a:lvl4pPr marL="1826834" indent="0">
+              <a:buNone/>
+              <a:defRPr sz="1332"/>
             </a:lvl4pPr>
-            <a:lvl5pPr marL="1371600" indent="0">
-              <a:buNone/>
-              <a:defRPr sz="750"/>
+            <a:lvl5pPr marL="2435779" indent="0">
+              <a:buNone/>
+              <a:defRPr sz="1332"/>
             </a:lvl5pPr>
-            <a:lvl6pPr marL="1714500" indent="0">
-              <a:buNone/>
-              <a:defRPr sz="750"/>
+            <a:lvl6pPr marL="3044723" indent="0">
+              <a:buNone/>
+              <a:defRPr sz="1332"/>
             </a:lvl6pPr>
-            <a:lvl7pPr marL="2057400" indent="0">
-              <a:buNone/>
-              <a:defRPr sz="750"/>
+            <a:lvl7pPr marL="3653668" indent="0">
+              <a:buNone/>
+              <a:defRPr sz="1332"/>
             </a:lvl7pPr>
-            <a:lvl8pPr marL="2400300" indent="0">
-              <a:buNone/>
-              <a:defRPr sz="750"/>
+            <a:lvl8pPr marL="4262613" indent="0">
+              <a:buNone/>
+              <a:defRPr sz="1332"/>
             </a:lvl8pPr>
-            <a:lvl9pPr marL="2743200" indent="0">
-              <a:buNone/>
-              <a:defRPr sz="750"/>
+            <a:lvl9pPr marL="4871557" indent="0">
+              <a:buNone/>
+              <a:defRPr sz="1332"/>
             </a:lvl9pPr>
           </a:lstStyle>
           <a:p>
@@ -2346,7 +2346,7 @@
           <a:bodyPr/>
           <a:lstStyle/>
           <a:p>
-            <a:fld id="{88C959E9-FC84-4BB7-BD68-608EB7FE0B53}" type="datetimeFigureOut">
+            <a:fld id="{3876C20E-AA49-4326-9523-6CB48867F0C7}" type="datetimeFigureOut">
               <a:rPr lang="en-US" smtClean="0"/>
               <a:t>4/23/2019</a:t>
             </a:fld>
@@ -2388,7 +2388,7 @@
           <a:bodyPr/>
           <a:lstStyle/>
           <a:p>
-            <a:fld id="{D8D498DE-22BD-409E-A79F-96C816FDF884}" type="slidenum">
+            <a:fld id="{89D42CA6-5633-4728-A24F-87669370FB2D}" type="slidenum">
               <a:rPr lang="en-US" smtClean="0"/>
               <a:t>‹#›</a:t>
             </a:fld>
@@ -2399,7 +2399,7 @@
     </p:spTree>
     <p:extLst>
       <p:ext uri="{BB962C8B-B14F-4D97-AF65-F5344CB8AC3E}">
-        <p14:creationId xmlns:p14="http://schemas.microsoft.com/office/powerpoint/2010/main" val="567541999"/>
+        <p14:creationId xmlns:p14="http://schemas.microsoft.com/office/powerpoint/2010/main" val="1937477241"/>
       </p:ext>
     </p:extLst>
   </p:cSld>
@@ -2443,8 +2443,8 @@
         </p:nvSpPr>
         <p:spPr>
           <a:xfrm>
-            <a:off x="471488" y="486836"/>
-            <a:ext cx="5915025" cy="1767417"/>
+            <a:off x="837327" y="486328"/>
+            <a:ext cx="10504646" cy="1765576"/>
           </a:xfrm>
           <a:prstGeom prst="rect">
             <a:avLst/>
@@ -2476,8 +2476,8 @@
         </p:nvSpPr>
         <p:spPr>
           <a:xfrm>
-            <a:off x="471488" y="2434167"/>
-            <a:ext cx="5915025" cy="5801784"/>
+            <a:off x="837327" y="2431631"/>
+            <a:ext cx="10504646" cy="5795740"/>
           </a:xfrm>
           <a:prstGeom prst="rect">
             <a:avLst/>
@@ -2538,8 +2538,8 @@
         </p:nvSpPr>
         <p:spPr>
           <a:xfrm>
-            <a:off x="471488" y="8475136"/>
-            <a:ext cx="1543050" cy="486833"/>
+            <a:off x="837327" y="8466307"/>
+            <a:ext cx="2740343" cy="486326"/>
           </a:xfrm>
           <a:prstGeom prst="rect">
             <a:avLst/>
@@ -2549,7 +2549,7 @@
           <a:bodyPr vert="horz" lIns="91440" tIns="45720" rIns="91440" bIns="45720" rtlCol="0" anchor="ctr"/>
           <a:lstStyle>
             <a:lvl1pPr algn="l">
-              <a:defRPr sz="900">
+              <a:defRPr sz="1598">
                 <a:solidFill>
                   <a:schemeClr val="tx1">
                     <a:tint val="75000"/>
@@ -2559,7 +2559,7 @@
             </a:lvl1pPr>
           </a:lstStyle>
           <a:p>
-            <a:fld id="{88C959E9-FC84-4BB7-BD68-608EB7FE0B53}" type="datetimeFigureOut">
+            <a:fld id="{3876C20E-AA49-4326-9523-6CB48867F0C7}" type="datetimeFigureOut">
               <a:rPr lang="en-US" smtClean="0"/>
               <a:t>4/23/2019</a:t>
             </a:fld>
@@ -2579,8 +2579,8 @@
         </p:nvSpPr>
         <p:spPr>
           <a:xfrm>
-            <a:off x="2271713" y="8475136"/>
-            <a:ext cx="2314575" cy="486833"/>
+            <a:off x="4034393" y="8466307"/>
+            <a:ext cx="4110514" cy="486326"/>
           </a:xfrm>
           <a:prstGeom prst="rect">
             <a:avLst/>
@@ -2590,7 +2590,7 @@
           <a:bodyPr vert="horz" lIns="91440" tIns="45720" rIns="91440" bIns="45720" rtlCol="0" anchor="ctr"/>
           <a:lstStyle>
             <a:lvl1pPr algn="ctr">
-              <a:defRPr sz="900">
+              <a:defRPr sz="1598">
                 <a:solidFill>
                   <a:schemeClr val="tx1">
                     <a:tint val="75000"/>
@@ -2616,8 +2616,8 @@
         </p:nvSpPr>
         <p:spPr>
           <a:xfrm>
-            <a:off x="4843463" y="8475136"/>
-            <a:ext cx="1543050" cy="486833"/>
+            <a:off x="8601630" y="8466307"/>
+            <a:ext cx="2740343" cy="486326"/>
           </a:xfrm>
           <a:prstGeom prst="rect">
             <a:avLst/>
@@ -2627,7 +2627,7 @@
           <a:bodyPr vert="horz" lIns="91440" tIns="45720" rIns="91440" bIns="45720" rtlCol="0" anchor="ctr"/>
           <a:lstStyle>
             <a:lvl1pPr algn="r">
-              <a:defRPr sz="900">
+              <a:defRPr sz="1598">
                 <a:solidFill>
                   <a:schemeClr val="tx1">
                     <a:tint val="75000"/>
@@ -2637,7 +2637,7 @@
             </a:lvl1pPr>
           </a:lstStyle>
           <a:p>
-            <a:fld id="{D8D498DE-22BD-409E-A79F-96C816FDF884}" type="slidenum">
+            <a:fld id="{89D42CA6-5633-4728-A24F-87669370FB2D}" type="slidenum">
               <a:rPr lang="en-US" smtClean="0"/>
               <a:t>‹#›</a:t>
             </a:fld>
@@ -2648,27 +2648,27 @@
     </p:spTree>
     <p:extLst>
       <p:ext uri="{BB962C8B-B14F-4D97-AF65-F5344CB8AC3E}">
-        <p14:creationId xmlns:p14="http://schemas.microsoft.com/office/powerpoint/2010/main" val="3835954404"/>
+        <p14:creationId xmlns:p14="http://schemas.microsoft.com/office/powerpoint/2010/main" val="1875274257"/>
       </p:ext>
     </p:extLst>
   </p:cSld>
   <p:clrMap bg1="lt1" tx1="dk1" bg2="lt2" tx2="dk2" accent1="accent1" accent2="accent2" accent3="accent3" accent4="accent4" accent5="accent5" accent6="accent6" hlink="hlink" folHlink="folHlink"/>
   <p:sldLayoutIdLst>
-    <p:sldLayoutId id="2147483673" r:id="rId1"/>
-    <p:sldLayoutId id="2147483674" r:id="rId2"/>
-    <p:sldLayoutId id="2147483675" r:id="rId3"/>
-    <p:sldLayoutId id="2147483676" r:id="rId4"/>
-    <p:sldLayoutId id="2147483677" r:id="rId5"/>
-    <p:sldLayoutId id="2147483678" r:id="rId6"/>
-    <p:sldLayoutId id="2147483679" r:id="rId7"/>
-    <p:sldLayoutId id="2147483680" r:id="rId8"/>
-    <p:sldLayoutId id="2147483681" r:id="rId9"/>
-    <p:sldLayoutId id="2147483682" r:id="rId10"/>
-    <p:sldLayoutId id="2147483683" r:id="rId11"/>
+    <p:sldLayoutId id="2147483661" r:id="rId1"/>
+    <p:sldLayoutId id="2147483662" r:id="rId2"/>
+    <p:sldLayoutId id="2147483663" r:id="rId3"/>
+    <p:sldLayoutId id="2147483664" r:id="rId4"/>
+    <p:sldLayoutId id="2147483665" r:id="rId5"/>
+    <p:sldLayoutId id="2147483666" r:id="rId6"/>
+    <p:sldLayoutId id="2147483667" r:id="rId7"/>
+    <p:sldLayoutId id="2147483668" r:id="rId8"/>
+    <p:sldLayoutId id="2147483669" r:id="rId9"/>
+    <p:sldLayoutId id="2147483670" r:id="rId10"/>
+    <p:sldLayoutId id="2147483671" r:id="rId11"/>
   </p:sldLayoutIdLst>
   <p:txStyles>
     <p:titleStyle>
-      <a:lvl1pPr algn="l" defTabSz="685800" rtl="0" eaLnBrk="1" latinLnBrk="0" hangingPunct="1">
+      <a:lvl1pPr algn="l" defTabSz="1217889" rtl="0" eaLnBrk="1" latinLnBrk="0" hangingPunct="1">
         <a:lnSpc>
           <a:spcPct val="90000"/>
         </a:lnSpc>
@@ -2676,7 +2676,7 @@
           <a:spcPct val="0"/>
         </a:spcBef>
         <a:buNone/>
-        <a:defRPr sz="3300" kern="1200">
+        <a:defRPr sz="5860" kern="1200">
           <a:solidFill>
             <a:schemeClr val="tx1"/>
           </a:solidFill>
@@ -2687,16 +2687,16 @@
       </a:lvl1pPr>
     </p:titleStyle>
     <p:bodyStyle>
-      <a:lvl1pPr marL="171450" indent="-171450" algn="l" defTabSz="685800" rtl="0" eaLnBrk="1" latinLnBrk="0" hangingPunct="1">
+      <a:lvl1pPr marL="304472" indent="-304472" algn="l" defTabSz="1217889" rtl="0" eaLnBrk="1" latinLnBrk="0" hangingPunct="1">
         <a:lnSpc>
           <a:spcPct val="90000"/>
         </a:lnSpc>
         <a:spcBef>
-          <a:spcPts val="750"/>
+          <a:spcPts val="1332"/>
         </a:spcBef>
         <a:buFont typeface="Arial" panose="020B0604020202020204" pitchFamily="34" charset="0"/>
         <a:buChar char="•"/>
-        <a:defRPr sz="2100" kern="1200">
+        <a:defRPr sz="3729" kern="1200">
           <a:solidFill>
             <a:schemeClr val="tx1"/>
           </a:solidFill>
@@ -2705,16 +2705,16 @@
           <a:cs typeface="+mn-cs"/>
         </a:defRPr>
       </a:lvl1pPr>
-      <a:lvl2pPr marL="514350" indent="-171450" algn="l" defTabSz="685800" rtl="0" eaLnBrk="1" latinLnBrk="0" hangingPunct="1">
+      <a:lvl2pPr marL="913417" indent="-304472" algn="l" defTabSz="1217889" rtl="0" eaLnBrk="1" latinLnBrk="0" hangingPunct="1">
         <a:lnSpc>
           <a:spcPct val="90000"/>
         </a:lnSpc>
         <a:spcBef>
-          <a:spcPts val="375"/>
+          <a:spcPts val="666"/>
         </a:spcBef>
         <a:buFont typeface="Arial" panose="020B0604020202020204" pitchFamily="34" charset="0"/>
         <a:buChar char="•"/>
-        <a:defRPr sz="1800" kern="1200">
+        <a:defRPr sz="3197" kern="1200">
           <a:solidFill>
             <a:schemeClr val="tx1"/>
           </a:solidFill>
@@ -2723,16 +2723,16 @@
           <a:cs typeface="+mn-cs"/>
         </a:defRPr>
       </a:lvl2pPr>
-      <a:lvl3pPr marL="857250" indent="-171450" algn="l" defTabSz="685800" rtl="0" eaLnBrk="1" latinLnBrk="0" hangingPunct="1">
+      <a:lvl3pPr marL="1522362" indent="-304472" algn="l" defTabSz="1217889" rtl="0" eaLnBrk="1" latinLnBrk="0" hangingPunct="1">
         <a:lnSpc>
           <a:spcPct val="90000"/>
         </a:lnSpc>
         <a:spcBef>
-          <a:spcPts val="375"/>
+          <a:spcPts val="666"/>
         </a:spcBef>
         <a:buFont typeface="Arial" panose="020B0604020202020204" pitchFamily="34" charset="0"/>
         <a:buChar char="•"/>
-        <a:defRPr sz="1500" kern="1200">
+        <a:defRPr sz="2664" kern="1200">
           <a:solidFill>
             <a:schemeClr val="tx1"/>
           </a:solidFill>
@@ -2741,16 +2741,16 @@
           <a:cs typeface="+mn-cs"/>
         </a:defRPr>
       </a:lvl3pPr>
-      <a:lvl4pPr marL="1200150" indent="-171450" algn="l" defTabSz="685800" rtl="0" eaLnBrk="1" latinLnBrk="0" hangingPunct="1">
+      <a:lvl4pPr marL="2131306" indent="-304472" algn="l" defTabSz="1217889" rtl="0" eaLnBrk="1" latinLnBrk="0" hangingPunct="1">
         <a:lnSpc>
           <a:spcPct val="90000"/>
         </a:lnSpc>
         <a:spcBef>
-          <a:spcPts val="375"/>
+          <a:spcPts val="666"/>
         </a:spcBef>
         <a:buFont typeface="Arial" panose="020B0604020202020204" pitchFamily="34" charset="0"/>
         <a:buChar char="•"/>
-        <a:defRPr sz="1350" kern="1200">
+        <a:defRPr sz="2397" kern="1200">
           <a:solidFill>
             <a:schemeClr val="tx1"/>
           </a:solidFill>
@@ -2759,16 +2759,16 @@
           <a:cs typeface="+mn-cs"/>
         </a:defRPr>
       </a:lvl4pPr>
-      <a:lvl5pPr marL="1543050" indent="-171450" algn="l" defTabSz="685800" rtl="0" eaLnBrk="1" latinLnBrk="0" hangingPunct="1">
+      <a:lvl5pPr marL="2740251" indent="-304472" algn="l" defTabSz="1217889" rtl="0" eaLnBrk="1" latinLnBrk="0" hangingPunct="1">
         <a:lnSpc>
           <a:spcPct val="90000"/>
         </a:lnSpc>
         <a:spcBef>
-          <a:spcPts val="375"/>
+          <a:spcPts val="666"/>
         </a:spcBef>
         <a:buFont typeface="Arial" panose="020B0604020202020204" pitchFamily="34" charset="0"/>
         <a:buChar char="•"/>
-        <a:defRPr sz="1350" kern="1200">
+        <a:defRPr sz="2397" kern="1200">
           <a:solidFill>
             <a:schemeClr val="tx1"/>
           </a:solidFill>
@@ -2777,16 +2777,16 @@
           <a:cs typeface="+mn-cs"/>
         </a:defRPr>
       </a:lvl5pPr>
-      <a:lvl6pPr marL="1885950" indent="-171450" algn="l" defTabSz="685800" rtl="0" eaLnBrk="1" latinLnBrk="0" hangingPunct="1">
+      <a:lvl6pPr marL="3349196" indent="-304472" algn="l" defTabSz="1217889" rtl="0" eaLnBrk="1" latinLnBrk="0" hangingPunct="1">
         <a:lnSpc>
           <a:spcPct val="90000"/>
         </a:lnSpc>
         <a:spcBef>
-          <a:spcPts val="375"/>
+          <a:spcPts val="666"/>
         </a:spcBef>
         <a:buFont typeface="Arial" panose="020B0604020202020204" pitchFamily="34" charset="0"/>
         <a:buChar char="•"/>
-        <a:defRPr sz="1350" kern="1200">
+        <a:defRPr sz="2397" kern="1200">
           <a:solidFill>
             <a:schemeClr val="tx1"/>
           </a:solidFill>
@@ -2795,16 +2795,16 @@
           <a:cs typeface="+mn-cs"/>
         </a:defRPr>
       </a:lvl6pPr>
-      <a:lvl7pPr marL="2228850" indent="-171450" algn="l" defTabSz="685800" rtl="0" eaLnBrk="1" latinLnBrk="0" hangingPunct="1">
+      <a:lvl7pPr marL="3958140" indent="-304472" algn="l" defTabSz="1217889" rtl="0" eaLnBrk="1" latinLnBrk="0" hangingPunct="1">
         <a:lnSpc>
           <a:spcPct val="90000"/>
         </a:lnSpc>
         <a:spcBef>
-          <a:spcPts val="375"/>
+          <a:spcPts val="666"/>
         </a:spcBef>
         <a:buFont typeface="Arial" panose="020B0604020202020204" pitchFamily="34" charset="0"/>
         <a:buChar char="•"/>
-        <a:defRPr sz="1350" kern="1200">
+        <a:defRPr sz="2397" kern="1200">
           <a:solidFill>
             <a:schemeClr val="tx1"/>
           </a:solidFill>
@@ -2813,16 +2813,16 @@
           <a:cs typeface="+mn-cs"/>
         </a:defRPr>
       </a:lvl7pPr>
-      <a:lvl8pPr marL="2571750" indent="-171450" algn="l" defTabSz="685800" rtl="0" eaLnBrk="1" latinLnBrk="0" hangingPunct="1">
+      <a:lvl8pPr marL="4567085" indent="-304472" algn="l" defTabSz="1217889" rtl="0" eaLnBrk="1" latinLnBrk="0" hangingPunct="1">
         <a:lnSpc>
           <a:spcPct val="90000"/>
         </a:lnSpc>
         <a:spcBef>
-          <a:spcPts val="375"/>
+          <a:spcPts val="666"/>
         </a:spcBef>
         <a:buFont typeface="Arial" panose="020B0604020202020204" pitchFamily="34" charset="0"/>
         <a:buChar char="•"/>
-        <a:defRPr sz="1350" kern="1200">
+        <a:defRPr sz="2397" kern="1200">
           <a:solidFill>
             <a:schemeClr val="tx1"/>
           </a:solidFill>
@@ -2831,16 +2831,16 @@
           <a:cs typeface="+mn-cs"/>
         </a:defRPr>
       </a:lvl8pPr>
-      <a:lvl9pPr marL="2914650" indent="-171450" algn="l" defTabSz="685800" rtl="0" eaLnBrk="1" latinLnBrk="0" hangingPunct="1">
+      <a:lvl9pPr marL="5176030" indent="-304472" algn="l" defTabSz="1217889" rtl="0" eaLnBrk="1" latinLnBrk="0" hangingPunct="1">
         <a:lnSpc>
           <a:spcPct val="90000"/>
         </a:lnSpc>
         <a:spcBef>
-          <a:spcPts val="375"/>
+          <a:spcPts val="666"/>
         </a:spcBef>
         <a:buFont typeface="Arial" panose="020B0604020202020204" pitchFamily="34" charset="0"/>
         <a:buChar char="•"/>
-        <a:defRPr sz="1350" kern="1200">
+        <a:defRPr sz="2397" kern="1200">
           <a:solidFill>
             <a:schemeClr val="tx1"/>
           </a:solidFill>
@@ -2854,8 +2854,8 @@
       <a:defPPr>
         <a:defRPr lang="en-US"/>
       </a:defPPr>
-      <a:lvl1pPr marL="0" algn="l" defTabSz="685800" rtl="0" eaLnBrk="1" latinLnBrk="0" hangingPunct="1">
-        <a:defRPr sz="1350" kern="1200">
+      <a:lvl1pPr marL="0" algn="l" defTabSz="1217889" rtl="0" eaLnBrk="1" latinLnBrk="0" hangingPunct="1">
+        <a:defRPr sz="2397" kern="1200">
           <a:solidFill>
             <a:schemeClr val="tx1"/>
           </a:solidFill>
@@ -2864,8 +2864,8 @@
           <a:cs typeface="+mn-cs"/>
         </a:defRPr>
       </a:lvl1pPr>
-      <a:lvl2pPr marL="342900" algn="l" defTabSz="685800" rtl="0" eaLnBrk="1" latinLnBrk="0" hangingPunct="1">
-        <a:defRPr sz="1350" kern="1200">
+      <a:lvl2pPr marL="608945" algn="l" defTabSz="1217889" rtl="0" eaLnBrk="1" latinLnBrk="0" hangingPunct="1">
+        <a:defRPr sz="2397" kern="1200">
           <a:solidFill>
             <a:schemeClr val="tx1"/>
           </a:solidFill>
@@ -2874,8 +2874,8 @@
           <a:cs typeface="+mn-cs"/>
         </a:defRPr>
       </a:lvl2pPr>
-      <a:lvl3pPr marL="685800" algn="l" defTabSz="685800" rtl="0" eaLnBrk="1" latinLnBrk="0" hangingPunct="1">
-        <a:defRPr sz="1350" kern="1200">
+      <a:lvl3pPr marL="1217889" algn="l" defTabSz="1217889" rtl="0" eaLnBrk="1" latinLnBrk="0" hangingPunct="1">
+        <a:defRPr sz="2397" kern="1200">
           <a:solidFill>
             <a:schemeClr val="tx1"/>
           </a:solidFill>
@@ -2884,8 +2884,8 @@
           <a:cs typeface="+mn-cs"/>
         </a:defRPr>
       </a:lvl3pPr>
-      <a:lvl4pPr marL="1028700" algn="l" defTabSz="685800" rtl="0" eaLnBrk="1" latinLnBrk="0" hangingPunct="1">
-        <a:defRPr sz="1350" kern="1200">
+      <a:lvl4pPr marL="1826834" algn="l" defTabSz="1217889" rtl="0" eaLnBrk="1" latinLnBrk="0" hangingPunct="1">
+        <a:defRPr sz="2397" kern="1200">
           <a:solidFill>
             <a:schemeClr val="tx1"/>
           </a:solidFill>
@@ -2894,8 +2894,8 @@
           <a:cs typeface="+mn-cs"/>
         </a:defRPr>
       </a:lvl4pPr>
-      <a:lvl5pPr marL="1371600" algn="l" defTabSz="685800" rtl="0" eaLnBrk="1" latinLnBrk="0" hangingPunct="1">
-        <a:defRPr sz="1350" kern="1200">
+      <a:lvl5pPr marL="2435779" algn="l" defTabSz="1217889" rtl="0" eaLnBrk="1" latinLnBrk="0" hangingPunct="1">
+        <a:defRPr sz="2397" kern="1200">
           <a:solidFill>
             <a:schemeClr val="tx1"/>
           </a:solidFill>
@@ -2904,8 +2904,8 @@
           <a:cs typeface="+mn-cs"/>
         </a:defRPr>
       </a:lvl5pPr>
-      <a:lvl6pPr marL="1714500" algn="l" defTabSz="685800" rtl="0" eaLnBrk="1" latinLnBrk="0" hangingPunct="1">
-        <a:defRPr sz="1350" kern="1200">
+      <a:lvl6pPr marL="3044723" algn="l" defTabSz="1217889" rtl="0" eaLnBrk="1" latinLnBrk="0" hangingPunct="1">
+        <a:defRPr sz="2397" kern="1200">
           <a:solidFill>
             <a:schemeClr val="tx1"/>
           </a:solidFill>
@@ -2914,8 +2914,8 @@
           <a:cs typeface="+mn-cs"/>
         </a:defRPr>
       </a:lvl6pPr>
-      <a:lvl7pPr marL="2057400" algn="l" defTabSz="685800" rtl="0" eaLnBrk="1" latinLnBrk="0" hangingPunct="1">
-        <a:defRPr sz="1350" kern="1200">
+      <a:lvl7pPr marL="3653668" algn="l" defTabSz="1217889" rtl="0" eaLnBrk="1" latinLnBrk="0" hangingPunct="1">
+        <a:defRPr sz="2397" kern="1200">
           <a:solidFill>
             <a:schemeClr val="tx1"/>
           </a:solidFill>
@@ -2924,8 +2924,8 @@
           <a:cs typeface="+mn-cs"/>
         </a:defRPr>
       </a:lvl7pPr>
-      <a:lvl8pPr marL="2400300" algn="l" defTabSz="685800" rtl="0" eaLnBrk="1" latinLnBrk="0" hangingPunct="1">
-        <a:defRPr sz="1350" kern="1200">
+      <a:lvl8pPr marL="4262613" algn="l" defTabSz="1217889" rtl="0" eaLnBrk="1" latinLnBrk="0" hangingPunct="1">
+        <a:defRPr sz="2397" kern="1200">
           <a:solidFill>
             <a:schemeClr val="tx1"/>
           </a:solidFill>
@@ -2934,8 +2934,8 @@
           <a:cs typeface="+mn-cs"/>
         </a:defRPr>
       </a:lvl8pPr>
-      <a:lvl9pPr marL="2743200" algn="l" defTabSz="685800" rtl="0" eaLnBrk="1" latinLnBrk="0" hangingPunct="1">
-        <a:defRPr sz="1350" kern="1200">
+      <a:lvl9pPr marL="4871557" algn="l" defTabSz="1217889" rtl="0" eaLnBrk="1" latinLnBrk="0" hangingPunct="1">
+        <a:defRPr sz="2397" kern="1200">
           <a:solidFill>
             <a:schemeClr val="tx1"/>
           </a:solidFill>
@@ -2968,7 +2968,7 @@
       </p:grpSpPr>
       <p:pic>
         <p:nvPicPr>
-          <p:cNvPr id="4" name="Picture 3"/>
+          <p:cNvPr id="92" name="Picture 91"/>
           <p:cNvPicPr>
             <a:picLocks noChangeAspect="1"/>
           </p:cNvPicPr>
@@ -2988,2351 +2988,2596 @@
         </p:blipFill>
         <p:spPr>
           <a:xfrm>
-            <a:off x="223702" y="1731806"/>
-            <a:ext cx="3657600" cy="1371600"/>
+            <a:off x="14948" y="2136275"/>
+            <a:ext cx="8129033" cy="3200407"/>
           </a:xfrm>
           <a:prstGeom prst="rect">
             <a:avLst/>
           </a:prstGeom>
-          <a:ln w="28575">
-            <a:solidFill>
-              <a:schemeClr val="tx1"/>
-            </a:solidFill>
-          </a:ln>
         </p:spPr>
       </p:pic>
-      <p:pic>
-        <p:nvPicPr>
-          <p:cNvPr id="5" name="Picture 4"/>
-          <p:cNvPicPr>
-            <a:picLocks noChangeAspect="1"/>
-          </p:cNvPicPr>
-          <p:nvPr/>
-        </p:nvPicPr>
-        <p:blipFill>
-          <a:blip r:embed="rId3" cstate="print">
-            <a:extLst>
-              <a:ext uri="{28A0092B-C50C-407E-A947-70E740481C1C}">
-                <a14:useLocalDpi xmlns:a14="http://schemas.microsoft.com/office/drawing/2010/main" val="0"/>
-              </a:ext>
-            </a:extLst>
-          </a:blip>
-          <a:stretch>
-            <a:fillRect/>
-          </a:stretch>
-        </p:blipFill>
-        <p:spPr>
-          <a:xfrm>
-            <a:off x="223702" y="285791"/>
-            <a:ext cx="3657600" cy="1371600"/>
-          </a:xfrm>
-          <a:prstGeom prst="rect">
-            <a:avLst/>
-          </a:prstGeom>
-          <a:ln w="28575" cap="sq">
-            <a:solidFill>
-              <a:schemeClr val="tx1"/>
-            </a:solidFill>
-            <a:prstDash val="solid"/>
-            <a:miter lim="800000"/>
-          </a:ln>
-          <a:effectLst/>
-        </p:spPr>
-      </p:pic>
-      <p:pic>
-        <p:nvPicPr>
-          <p:cNvPr id="6" name="Picture 5"/>
-          <p:cNvPicPr>
-            <a:picLocks noChangeAspect="1"/>
-          </p:cNvPicPr>
-          <p:nvPr/>
-        </p:nvPicPr>
-        <p:blipFill>
-          <a:blip r:embed="rId4" cstate="print">
-            <a:extLst>
-              <a:ext uri="{28A0092B-C50C-407E-A947-70E740481C1C}">
-                <a14:useLocalDpi xmlns:a14="http://schemas.microsoft.com/office/drawing/2010/main" val="0"/>
-              </a:ext>
-            </a:extLst>
-          </a:blip>
-          <a:stretch>
-            <a:fillRect/>
-          </a:stretch>
-        </p:blipFill>
-        <p:spPr>
-          <a:xfrm>
-            <a:off x="223702" y="3189251"/>
-            <a:ext cx="3657600" cy="1371600"/>
-          </a:xfrm>
-          <a:prstGeom prst="rect">
-            <a:avLst/>
-          </a:prstGeom>
-          <a:ln w="28575">
-            <a:solidFill>
-              <a:schemeClr val="tx1"/>
-            </a:solidFill>
-          </a:ln>
-        </p:spPr>
-      </p:pic>
-      <p:pic>
-        <p:nvPicPr>
-          <p:cNvPr id="7" name="Picture 6"/>
-          <p:cNvPicPr>
-            <a:picLocks noChangeAspect="1"/>
-          </p:cNvPicPr>
-          <p:nvPr/>
-        </p:nvPicPr>
-        <p:blipFill>
-          <a:blip r:embed="rId5" cstate="print">
-            <a:extLst>
-              <a:ext uri="{28A0092B-C50C-407E-A947-70E740481C1C}">
-                <a14:useLocalDpi xmlns:a14="http://schemas.microsoft.com/office/drawing/2010/main" val="0"/>
-              </a:ext>
-            </a:extLst>
-          </a:blip>
-          <a:stretch>
-            <a:fillRect/>
-          </a:stretch>
-        </p:blipFill>
-        <p:spPr>
-          <a:xfrm>
-            <a:off x="223702" y="4635267"/>
-            <a:ext cx="3657600" cy="1371600"/>
-          </a:xfrm>
-          <a:prstGeom prst="rect">
-            <a:avLst/>
-          </a:prstGeom>
-          <a:ln w="28575">
-            <a:solidFill>
-              <a:schemeClr val="tx1"/>
-            </a:solidFill>
-          </a:ln>
-        </p:spPr>
-      </p:pic>
-      <p:sp>
-        <p:nvSpPr>
-          <p:cNvPr id="8" name="TextBox 7"/>
-          <p:cNvSpPr txBox="1"/>
-          <p:nvPr/>
-        </p:nvSpPr>
-        <p:spPr>
-          <a:xfrm>
-            <a:off x="1417320" y="165656"/>
-            <a:ext cx="502920" cy="461665"/>
-          </a:xfrm>
-          <a:prstGeom prst="rect">
-            <a:avLst/>
-          </a:prstGeom>
-          <a:noFill/>
-        </p:spPr>
-        <p:txBody>
-          <a:bodyPr wrap="square" rtlCol="0">
-            <a:spAutoFit/>
-          </a:bodyPr>
-          <a:lstStyle/>
-          <a:p>
-            <a:r>
-              <a:rPr lang="en-US" sz="2400" dirty="0" smtClean="0">
-                <a:solidFill>
-                  <a:schemeClr val="bg1"/>
-                </a:solidFill>
-              </a:rPr>
-              <a:t>+</a:t>
-            </a:r>
-            <a:endParaRPr lang="en-US" sz="2400" dirty="0">
-              <a:solidFill>
-                <a:schemeClr val="bg1"/>
-              </a:solidFill>
-            </a:endParaRPr>
-          </a:p>
-        </p:txBody>
-      </p:sp>
-      <p:sp>
-        <p:nvSpPr>
-          <p:cNvPr id="9" name="TextBox 8"/>
-          <p:cNvSpPr txBox="1"/>
-          <p:nvPr/>
-        </p:nvSpPr>
-        <p:spPr>
-          <a:xfrm>
-            <a:off x="3295650" y="170161"/>
-            <a:ext cx="502920" cy="461665"/>
-          </a:xfrm>
-          <a:prstGeom prst="rect">
-            <a:avLst/>
-          </a:prstGeom>
-          <a:noFill/>
-        </p:spPr>
-        <p:txBody>
-          <a:bodyPr wrap="square" rtlCol="0">
-            <a:spAutoFit/>
-          </a:bodyPr>
-          <a:lstStyle/>
-          <a:p>
-            <a:r>
-              <a:rPr lang="en-US" sz="2400" dirty="0" smtClean="0">
-                <a:solidFill>
-                  <a:schemeClr val="bg1"/>
-                </a:solidFill>
-              </a:rPr>
-              <a:t>+</a:t>
-            </a:r>
-            <a:endParaRPr lang="en-US" sz="2400" dirty="0">
-              <a:solidFill>
-                <a:schemeClr val="bg1"/>
-              </a:solidFill>
-            </a:endParaRPr>
-          </a:p>
-        </p:txBody>
-      </p:sp>
-      <p:sp>
-        <p:nvSpPr>
-          <p:cNvPr id="10" name="TextBox 9"/>
-          <p:cNvSpPr txBox="1"/>
-          <p:nvPr/>
-        </p:nvSpPr>
-        <p:spPr>
-          <a:xfrm>
-            <a:off x="483870" y="1621076"/>
-            <a:ext cx="502920" cy="461665"/>
-          </a:xfrm>
-          <a:prstGeom prst="rect">
-            <a:avLst/>
-          </a:prstGeom>
-          <a:noFill/>
-        </p:spPr>
-        <p:txBody>
-          <a:bodyPr wrap="square" rtlCol="0">
-            <a:spAutoFit/>
-          </a:bodyPr>
-          <a:lstStyle/>
-          <a:p>
-            <a:r>
-              <a:rPr lang="en-US" sz="2400" dirty="0" smtClean="0">
-                <a:solidFill>
-                  <a:schemeClr val="bg1"/>
-                </a:solidFill>
-              </a:rPr>
-              <a:t>+</a:t>
-            </a:r>
-            <a:endParaRPr lang="en-US" sz="2400" dirty="0">
-              <a:solidFill>
-                <a:schemeClr val="bg1"/>
-              </a:solidFill>
-            </a:endParaRPr>
-          </a:p>
-        </p:txBody>
-      </p:sp>
-      <p:sp>
-        <p:nvSpPr>
-          <p:cNvPr id="11" name="TextBox 10"/>
-          <p:cNvSpPr txBox="1"/>
-          <p:nvPr/>
-        </p:nvSpPr>
-        <p:spPr>
-          <a:xfrm>
-            <a:off x="2362200" y="1625581"/>
-            <a:ext cx="502920" cy="461665"/>
-          </a:xfrm>
-          <a:prstGeom prst="rect">
-            <a:avLst/>
-          </a:prstGeom>
-          <a:noFill/>
-        </p:spPr>
-        <p:txBody>
-          <a:bodyPr wrap="square" rtlCol="0">
-            <a:spAutoFit/>
-          </a:bodyPr>
-          <a:lstStyle/>
-          <a:p>
-            <a:r>
-              <a:rPr lang="en-US" sz="2400" dirty="0" smtClean="0">
-                <a:solidFill>
-                  <a:schemeClr val="bg1"/>
-                </a:solidFill>
-              </a:rPr>
-              <a:t>+</a:t>
-            </a:r>
-            <a:endParaRPr lang="en-US" sz="2400" dirty="0">
-              <a:solidFill>
-                <a:schemeClr val="bg1"/>
-              </a:solidFill>
-            </a:endParaRPr>
-          </a:p>
-        </p:txBody>
-      </p:sp>
-      <p:sp>
-        <p:nvSpPr>
-          <p:cNvPr id="12" name="TextBox 11"/>
-          <p:cNvSpPr txBox="1"/>
-          <p:nvPr/>
-        </p:nvSpPr>
-        <p:spPr>
-          <a:xfrm>
-            <a:off x="483870" y="3091975"/>
-            <a:ext cx="502920" cy="461665"/>
-          </a:xfrm>
-          <a:prstGeom prst="rect">
-            <a:avLst/>
-          </a:prstGeom>
-          <a:noFill/>
-        </p:spPr>
-        <p:txBody>
-          <a:bodyPr wrap="square" rtlCol="0">
-            <a:spAutoFit/>
-          </a:bodyPr>
-          <a:lstStyle/>
-          <a:p>
-            <a:r>
-              <a:rPr lang="en-US" sz="2400" dirty="0" smtClean="0">
-                <a:solidFill>
-                  <a:schemeClr val="bg1"/>
-                </a:solidFill>
-              </a:rPr>
-              <a:t>+</a:t>
-            </a:r>
-            <a:endParaRPr lang="en-US" sz="2400" dirty="0">
-              <a:solidFill>
-                <a:schemeClr val="bg1"/>
-              </a:solidFill>
-            </a:endParaRPr>
-          </a:p>
-        </p:txBody>
-      </p:sp>
-      <p:sp>
-        <p:nvSpPr>
-          <p:cNvPr id="13" name="TextBox 12"/>
-          <p:cNvSpPr txBox="1"/>
-          <p:nvPr/>
-        </p:nvSpPr>
-        <p:spPr>
-          <a:xfrm>
-            <a:off x="2362200" y="3096480"/>
-            <a:ext cx="502920" cy="461665"/>
-          </a:xfrm>
-          <a:prstGeom prst="rect">
-            <a:avLst/>
-          </a:prstGeom>
-          <a:noFill/>
-        </p:spPr>
-        <p:txBody>
-          <a:bodyPr wrap="square" rtlCol="0">
-            <a:spAutoFit/>
-          </a:bodyPr>
-          <a:lstStyle/>
-          <a:p>
-            <a:r>
-              <a:rPr lang="en-US" sz="2400" dirty="0" smtClean="0">
-                <a:solidFill>
-                  <a:schemeClr val="bg1"/>
-                </a:solidFill>
-              </a:rPr>
-              <a:t>+</a:t>
-            </a:r>
-            <a:endParaRPr lang="en-US" sz="2400" dirty="0">
-              <a:solidFill>
-                <a:schemeClr val="bg1"/>
-              </a:solidFill>
-            </a:endParaRPr>
-          </a:p>
-        </p:txBody>
-      </p:sp>
-      <p:sp>
-        <p:nvSpPr>
-          <p:cNvPr id="14" name="TextBox 13"/>
-          <p:cNvSpPr txBox="1"/>
-          <p:nvPr/>
-        </p:nvSpPr>
-        <p:spPr>
-          <a:xfrm>
-            <a:off x="483870" y="4169096"/>
-            <a:ext cx="502920" cy="461665"/>
-          </a:xfrm>
-          <a:prstGeom prst="rect">
-            <a:avLst/>
-          </a:prstGeom>
-          <a:noFill/>
-        </p:spPr>
-        <p:txBody>
-          <a:bodyPr wrap="square" rtlCol="0">
-            <a:spAutoFit/>
-          </a:bodyPr>
-          <a:lstStyle/>
-          <a:p>
-            <a:r>
-              <a:rPr lang="en-US" sz="2400" dirty="0" smtClean="0">
-                <a:solidFill>
-                  <a:schemeClr val="bg1"/>
-                </a:solidFill>
-              </a:rPr>
-              <a:t>+</a:t>
-            </a:r>
-            <a:endParaRPr lang="en-US" sz="2400" dirty="0">
-              <a:solidFill>
-                <a:schemeClr val="bg1"/>
-              </a:solidFill>
-            </a:endParaRPr>
-          </a:p>
-        </p:txBody>
-      </p:sp>
-      <p:sp>
-        <p:nvSpPr>
-          <p:cNvPr id="15" name="TextBox 14"/>
-          <p:cNvSpPr txBox="1"/>
-          <p:nvPr/>
-        </p:nvSpPr>
-        <p:spPr>
-          <a:xfrm>
-            <a:off x="2362200" y="4173601"/>
-            <a:ext cx="502920" cy="461665"/>
-          </a:xfrm>
-          <a:prstGeom prst="rect">
-            <a:avLst/>
-          </a:prstGeom>
-          <a:noFill/>
-        </p:spPr>
-        <p:txBody>
-          <a:bodyPr wrap="square" rtlCol="0">
-            <a:spAutoFit/>
-          </a:bodyPr>
-          <a:lstStyle/>
-          <a:p>
-            <a:r>
-              <a:rPr lang="en-US" sz="2400" dirty="0" smtClean="0">
-                <a:solidFill>
-                  <a:schemeClr val="bg1"/>
-                </a:solidFill>
-              </a:rPr>
-              <a:t>+</a:t>
-            </a:r>
-            <a:endParaRPr lang="en-US" sz="2400" dirty="0">
-              <a:solidFill>
-                <a:schemeClr val="bg1"/>
-              </a:solidFill>
-            </a:endParaRPr>
-          </a:p>
-        </p:txBody>
-      </p:sp>
-      <p:sp>
-        <p:nvSpPr>
-          <p:cNvPr id="16" name="TextBox 15"/>
-          <p:cNvSpPr txBox="1"/>
-          <p:nvPr/>
-        </p:nvSpPr>
-        <p:spPr>
-          <a:xfrm>
-            <a:off x="483870" y="4560851"/>
-            <a:ext cx="502920" cy="461665"/>
-          </a:xfrm>
-          <a:prstGeom prst="rect">
-            <a:avLst/>
-          </a:prstGeom>
-          <a:noFill/>
-        </p:spPr>
-        <p:txBody>
-          <a:bodyPr wrap="square" rtlCol="0">
-            <a:spAutoFit/>
-          </a:bodyPr>
-          <a:lstStyle/>
-          <a:p>
-            <a:r>
-              <a:rPr lang="en-US" sz="2400" dirty="0" smtClean="0">
-                <a:solidFill>
-                  <a:schemeClr val="bg1"/>
-                </a:solidFill>
-              </a:rPr>
-              <a:t>+</a:t>
-            </a:r>
-            <a:endParaRPr lang="en-US" sz="2400" dirty="0">
-              <a:solidFill>
-                <a:schemeClr val="bg1"/>
-              </a:solidFill>
-            </a:endParaRPr>
-          </a:p>
-        </p:txBody>
-      </p:sp>
-      <p:sp>
-        <p:nvSpPr>
-          <p:cNvPr id="17" name="TextBox 16"/>
-          <p:cNvSpPr txBox="1"/>
-          <p:nvPr/>
-        </p:nvSpPr>
-        <p:spPr>
-          <a:xfrm>
-            <a:off x="2362200" y="4565356"/>
-            <a:ext cx="502920" cy="461665"/>
-          </a:xfrm>
-          <a:prstGeom prst="rect">
-            <a:avLst/>
-          </a:prstGeom>
-          <a:noFill/>
-        </p:spPr>
-        <p:txBody>
-          <a:bodyPr wrap="square" rtlCol="0">
-            <a:spAutoFit/>
-          </a:bodyPr>
-          <a:lstStyle/>
-          <a:p>
-            <a:r>
-              <a:rPr lang="en-US" sz="2400" dirty="0" smtClean="0">
-                <a:solidFill>
-                  <a:schemeClr val="bg1"/>
-                </a:solidFill>
-              </a:rPr>
-              <a:t>+</a:t>
-            </a:r>
-            <a:endParaRPr lang="en-US" sz="2400" dirty="0">
-              <a:solidFill>
-                <a:schemeClr val="bg1"/>
-              </a:solidFill>
-            </a:endParaRPr>
-          </a:p>
-        </p:txBody>
-      </p:sp>
-      <p:sp>
-        <p:nvSpPr>
-          <p:cNvPr id="18" name="TextBox 17"/>
-          <p:cNvSpPr txBox="1"/>
-          <p:nvPr/>
-        </p:nvSpPr>
-        <p:spPr>
-          <a:xfrm>
-            <a:off x="483870" y="5637972"/>
-            <a:ext cx="502920" cy="461665"/>
-          </a:xfrm>
-          <a:prstGeom prst="rect">
-            <a:avLst/>
-          </a:prstGeom>
-          <a:noFill/>
-        </p:spPr>
-        <p:txBody>
-          <a:bodyPr wrap="square" rtlCol="0">
-            <a:spAutoFit/>
-          </a:bodyPr>
-          <a:lstStyle/>
-          <a:p>
-            <a:r>
-              <a:rPr lang="en-US" sz="2400" dirty="0" smtClean="0">
-                <a:solidFill>
-                  <a:schemeClr val="bg1"/>
-                </a:solidFill>
-              </a:rPr>
-              <a:t>+</a:t>
-            </a:r>
-            <a:endParaRPr lang="en-US" sz="2400" dirty="0">
-              <a:solidFill>
-                <a:schemeClr val="bg1"/>
-              </a:solidFill>
-            </a:endParaRPr>
-          </a:p>
-        </p:txBody>
-      </p:sp>
-      <p:sp>
-        <p:nvSpPr>
-          <p:cNvPr id="19" name="TextBox 18"/>
-          <p:cNvSpPr txBox="1"/>
-          <p:nvPr/>
-        </p:nvSpPr>
-        <p:spPr>
-          <a:xfrm>
-            <a:off x="2362200" y="5642477"/>
-            <a:ext cx="502920" cy="461665"/>
-          </a:xfrm>
-          <a:prstGeom prst="rect">
-            <a:avLst/>
-          </a:prstGeom>
-          <a:noFill/>
-        </p:spPr>
-        <p:txBody>
-          <a:bodyPr wrap="square" rtlCol="0">
-            <a:spAutoFit/>
-          </a:bodyPr>
-          <a:lstStyle/>
-          <a:p>
-            <a:r>
-              <a:rPr lang="en-US" sz="2400" dirty="0" smtClean="0">
-                <a:solidFill>
-                  <a:schemeClr val="bg1"/>
-                </a:solidFill>
-              </a:rPr>
-              <a:t>+</a:t>
-            </a:r>
-            <a:endParaRPr lang="en-US" sz="2400" dirty="0">
-              <a:solidFill>
-                <a:schemeClr val="bg1"/>
-              </a:solidFill>
-            </a:endParaRPr>
-          </a:p>
-        </p:txBody>
-      </p:sp>
-      <p:sp>
-        <p:nvSpPr>
-          <p:cNvPr id="20" name="TextBox 19"/>
-          <p:cNvSpPr txBox="1"/>
-          <p:nvPr/>
-        </p:nvSpPr>
-        <p:spPr>
-          <a:xfrm>
-            <a:off x="2339340" y="2757599"/>
-            <a:ext cx="765810" cy="369332"/>
-          </a:xfrm>
-          <a:prstGeom prst="rect">
-            <a:avLst/>
-          </a:prstGeom>
-          <a:noFill/>
-        </p:spPr>
-        <p:txBody>
-          <a:bodyPr wrap="square" rtlCol="0">
-            <a:spAutoFit/>
-          </a:bodyPr>
-          <a:lstStyle/>
-          <a:p>
-            <a:r>
-              <a:rPr lang="en-US" b="1" dirty="0" smtClean="0">
-                <a:solidFill>
-                  <a:schemeClr val="bg1"/>
-                </a:solidFill>
-              </a:rPr>
-              <a:t>—</a:t>
-            </a:r>
-            <a:endParaRPr lang="en-US" b="1" dirty="0">
-              <a:solidFill>
-                <a:schemeClr val="bg1"/>
-              </a:solidFill>
-            </a:endParaRPr>
-          </a:p>
-        </p:txBody>
-      </p:sp>
-      <p:sp>
-        <p:nvSpPr>
-          <p:cNvPr id="21" name="TextBox 20"/>
-          <p:cNvSpPr txBox="1"/>
-          <p:nvPr/>
-        </p:nvSpPr>
-        <p:spPr>
-          <a:xfrm>
-            <a:off x="470535" y="2753094"/>
-            <a:ext cx="765810" cy="369332"/>
-          </a:xfrm>
-          <a:prstGeom prst="rect">
-            <a:avLst/>
-          </a:prstGeom>
-          <a:noFill/>
-        </p:spPr>
-        <p:txBody>
-          <a:bodyPr wrap="square" rtlCol="0">
-            <a:spAutoFit/>
-          </a:bodyPr>
-          <a:lstStyle/>
-          <a:p>
-            <a:r>
-              <a:rPr lang="en-US" b="1" dirty="0" smtClean="0">
-                <a:solidFill>
-                  <a:schemeClr val="bg1"/>
-                </a:solidFill>
-              </a:rPr>
-              <a:t>—</a:t>
-            </a:r>
-            <a:endParaRPr lang="en-US" b="1" dirty="0">
-              <a:solidFill>
-                <a:schemeClr val="bg1"/>
-              </a:solidFill>
-            </a:endParaRPr>
-          </a:p>
-        </p:txBody>
-      </p:sp>
-      <p:sp>
-        <p:nvSpPr>
-          <p:cNvPr id="22" name="TextBox 21"/>
-          <p:cNvSpPr txBox="1"/>
-          <p:nvPr/>
-        </p:nvSpPr>
-        <p:spPr>
-          <a:xfrm>
-            <a:off x="3270205" y="1312101"/>
-            <a:ext cx="765810" cy="369332"/>
-          </a:xfrm>
-          <a:prstGeom prst="rect">
-            <a:avLst/>
-          </a:prstGeom>
-          <a:noFill/>
-        </p:spPr>
-        <p:txBody>
-          <a:bodyPr wrap="square" rtlCol="0">
-            <a:spAutoFit/>
-          </a:bodyPr>
-          <a:lstStyle/>
-          <a:p>
-            <a:r>
-              <a:rPr lang="en-US" b="1" dirty="0" smtClean="0">
-                <a:solidFill>
-                  <a:schemeClr val="bg1"/>
-                </a:solidFill>
-              </a:rPr>
-              <a:t>—</a:t>
-            </a:r>
-            <a:endParaRPr lang="en-US" b="1" dirty="0">
-              <a:solidFill>
-                <a:schemeClr val="bg1"/>
-              </a:solidFill>
-            </a:endParaRPr>
-          </a:p>
-        </p:txBody>
-      </p:sp>
-      <p:sp>
-        <p:nvSpPr>
-          <p:cNvPr id="23" name="TextBox 22"/>
-          <p:cNvSpPr txBox="1"/>
-          <p:nvPr/>
-        </p:nvSpPr>
-        <p:spPr>
-          <a:xfrm>
-            <a:off x="1401400" y="1307596"/>
-            <a:ext cx="765810" cy="369332"/>
-          </a:xfrm>
-          <a:prstGeom prst="rect">
-            <a:avLst/>
-          </a:prstGeom>
-          <a:noFill/>
-        </p:spPr>
-        <p:txBody>
-          <a:bodyPr wrap="square" rtlCol="0">
-            <a:spAutoFit/>
-          </a:bodyPr>
-          <a:lstStyle/>
-          <a:p>
-            <a:r>
-              <a:rPr lang="en-US" b="1" dirty="0" smtClean="0">
-                <a:solidFill>
-                  <a:schemeClr val="bg1"/>
-                </a:solidFill>
-              </a:rPr>
-              <a:t>—</a:t>
-            </a:r>
-            <a:endParaRPr lang="en-US" b="1" dirty="0">
-              <a:solidFill>
-                <a:schemeClr val="bg1"/>
-              </a:solidFill>
-            </a:endParaRPr>
-          </a:p>
-        </p:txBody>
-      </p:sp>
-      <p:sp>
-        <p:nvSpPr>
-          <p:cNvPr id="24" name="TextBox 23"/>
-          <p:cNvSpPr txBox="1"/>
-          <p:nvPr/>
-        </p:nvSpPr>
-        <p:spPr>
-          <a:xfrm>
-            <a:off x="3268300" y="5697603"/>
-            <a:ext cx="765810" cy="369332"/>
-          </a:xfrm>
-          <a:prstGeom prst="rect">
-            <a:avLst/>
-          </a:prstGeom>
-          <a:noFill/>
-        </p:spPr>
-        <p:txBody>
-          <a:bodyPr wrap="square" rtlCol="0">
-            <a:spAutoFit/>
-          </a:bodyPr>
-          <a:lstStyle/>
-          <a:p>
-            <a:r>
-              <a:rPr lang="en-US" b="1" dirty="0" smtClean="0">
-                <a:solidFill>
-                  <a:schemeClr val="bg1"/>
-                </a:solidFill>
-              </a:rPr>
-              <a:t>—</a:t>
-            </a:r>
-            <a:endParaRPr lang="en-US" b="1" dirty="0">
-              <a:solidFill>
-                <a:schemeClr val="bg1"/>
-              </a:solidFill>
-            </a:endParaRPr>
-          </a:p>
-        </p:txBody>
-      </p:sp>
-      <p:sp>
-        <p:nvSpPr>
-          <p:cNvPr id="25" name="TextBox 24"/>
-          <p:cNvSpPr txBox="1"/>
-          <p:nvPr/>
-        </p:nvSpPr>
-        <p:spPr>
-          <a:xfrm>
-            <a:off x="1399495" y="5693098"/>
-            <a:ext cx="765810" cy="369332"/>
-          </a:xfrm>
-          <a:prstGeom prst="rect">
-            <a:avLst/>
-          </a:prstGeom>
-          <a:noFill/>
-        </p:spPr>
-        <p:txBody>
-          <a:bodyPr wrap="square" rtlCol="0">
-            <a:spAutoFit/>
-          </a:bodyPr>
-          <a:lstStyle/>
-          <a:p>
-            <a:r>
-              <a:rPr lang="en-US" b="1" dirty="0" smtClean="0">
-                <a:solidFill>
-                  <a:schemeClr val="bg1"/>
-                </a:solidFill>
-              </a:rPr>
-              <a:t>—</a:t>
-            </a:r>
-            <a:endParaRPr lang="en-US" b="1" dirty="0">
-              <a:solidFill>
-                <a:schemeClr val="bg1"/>
-              </a:solidFill>
-            </a:endParaRPr>
-          </a:p>
-        </p:txBody>
-      </p:sp>
-      <p:sp>
-        <p:nvSpPr>
-          <p:cNvPr id="26" name="TextBox 25"/>
-          <p:cNvSpPr txBox="1"/>
-          <p:nvPr/>
-        </p:nvSpPr>
-        <p:spPr>
-          <a:xfrm>
-            <a:off x="3268300" y="4597511"/>
-            <a:ext cx="765810" cy="369332"/>
-          </a:xfrm>
-          <a:prstGeom prst="rect">
-            <a:avLst/>
-          </a:prstGeom>
-          <a:noFill/>
-        </p:spPr>
-        <p:txBody>
-          <a:bodyPr wrap="square" rtlCol="0">
-            <a:spAutoFit/>
-          </a:bodyPr>
-          <a:lstStyle/>
-          <a:p>
-            <a:r>
-              <a:rPr lang="en-US" b="1" dirty="0" smtClean="0">
-                <a:solidFill>
-                  <a:schemeClr val="bg1"/>
-                </a:solidFill>
-              </a:rPr>
-              <a:t>—</a:t>
-            </a:r>
-            <a:endParaRPr lang="en-US" b="1" dirty="0">
-              <a:solidFill>
-                <a:schemeClr val="bg1"/>
-              </a:solidFill>
-            </a:endParaRPr>
-          </a:p>
-        </p:txBody>
-      </p:sp>
-      <p:sp>
-        <p:nvSpPr>
-          <p:cNvPr id="27" name="TextBox 26"/>
-          <p:cNvSpPr txBox="1"/>
-          <p:nvPr/>
-        </p:nvSpPr>
-        <p:spPr>
-          <a:xfrm>
-            <a:off x="1399495" y="4593006"/>
-            <a:ext cx="765810" cy="369332"/>
-          </a:xfrm>
-          <a:prstGeom prst="rect">
-            <a:avLst/>
-          </a:prstGeom>
-          <a:noFill/>
-        </p:spPr>
-        <p:txBody>
-          <a:bodyPr wrap="square" rtlCol="0">
-            <a:spAutoFit/>
-          </a:bodyPr>
-          <a:lstStyle/>
-          <a:p>
-            <a:r>
-              <a:rPr lang="en-US" b="1" dirty="0" smtClean="0">
-                <a:solidFill>
-                  <a:schemeClr val="bg1"/>
-                </a:solidFill>
-              </a:rPr>
-              <a:t>—</a:t>
-            </a:r>
-            <a:endParaRPr lang="en-US" b="1" dirty="0">
-              <a:solidFill>
-                <a:schemeClr val="bg1"/>
-              </a:solidFill>
-            </a:endParaRPr>
-          </a:p>
-        </p:txBody>
-      </p:sp>
       <p:grpSp>
         <p:nvGrpSpPr>
-          <p:cNvPr id="28" name="Group 27"/>
+          <p:cNvPr id="4" name="Group 3"/>
           <p:cNvGrpSpPr/>
           <p:nvPr/>
         </p:nvGrpSpPr>
         <p:grpSpPr>
           <a:xfrm>
-            <a:off x="3371850" y="2904422"/>
-            <a:ext cx="197575" cy="80962"/>
-            <a:chOff x="3371850" y="2904422"/>
-            <a:chExt cx="197575" cy="80962"/>
+            <a:off x="426383" y="0"/>
+            <a:ext cx="3890527" cy="1515777"/>
+            <a:chOff x="145488" y="165656"/>
+            <a:chExt cx="3890527" cy="1515777"/>
           </a:xfrm>
         </p:grpSpPr>
-        <p:cxnSp>
-          <p:nvCxnSpPr>
-            <p:cNvPr id="29" name="Straight Connector 28"/>
-            <p:cNvCxnSpPr/>
+        <p:pic>
+          <p:nvPicPr>
+            <p:cNvPr id="5" name="Picture 4"/>
+            <p:cNvPicPr>
+              <a:picLocks noChangeAspect="1"/>
+            </p:cNvPicPr>
             <p:nvPr/>
-          </p:nvCxnSpPr>
+          </p:nvPicPr>
+          <p:blipFill>
+            <a:blip r:embed="rId3" cstate="print">
+              <a:extLst>
+                <a:ext uri="{28A0092B-C50C-407E-A947-70E740481C1C}">
+                  <a14:useLocalDpi xmlns:a14="http://schemas.microsoft.com/office/drawing/2010/main" val="0"/>
+                </a:ext>
+              </a:extLst>
+            </a:blip>
+            <a:stretch>
+              <a:fillRect/>
+            </a:stretch>
+          </p:blipFill>
           <p:spPr>
             <a:xfrm>
-              <a:off x="3371850" y="2904422"/>
-              <a:ext cx="197575" cy="0"/>
+              <a:off x="223702" y="285791"/>
+              <a:ext cx="3657600" cy="1371600"/>
             </a:xfrm>
-            <a:prstGeom prst="line">
+            <a:prstGeom prst="rect">
               <a:avLst/>
             </a:prstGeom>
-            <a:ln w="22225">
+            <a:ln w="28575" cap="sq">
               <a:solidFill>
-                <a:schemeClr val="bg1"/>
+                <a:schemeClr val="tx1"/>
               </a:solidFill>
+              <a:prstDash val="solid"/>
+              <a:miter lim="800000"/>
             </a:ln>
+            <a:effectLst/>
           </p:spPr>
-          <p:style>
-            <a:lnRef idx="1">
-              <a:schemeClr val="accent1"/>
-            </a:lnRef>
-            <a:fillRef idx="0">
-              <a:schemeClr val="accent1"/>
-            </a:fillRef>
-            <a:effectRef idx="0">
-              <a:schemeClr val="accent1"/>
-            </a:effectRef>
-            <a:fontRef idx="minor">
-              <a:schemeClr val="tx1"/>
-            </a:fontRef>
-          </p:style>
-        </p:cxnSp>
-        <p:cxnSp>
-          <p:nvCxnSpPr>
-            <p:cNvPr id="30" name="Straight Connector 29"/>
-            <p:cNvCxnSpPr/>
+        </p:pic>
+        <p:sp>
+          <p:nvSpPr>
+            <p:cNvPr id="6" name="TextBox 5"/>
+            <p:cNvSpPr txBox="1"/>
             <p:nvPr/>
-          </p:nvCxnSpPr>
+          </p:nvSpPr>
           <p:spPr>
             <a:xfrm>
-              <a:off x="3397485" y="2944903"/>
-              <a:ext cx="146304" cy="0"/>
+              <a:off x="1417320" y="165656"/>
+              <a:ext cx="502920" cy="461665"/>
             </a:xfrm>
-            <a:prstGeom prst="line">
+            <a:prstGeom prst="rect">
               <a:avLst/>
             </a:prstGeom>
-            <a:ln w="22225">
-              <a:solidFill>
-                <a:schemeClr val="bg1"/>
-              </a:solidFill>
-            </a:ln>
+            <a:noFill/>
           </p:spPr>
-          <p:style>
-            <a:lnRef idx="1">
-              <a:schemeClr val="accent1"/>
-            </a:lnRef>
-            <a:fillRef idx="0">
-              <a:schemeClr val="accent1"/>
-            </a:fillRef>
-            <a:effectRef idx="0">
-              <a:schemeClr val="accent1"/>
-            </a:effectRef>
-            <a:fontRef idx="minor">
-              <a:schemeClr val="tx1"/>
-            </a:fontRef>
-          </p:style>
-        </p:cxnSp>
-        <p:cxnSp>
-          <p:nvCxnSpPr>
-            <p:cNvPr id="31" name="Straight Connector 30"/>
-            <p:cNvCxnSpPr/>
+          <p:txBody>
+            <a:bodyPr wrap="square" rtlCol="0">
+              <a:spAutoFit/>
+            </a:bodyPr>
+            <a:lstStyle/>
+            <a:p>
+              <a:r>
+                <a:rPr lang="en-US" sz="2400" dirty="0" smtClean="0">
+                  <a:solidFill>
+                    <a:schemeClr val="bg1"/>
+                  </a:solidFill>
+                </a:rPr>
+                <a:t>+</a:t>
+              </a:r>
+              <a:endParaRPr lang="en-US" sz="2400" dirty="0">
+                <a:solidFill>
+                  <a:schemeClr val="bg1"/>
+                </a:solidFill>
+              </a:endParaRPr>
+            </a:p>
+          </p:txBody>
+        </p:sp>
+        <p:sp>
+          <p:nvSpPr>
+            <p:cNvPr id="7" name="TextBox 6"/>
+            <p:cNvSpPr txBox="1"/>
             <p:nvPr/>
-          </p:nvCxnSpPr>
+          </p:nvSpPr>
           <p:spPr>
             <a:xfrm>
-              <a:off x="3424917" y="2985384"/>
-              <a:ext cx="91440" cy="0"/>
+              <a:off x="3295650" y="170161"/>
+              <a:ext cx="502920" cy="461665"/>
             </a:xfrm>
-            <a:prstGeom prst="line">
+            <a:prstGeom prst="rect">
               <a:avLst/>
             </a:prstGeom>
-            <a:ln w="22225">
-              <a:solidFill>
-                <a:schemeClr val="bg1"/>
-              </a:solidFill>
-            </a:ln>
+            <a:noFill/>
           </p:spPr>
-          <p:style>
-            <a:lnRef idx="1">
-              <a:schemeClr val="accent1"/>
-            </a:lnRef>
-            <a:fillRef idx="0">
-              <a:schemeClr val="accent1"/>
-            </a:fillRef>
-            <a:effectRef idx="0">
-              <a:schemeClr val="accent1"/>
-            </a:effectRef>
-            <a:fontRef idx="minor">
-              <a:schemeClr val="tx1"/>
-            </a:fontRef>
-          </p:style>
-        </p:cxnSp>
+          <p:txBody>
+            <a:bodyPr wrap="square" rtlCol="0">
+              <a:spAutoFit/>
+            </a:bodyPr>
+            <a:lstStyle/>
+            <a:p>
+              <a:r>
+                <a:rPr lang="en-US" sz="2400" dirty="0" smtClean="0">
+                  <a:solidFill>
+                    <a:schemeClr val="bg1"/>
+                  </a:solidFill>
+                </a:rPr>
+                <a:t>+</a:t>
+              </a:r>
+              <a:endParaRPr lang="en-US" sz="2400" dirty="0">
+                <a:solidFill>
+                  <a:schemeClr val="bg1"/>
+                </a:solidFill>
+              </a:endParaRPr>
+            </a:p>
+          </p:txBody>
+        </p:sp>
+        <p:sp>
+          <p:nvSpPr>
+            <p:cNvPr id="8" name="TextBox 7"/>
+            <p:cNvSpPr txBox="1"/>
+            <p:nvPr/>
+          </p:nvSpPr>
+          <p:spPr>
+            <a:xfrm>
+              <a:off x="3270205" y="1312101"/>
+              <a:ext cx="765810" cy="369332"/>
+            </a:xfrm>
+            <a:prstGeom prst="rect">
+              <a:avLst/>
+            </a:prstGeom>
+            <a:noFill/>
+          </p:spPr>
+          <p:txBody>
+            <a:bodyPr wrap="square" rtlCol="0">
+              <a:spAutoFit/>
+            </a:bodyPr>
+            <a:lstStyle/>
+            <a:p>
+              <a:r>
+                <a:rPr lang="en-US" b="1" dirty="0" smtClean="0">
+                  <a:solidFill>
+                    <a:schemeClr val="bg1"/>
+                  </a:solidFill>
+                </a:rPr>
+                <a:t>—</a:t>
+              </a:r>
+              <a:endParaRPr lang="en-US" b="1" dirty="0">
+                <a:solidFill>
+                  <a:schemeClr val="bg1"/>
+                </a:solidFill>
+              </a:endParaRPr>
+            </a:p>
+          </p:txBody>
+        </p:sp>
+        <p:sp>
+          <p:nvSpPr>
+            <p:cNvPr id="9" name="TextBox 8"/>
+            <p:cNvSpPr txBox="1"/>
+            <p:nvPr/>
+          </p:nvSpPr>
+          <p:spPr>
+            <a:xfrm>
+              <a:off x="1401400" y="1307596"/>
+              <a:ext cx="765810" cy="369332"/>
+            </a:xfrm>
+            <a:prstGeom prst="rect">
+              <a:avLst/>
+            </a:prstGeom>
+            <a:noFill/>
+          </p:spPr>
+          <p:txBody>
+            <a:bodyPr wrap="square" rtlCol="0">
+              <a:spAutoFit/>
+            </a:bodyPr>
+            <a:lstStyle/>
+            <a:p>
+              <a:r>
+                <a:rPr lang="en-US" b="1" dirty="0" smtClean="0">
+                  <a:solidFill>
+                    <a:schemeClr val="bg1"/>
+                  </a:solidFill>
+                </a:rPr>
+                <a:t>—</a:t>
+              </a:r>
+              <a:endParaRPr lang="en-US" b="1" dirty="0">
+                <a:solidFill>
+                  <a:schemeClr val="bg1"/>
+                </a:solidFill>
+              </a:endParaRPr>
+            </a:p>
+          </p:txBody>
+        </p:sp>
+        <p:grpSp>
+          <p:nvGrpSpPr>
+            <p:cNvPr id="10" name="Group 9"/>
+            <p:cNvGrpSpPr/>
+            <p:nvPr/>
+          </p:nvGrpSpPr>
+          <p:grpSpPr>
+            <a:xfrm>
+              <a:off x="2429470" y="1472240"/>
+              <a:ext cx="197575" cy="80962"/>
+              <a:chOff x="3371850" y="2904422"/>
+              <a:chExt cx="197575" cy="80962"/>
+            </a:xfrm>
+          </p:grpSpPr>
+          <p:cxnSp>
+            <p:nvCxnSpPr>
+              <p:cNvPr id="24" name="Straight Connector 23"/>
+              <p:cNvCxnSpPr/>
+              <p:nvPr/>
+            </p:nvCxnSpPr>
+            <p:spPr>
+              <a:xfrm>
+                <a:off x="3371850" y="2904422"/>
+                <a:ext cx="197575" cy="0"/>
+              </a:xfrm>
+              <a:prstGeom prst="line">
+                <a:avLst/>
+              </a:prstGeom>
+              <a:ln w="22225">
+                <a:solidFill>
+                  <a:schemeClr val="bg1"/>
+                </a:solidFill>
+              </a:ln>
+            </p:spPr>
+            <p:style>
+              <a:lnRef idx="1">
+                <a:schemeClr val="accent1"/>
+              </a:lnRef>
+              <a:fillRef idx="0">
+                <a:schemeClr val="accent1"/>
+              </a:fillRef>
+              <a:effectRef idx="0">
+                <a:schemeClr val="accent1"/>
+              </a:effectRef>
+              <a:fontRef idx="minor">
+                <a:schemeClr val="tx1"/>
+              </a:fontRef>
+            </p:style>
+          </p:cxnSp>
+          <p:cxnSp>
+            <p:nvCxnSpPr>
+              <p:cNvPr id="25" name="Straight Connector 24"/>
+              <p:cNvCxnSpPr/>
+              <p:nvPr/>
+            </p:nvCxnSpPr>
+            <p:spPr>
+              <a:xfrm>
+                <a:off x="3397485" y="2944903"/>
+                <a:ext cx="146304" cy="0"/>
+              </a:xfrm>
+              <a:prstGeom prst="line">
+                <a:avLst/>
+              </a:prstGeom>
+              <a:ln w="22225">
+                <a:solidFill>
+                  <a:schemeClr val="bg1"/>
+                </a:solidFill>
+              </a:ln>
+            </p:spPr>
+            <p:style>
+              <a:lnRef idx="1">
+                <a:schemeClr val="accent1"/>
+              </a:lnRef>
+              <a:fillRef idx="0">
+                <a:schemeClr val="accent1"/>
+              </a:fillRef>
+              <a:effectRef idx="0">
+                <a:schemeClr val="accent1"/>
+              </a:effectRef>
+              <a:fontRef idx="minor">
+                <a:schemeClr val="tx1"/>
+              </a:fontRef>
+            </p:style>
+          </p:cxnSp>
+          <p:cxnSp>
+            <p:nvCxnSpPr>
+              <p:cNvPr id="26" name="Straight Connector 25"/>
+              <p:cNvCxnSpPr/>
+              <p:nvPr/>
+            </p:nvCxnSpPr>
+            <p:spPr>
+              <a:xfrm>
+                <a:off x="3424917" y="2985384"/>
+                <a:ext cx="91440" cy="0"/>
+              </a:xfrm>
+              <a:prstGeom prst="line">
+                <a:avLst/>
+              </a:prstGeom>
+              <a:ln w="22225">
+                <a:solidFill>
+                  <a:schemeClr val="bg1"/>
+                </a:solidFill>
+              </a:ln>
+            </p:spPr>
+            <p:style>
+              <a:lnRef idx="1">
+                <a:schemeClr val="accent1"/>
+              </a:lnRef>
+              <a:fillRef idx="0">
+                <a:schemeClr val="accent1"/>
+              </a:fillRef>
+              <a:effectRef idx="0">
+                <a:schemeClr val="accent1"/>
+              </a:effectRef>
+              <a:fontRef idx="minor">
+                <a:schemeClr val="tx1"/>
+              </a:fontRef>
+            </p:style>
+          </p:cxnSp>
+        </p:grpSp>
+        <p:grpSp>
+          <p:nvGrpSpPr>
+            <p:cNvPr id="11" name="Group 10"/>
+            <p:cNvGrpSpPr/>
+            <p:nvPr/>
+          </p:nvGrpSpPr>
+          <p:grpSpPr>
+            <a:xfrm>
+              <a:off x="547675" y="1481968"/>
+              <a:ext cx="197575" cy="80962"/>
+              <a:chOff x="3371850" y="2904422"/>
+              <a:chExt cx="197575" cy="80962"/>
+            </a:xfrm>
+          </p:grpSpPr>
+          <p:cxnSp>
+            <p:nvCxnSpPr>
+              <p:cNvPr id="21" name="Straight Connector 20"/>
+              <p:cNvCxnSpPr/>
+              <p:nvPr/>
+            </p:nvCxnSpPr>
+            <p:spPr>
+              <a:xfrm>
+                <a:off x="3371850" y="2904422"/>
+                <a:ext cx="197575" cy="0"/>
+              </a:xfrm>
+              <a:prstGeom prst="line">
+                <a:avLst/>
+              </a:prstGeom>
+              <a:ln w="22225">
+                <a:solidFill>
+                  <a:schemeClr val="bg1"/>
+                </a:solidFill>
+              </a:ln>
+            </p:spPr>
+            <p:style>
+              <a:lnRef idx="1">
+                <a:schemeClr val="accent1"/>
+              </a:lnRef>
+              <a:fillRef idx="0">
+                <a:schemeClr val="accent1"/>
+              </a:fillRef>
+              <a:effectRef idx="0">
+                <a:schemeClr val="accent1"/>
+              </a:effectRef>
+              <a:fontRef idx="minor">
+                <a:schemeClr val="tx1"/>
+              </a:fontRef>
+            </p:style>
+          </p:cxnSp>
+          <p:cxnSp>
+            <p:nvCxnSpPr>
+              <p:cNvPr id="22" name="Straight Connector 21"/>
+              <p:cNvCxnSpPr/>
+              <p:nvPr/>
+            </p:nvCxnSpPr>
+            <p:spPr>
+              <a:xfrm>
+                <a:off x="3397485" y="2944903"/>
+                <a:ext cx="146304" cy="0"/>
+              </a:xfrm>
+              <a:prstGeom prst="line">
+                <a:avLst/>
+              </a:prstGeom>
+              <a:ln w="22225">
+                <a:solidFill>
+                  <a:schemeClr val="bg1"/>
+                </a:solidFill>
+              </a:ln>
+            </p:spPr>
+            <p:style>
+              <a:lnRef idx="1">
+                <a:schemeClr val="accent1"/>
+              </a:lnRef>
+              <a:fillRef idx="0">
+                <a:schemeClr val="accent1"/>
+              </a:fillRef>
+              <a:effectRef idx="0">
+                <a:schemeClr val="accent1"/>
+              </a:effectRef>
+              <a:fontRef idx="minor">
+                <a:schemeClr val="tx1"/>
+              </a:fontRef>
+            </p:style>
+          </p:cxnSp>
+          <p:cxnSp>
+            <p:nvCxnSpPr>
+              <p:cNvPr id="23" name="Straight Connector 22"/>
+              <p:cNvCxnSpPr/>
+              <p:nvPr/>
+            </p:nvCxnSpPr>
+            <p:spPr>
+              <a:xfrm>
+                <a:off x="3424917" y="2985384"/>
+                <a:ext cx="91440" cy="0"/>
+              </a:xfrm>
+              <a:prstGeom prst="line">
+                <a:avLst/>
+              </a:prstGeom>
+              <a:ln w="22225">
+                <a:solidFill>
+                  <a:schemeClr val="bg1"/>
+                </a:solidFill>
+              </a:ln>
+            </p:spPr>
+            <p:style>
+              <a:lnRef idx="1">
+                <a:schemeClr val="accent1"/>
+              </a:lnRef>
+              <a:fillRef idx="0">
+                <a:schemeClr val="accent1"/>
+              </a:fillRef>
+              <a:effectRef idx="0">
+                <a:schemeClr val="accent1"/>
+              </a:effectRef>
+              <a:fontRef idx="minor">
+                <a:schemeClr val="tx1"/>
+              </a:fontRef>
+            </p:style>
+          </p:cxnSp>
+        </p:grpSp>
+        <p:grpSp>
+          <p:nvGrpSpPr>
+            <p:cNvPr id="12" name="Group 11"/>
+            <p:cNvGrpSpPr/>
+            <p:nvPr/>
+          </p:nvGrpSpPr>
+          <p:grpSpPr>
+            <a:xfrm>
+              <a:off x="2429470" y="379565"/>
+              <a:ext cx="197575" cy="80962"/>
+              <a:chOff x="3371850" y="2904422"/>
+              <a:chExt cx="197575" cy="80962"/>
+            </a:xfrm>
+          </p:grpSpPr>
+          <p:cxnSp>
+            <p:nvCxnSpPr>
+              <p:cNvPr id="18" name="Straight Connector 17"/>
+              <p:cNvCxnSpPr/>
+              <p:nvPr/>
+            </p:nvCxnSpPr>
+            <p:spPr>
+              <a:xfrm>
+                <a:off x="3371850" y="2904422"/>
+                <a:ext cx="197575" cy="0"/>
+              </a:xfrm>
+              <a:prstGeom prst="line">
+                <a:avLst/>
+              </a:prstGeom>
+              <a:ln w="22225">
+                <a:solidFill>
+                  <a:schemeClr val="bg1"/>
+                </a:solidFill>
+              </a:ln>
+            </p:spPr>
+            <p:style>
+              <a:lnRef idx="1">
+                <a:schemeClr val="accent1"/>
+              </a:lnRef>
+              <a:fillRef idx="0">
+                <a:schemeClr val="accent1"/>
+              </a:fillRef>
+              <a:effectRef idx="0">
+                <a:schemeClr val="accent1"/>
+              </a:effectRef>
+              <a:fontRef idx="minor">
+                <a:schemeClr val="tx1"/>
+              </a:fontRef>
+            </p:style>
+          </p:cxnSp>
+          <p:cxnSp>
+            <p:nvCxnSpPr>
+              <p:cNvPr id="19" name="Straight Connector 18"/>
+              <p:cNvCxnSpPr/>
+              <p:nvPr/>
+            </p:nvCxnSpPr>
+            <p:spPr>
+              <a:xfrm>
+                <a:off x="3397485" y="2944903"/>
+                <a:ext cx="146304" cy="0"/>
+              </a:xfrm>
+              <a:prstGeom prst="line">
+                <a:avLst/>
+              </a:prstGeom>
+              <a:ln w="22225">
+                <a:solidFill>
+                  <a:schemeClr val="bg1"/>
+                </a:solidFill>
+              </a:ln>
+            </p:spPr>
+            <p:style>
+              <a:lnRef idx="1">
+                <a:schemeClr val="accent1"/>
+              </a:lnRef>
+              <a:fillRef idx="0">
+                <a:schemeClr val="accent1"/>
+              </a:fillRef>
+              <a:effectRef idx="0">
+                <a:schemeClr val="accent1"/>
+              </a:effectRef>
+              <a:fontRef idx="minor">
+                <a:schemeClr val="tx1"/>
+              </a:fontRef>
+            </p:style>
+          </p:cxnSp>
+          <p:cxnSp>
+            <p:nvCxnSpPr>
+              <p:cNvPr id="20" name="Straight Connector 19"/>
+              <p:cNvCxnSpPr/>
+              <p:nvPr/>
+            </p:nvCxnSpPr>
+            <p:spPr>
+              <a:xfrm>
+                <a:off x="3424917" y="2985384"/>
+                <a:ext cx="91440" cy="0"/>
+              </a:xfrm>
+              <a:prstGeom prst="line">
+                <a:avLst/>
+              </a:prstGeom>
+              <a:ln w="22225">
+                <a:solidFill>
+                  <a:schemeClr val="bg1"/>
+                </a:solidFill>
+              </a:ln>
+            </p:spPr>
+            <p:style>
+              <a:lnRef idx="1">
+                <a:schemeClr val="accent1"/>
+              </a:lnRef>
+              <a:fillRef idx="0">
+                <a:schemeClr val="accent1"/>
+              </a:fillRef>
+              <a:effectRef idx="0">
+                <a:schemeClr val="accent1"/>
+              </a:effectRef>
+              <a:fontRef idx="minor">
+                <a:schemeClr val="tx1"/>
+              </a:fontRef>
+            </p:style>
+          </p:cxnSp>
+        </p:grpSp>
+        <p:grpSp>
+          <p:nvGrpSpPr>
+            <p:cNvPr id="13" name="Group 12"/>
+            <p:cNvGrpSpPr/>
+            <p:nvPr/>
+          </p:nvGrpSpPr>
+          <p:grpSpPr>
+            <a:xfrm>
+              <a:off x="547675" y="389293"/>
+              <a:ext cx="197575" cy="80962"/>
+              <a:chOff x="3371850" y="2904422"/>
+              <a:chExt cx="197575" cy="80962"/>
+            </a:xfrm>
+          </p:grpSpPr>
+          <p:cxnSp>
+            <p:nvCxnSpPr>
+              <p:cNvPr id="15" name="Straight Connector 14"/>
+              <p:cNvCxnSpPr/>
+              <p:nvPr/>
+            </p:nvCxnSpPr>
+            <p:spPr>
+              <a:xfrm>
+                <a:off x="3371850" y="2904422"/>
+                <a:ext cx="197575" cy="0"/>
+              </a:xfrm>
+              <a:prstGeom prst="line">
+                <a:avLst/>
+              </a:prstGeom>
+              <a:ln w="22225">
+                <a:solidFill>
+                  <a:schemeClr val="bg1"/>
+                </a:solidFill>
+              </a:ln>
+            </p:spPr>
+            <p:style>
+              <a:lnRef idx="1">
+                <a:schemeClr val="accent1"/>
+              </a:lnRef>
+              <a:fillRef idx="0">
+                <a:schemeClr val="accent1"/>
+              </a:fillRef>
+              <a:effectRef idx="0">
+                <a:schemeClr val="accent1"/>
+              </a:effectRef>
+              <a:fontRef idx="minor">
+                <a:schemeClr val="tx1"/>
+              </a:fontRef>
+            </p:style>
+          </p:cxnSp>
+          <p:cxnSp>
+            <p:nvCxnSpPr>
+              <p:cNvPr id="16" name="Straight Connector 15"/>
+              <p:cNvCxnSpPr/>
+              <p:nvPr/>
+            </p:nvCxnSpPr>
+            <p:spPr>
+              <a:xfrm>
+                <a:off x="3397485" y="2944903"/>
+                <a:ext cx="146304" cy="0"/>
+              </a:xfrm>
+              <a:prstGeom prst="line">
+                <a:avLst/>
+              </a:prstGeom>
+              <a:ln w="22225">
+                <a:solidFill>
+                  <a:schemeClr val="bg1"/>
+                </a:solidFill>
+              </a:ln>
+            </p:spPr>
+            <p:style>
+              <a:lnRef idx="1">
+                <a:schemeClr val="accent1"/>
+              </a:lnRef>
+              <a:fillRef idx="0">
+                <a:schemeClr val="accent1"/>
+              </a:fillRef>
+              <a:effectRef idx="0">
+                <a:schemeClr val="accent1"/>
+              </a:effectRef>
+              <a:fontRef idx="minor">
+                <a:schemeClr val="tx1"/>
+              </a:fontRef>
+            </p:style>
+          </p:cxnSp>
+          <p:cxnSp>
+            <p:nvCxnSpPr>
+              <p:cNvPr id="17" name="Straight Connector 16"/>
+              <p:cNvCxnSpPr/>
+              <p:nvPr/>
+            </p:nvCxnSpPr>
+            <p:spPr>
+              <a:xfrm>
+                <a:off x="3424917" y="2985384"/>
+                <a:ext cx="91440" cy="0"/>
+              </a:xfrm>
+              <a:prstGeom prst="line">
+                <a:avLst/>
+              </a:prstGeom>
+              <a:ln w="22225">
+                <a:solidFill>
+                  <a:schemeClr val="bg1"/>
+                </a:solidFill>
+              </a:ln>
+            </p:spPr>
+            <p:style>
+              <a:lnRef idx="1">
+                <a:schemeClr val="accent1"/>
+              </a:lnRef>
+              <a:fillRef idx="0">
+                <a:schemeClr val="accent1"/>
+              </a:fillRef>
+              <a:effectRef idx="0">
+                <a:schemeClr val="accent1"/>
+              </a:effectRef>
+              <a:fontRef idx="minor">
+                <a:schemeClr val="tx1"/>
+              </a:fontRef>
+            </p:style>
+          </p:cxnSp>
+        </p:grpSp>
+        <p:sp>
+          <p:nvSpPr>
+            <p:cNvPr id="14" name="TextBox 13"/>
+            <p:cNvSpPr txBox="1"/>
+            <p:nvPr/>
+          </p:nvSpPr>
+          <p:spPr>
+            <a:xfrm>
+              <a:off x="145488" y="672388"/>
+              <a:ext cx="1021404" cy="584775"/>
+            </a:xfrm>
+            <a:prstGeom prst="rect">
+              <a:avLst/>
+            </a:prstGeom>
+            <a:noFill/>
+          </p:spPr>
+          <p:txBody>
+            <a:bodyPr wrap="square" rtlCol="0">
+              <a:spAutoFit/>
+            </a:bodyPr>
+            <a:lstStyle/>
+            <a:p>
+              <a:r>
+                <a:rPr lang="en-US" sz="3200" b="1" dirty="0" smtClean="0">
+                  <a:ln w="19050">
+                    <a:solidFill>
+                      <a:schemeClr val="tx1"/>
+                    </a:solidFill>
+                  </a:ln>
+                  <a:solidFill>
+                    <a:schemeClr val="bg1"/>
+                  </a:solidFill>
+                </a:rPr>
+                <a:t>A</a:t>
+              </a:r>
+              <a:endParaRPr lang="en-US" sz="3200" b="1" dirty="0">
+                <a:ln w="19050">
+                  <a:solidFill>
+                    <a:schemeClr val="tx1"/>
+                  </a:solidFill>
+                </a:ln>
+                <a:solidFill>
+                  <a:schemeClr val="bg1"/>
+                </a:solidFill>
+              </a:endParaRPr>
+            </a:p>
+          </p:txBody>
+        </p:sp>
       </p:grpSp>
       <p:grpSp>
         <p:nvGrpSpPr>
-          <p:cNvPr id="32" name="Group 31"/>
+          <p:cNvPr id="27" name="Group 26"/>
           <p:cNvGrpSpPr/>
           <p:nvPr/>
         </p:nvGrpSpPr>
         <p:grpSpPr>
           <a:xfrm>
-            <a:off x="1490055" y="2914150"/>
-            <a:ext cx="197575" cy="80962"/>
-            <a:chOff x="3371850" y="2904422"/>
-            <a:chExt cx="197575" cy="80962"/>
+            <a:off x="426383" y="1498979"/>
+            <a:ext cx="3735814" cy="1505855"/>
+            <a:chOff x="145488" y="1621076"/>
+            <a:chExt cx="3735814" cy="1505855"/>
           </a:xfrm>
         </p:grpSpPr>
-        <p:cxnSp>
-          <p:nvCxnSpPr>
-            <p:cNvPr id="33" name="Straight Connector 32"/>
-            <p:cNvCxnSpPr/>
+        <p:pic>
+          <p:nvPicPr>
+            <p:cNvPr id="28" name="Picture 27"/>
+            <p:cNvPicPr>
+              <a:picLocks noChangeAspect="1"/>
+            </p:cNvPicPr>
             <p:nvPr/>
-          </p:nvCxnSpPr>
+          </p:nvPicPr>
+          <p:blipFill>
+            <a:blip r:embed="rId4" cstate="print">
+              <a:extLst>
+                <a:ext uri="{28A0092B-C50C-407E-A947-70E740481C1C}">
+                  <a14:useLocalDpi xmlns:a14="http://schemas.microsoft.com/office/drawing/2010/main" val="0"/>
+                </a:ext>
+              </a:extLst>
+            </a:blip>
+            <a:stretch>
+              <a:fillRect/>
+            </a:stretch>
+          </p:blipFill>
           <p:spPr>
             <a:xfrm>
-              <a:off x="3371850" y="2904422"/>
-              <a:ext cx="197575" cy="0"/>
+              <a:off x="223702" y="1731806"/>
+              <a:ext cx="3657600" cy="1371600"/>
             </a:xfrm>
-            <a:prstGeom prst="line">
+            <a:prstGeom prst="rect">
               <a:avLst/>
             </a:prstGeom>
-            <a:ln w="22225">
+            <a:ln w="28575">
               <a:solidFill>
-                <a:schemeClr val="bg1"/>
+                <a:schemeClr val="tx1"/>
               </a:solidFill>
             </a:ln>
           </p:spPr>
-          <p:style>
-            <a:lnRef idx="1">
-              <a:schemeClr val="accent1"/>
-            </a:lnRef>
-            <a:fillRef idx="0">
-              <a:schemeClr val="accent1"/>
-            </a:fillRef>
-            <a:effectRef idx="0">
-              <a:schemeClr val="accent1"/>
-            </a:effectRef>
-            <a:fontRef idx="minor">
-              <a:schemeClr val="tx1"/>
-            </a:fontRef>
-          </p:style>
-        </p:cxnSp>
-        <p:cxnSp>
-          <p:nvCxnSpPr>
-            <p:cNvPr id="34" name="Straight Connector 33"/>
-            <p:cNvCxnSpPr/>
+        </p:pic>
+        <p:sp>
+          <p:nvSpPr>
+            <p:cNvPr id="29" name="TextBox 28"/>
+            <p:cNvSpPr txBox="1"/>
             <p:nvPr/>
-          </p:nvCxnSpPr>
+          </p:nvSpPr>
           <p:spPr>
             <a:xfrm>
-              <a:off x="3397485" y="2944903"/>
-              <a:ext cx="146304" cy="0"/>
+              <a:off x="483870" y="1621076"/>
+              <a:ext cx="502920" cy="461665"/>
             </a:xfrm>
-            <a:prstGeom prst="line">
+            <a:prstGeom prst="rect">
               <a:avLst/>
             </a:prstGeom>
-            <a:ln w="22225">
-              <a:solidFill>
-                <a:schemeClr val="bg1"/>
-              </a:solidFill>
-            </a:ln>
+            <a:noFill/>
           </p:spPr>
-          <p:style>
-            <a:lnRef idx="1">
-              <a:schemeClr val="accent1"/>
-            </a:lnRef>
-            <a:fillRef idx="0">
-              <a:schemeClr val="accent1"/>
-            </a:fillRef>
-            <a:effectRef idx="0">
-              <a:schemeClr val="accent1"/>
-            </a:effectRef>
-            <a:fontRef idx="minor">
-              <a:schemeClr val="tx1"/>
-            </a:fontRef>
-          </p:style>
-        </p:cxnSp>
-        <p:cxnSp>
-          <p:nvCxnSpPr>
-            <p:cNvPr id="35" name="Straight Connector 34"/>
-            <p:cNvCxnSpPr/>
+          <p:txBody>
+            <a:bodyPr wrap="square" rtlCol="0">
+              <a:spAutoFit/>
+            </a:bodyPr>
+            <a:lstStyle/>
+            <a:p>
+              <a:r>
+                <a:rPr lang="en-US" sz="2400" dirty="0" smtClean="0">
+                  <a:solidFill>
+                    <a:schemeClr val="bg1"/>
+                  </a:solidFill>
+                </a:rPr>
+                <a:t>+</a:t>
+              </a:r>
+              <a:endParaRPr lang="en-US" sz="2400" dirty="0">
+                <a:solidFill>
+                  <a:schemeClr val="bg1"/>
+                </a:solidFill>
+              </a:endParaRPr>
+            </a:p>
+          </p:txBody>
+        </p:sp>
+        <p:sp>
+          <p:nvSpPr>
+            <p:cNvPr id="30" name="TextBox 29"/>
+            <p:cNvSpPr txBox="1"/>
             <p:nvPr/>
-          </p:nvCxnSpPr>
+          </p:nvSpPr>
           <p:spPr>
             <a:xfrm>
-              <a:off x="3424917" y="2985384"/>
-              <a:ext cx="91440" cy="0"/>
+              <a:off x="2362200" y="1625581"/>
+              <a:ext cx="502920" cy="461665"/>
             </a:xfrm>
-            <a:prstGeom prst="line">
+            <a:prstGeom prst="rect">
               <a:avLst/>
             </a:prstGeom>
-            <a:ln w="22225">
-              <a:solidFill>
-                <a:schemeClr val="bg1"/>
-              </a:solidFill>
-            </a:ln>
+            <a:noFill/>
           </p:spPr>
-          <p:style>
-            <a:lnRef idx="1">
-              <a:schemeClr val="accent1"/>
-            </a:lnRef>
-            <a:fillRef idx="0">
-              <a:schemeClr val="accent1"/>
-            </a:fillRef>
-            <a:effectRef idx="0">
-              <a:schemeClr val="accent1"/>
-            </a:effectRef>
-            <a:fontRef idx="minor">
-              <a:schemeClr val="tx1"/>
-            </a:fontRef>
-          </p:style>
-        </p:cxnSp>
+          <p:txBody>
+            <a:bodyPr wrap="square" rtlCol="0">
+              <a:spAutoFit/>
+            </a:bodyPr>
+            <a:lstStyle/>
+            <a:p>
+              <a:r>
+                <a:rPr lang="en-US" sz="2400" dirty="0" smtClean="0">
+                  <a:solidFill>
+                    <a:schemeClr val="bg1"/>
+                  </a:solidFill>
+                </a:rPr>
+                <a:t>+</a:t>
+              </a:r>
+              <a:endParaRPr lang="en-US" sz="2400" dirty="0">
+                <a:solidFill>
+                  <a:schemeClr val="bg1"/>
+                </a:solidFill>
+              </a:endParaRPr>
+            </a:p>
+          </p:txBody>
+        </p:sp>
+        <p:sp>
+          <p:nvSpPr>
+            <p:cNvPr id="31" name="TextBox 30"/>
+            <p:cNvSpPr txBox="1"/>
+            <p:nvPr/>
+          </p:nvSpPr>
+          <p:spPr>
+            <a:xfrm>
+              <a:off x="2339340" y="2757599"/>
+              <a:ext cx="765810" cy="369332"/>
+            </a:xfrm>
+            <a:prstGeom prst="rect">
+              <a:avLst/>
+            </a:prstGeom>
+            <a:noFill/>
+          </p:spPr>
+          <p:txBody>
+            <a:bodyPr wrap="square" rtlCol="0">
+              <a:spAutoFit/>
+            </a:bodyPr>
+            <a:lstStyle/>
+            <a:p>
+              <a:r>
+                <a:rPr lang="en-US" b="1" dirty="0" smtClean="0">
+                  <a:solidFill>
+                    <a:schemeClr val="bg1"/>
+                  </a:solidFill>
+                </a:rPr>
+                <a:t>—</a:t>
+              </a:r>
+              <a:endParaRPr lang="en-US" b="1" dirty="0">
+                <a:solidFill>
+                  <a:schemeClr val="bg1"/>
+                </a:solidFill>
+              </a:endParaRPr>
+            </a:p>
+          </p:txBody>
+        </p:sp>
+        <p:sp>
+          <p:nvSpPr>
+            <p:cNvPr id="32" name="TextBox 31"/>
+            <p:cNvSpPr txBox="1"/>
+            <p:nvPr/>
+          </p:nvSpPr>
+          <p:spPr>
+            <a:xfrm>
+              <a:off x="470535" y="2753094"/>
+              <a:ext cx="765810" cy="369332"/>
+            </a:xfrm>
+            <a:prstGeom prst="rect">
+              <a:avLst/>
+            </a:prstGeom>
+            <a:noFill/>
+          </p:spPr>
+          <p:txBody>
+            <a:bodyPr wrap="square" rtlCol="0">
+              <a:spAutoFit/>
+            </a:bodyPr>
+            <a:lstStyle/>
+            <a:p>
+              <a:r>
+                <a:rPr lang="en-US" b="1" dirty="0" smtClean="0">
+                  <a:solidFill>
+                    <a:schemeClr val="bg1"/>
+                  </a:solidFill>
+                </a:rPr>
+                <a:t>—</a:t>
+              </a:r>
+              <a:endParaRPr lang="en-US" b="1" dirty="0">
+                <a:solidFill>
+                  <a:schemeClr val="bg1"/>
+                </a:solidFill>
+              </a:endParaRPr>
+            </a:p>
+          </p:txBody>
+        </p:sp>
+        <p:grpSp>
+          <p:nvGrpSpPr>
+            <p:cNvPr id="33" name="Group 32"/>
+            <p:cNvGrpSpPr/>
+            <p:nvPr/>
+          </p:nvGrpSpPr>
+          <p:grpSpPr>
+            <a:xfrm>
+              <a:off x="3371850" y="2904422"/>
+              <a:ext cx="197575" cy="80962"/>
+              <a:chOff x="3371850" y="2904422"/>
+              <a:chExt cx="197575" cy="80962"/>
+            </a:xfrm>
+          </p:grpSpPr>
+          <p:cxnSp>
+            <p:nvCxnSpPr>
+              <p:cNvPr id="47" name="Straight Connector 46"/>
+              <p:cNvCxnSpPr/>
+              <p:nvPr/>
+            </p:nvCxnSpPr>
+            <p:spPr>
+              <a:xfrm>
+                <a:off x="3371850" y="2904422"/>
+                <a:ext cx="197575" cy="0"/>
+              </a:xfrm>
+              <a:prstGeom prst="line">
+                <a:avLst/>
+              </a:prstGeom>
+              <a:ln w="22225">
+                <a:solidFill>
+                  <a:schemeClr val="bg1"/>
+                </a:solidFill>
+              </a:ln>
+            </p:spPr>
+            <p:style>
+              <a:lnRef idx="1">
+                <a:schemeClr val="accent1"/>
+              </a:lnRef>
+              <a:fillRef idx="0">
+                <a:schemeClr val="accent1"/>
+              </a:fillRef>
+              <a:effectRef idx="0">
+                <a:schemeClr val="accent1"/>
+              </a:effectRef>
+              <a:fontRef idx="minor">
+                <a:schemeClr val="tx1"/>
+              </a:fontRef>
+            </p:style>
+          </p:cxnSp>
+          <p:cxnSp>
+            <p:nvCxnSpPr>
+              <p:cNvPr id="48" name="Straight Connector 47"/>
+              <p:cNvCxnSpPr/>
+              <p:nvPr/>
+            </p:nvCxnSpPr>
+            <p:spPr>
+              <a:xfrm>
+                <a:off x="3397485" y="2944903"/>
+                <a:ext cx="146304" cy="0"/>
+              </a:xfrm>
+              <a:prstGeom prst="line">
+                <a:avLst/>
+              </a:prstGeom>
+              <a:ln w="22225">
+                <a:solidFill>
+                  <a:schemeClr val="bg1"/>
+                </a:solidFill>
+              </a:ln>
+            </p:spPr>
+            <p:style>
+              <a:lnRef idx="1">
+                <a:schemeClr val="accent1"/>
+              </a:lnRef>
+              <a:fillRef idx="0">
+                <a:schemeClr val="accent1"/>
+              </a:fillRef>
+              <a:effectRef idx="0">
+                <a:schemeClr val="accent1"/>
+              </a:effectRef>
+              <a:fontRef idx="minor">
+                <a:schemeClr val="tx1"/>
+              </a:fontRef>
+            </p:style>
+          </p:cxnSp>
+          <p:cxnSp>
+            <p:nvCxnSpPr>
+              <p:cNvPr id="49" name="Straight Connector 48"/>
+              <p:cNvCxnSpPr/>
+              <p:nvPr/>
+            </p:nvCxnSpPr>
+            <p:spPr>
+              <a:xfrm>
+                <a:off x="3424917" y="2985384"/>
+                <a:ext cx="91440" cy="0"/>
+              </a:xfrm>
+              <a:prstGeom prst="line">
+                <a:avLst/>
+              </a:prstGeom>
+              <a:ln w="22225">
+                <a:solidFill>
+                  <a:schemeClr val="bg1"/>
+                </a:solidFill>
+              </a:ln>
+            </p:spPr>
+            <p:style>
+              <a:lnRef idx="1">
+                <a:schemeClr val="accent1"/>
+              </a:lnRef>
+              <a:fillRef idx="0">
+                <a:schemeClr val="accent1"/>
+              </a:fillRef>
+              <a:effectRef idx="0">
+                <a:schemeClr val="accent1"/>
+              </a:effectRef>
+              <a:fontRef idx="minor">
+                <a:schemeClr val="tx1"/>
+              </a:fontRef>
+            </p:style>
+          </p:cxnSp>
+        </p:grpSp>
+        <p:grpSp>
+          <p:nvGrpSpPr>
+            <p:cNvPr id="34" name="Group 33"/>
+            <p:cNvGrpSpPr/>
+            <p:nvPr/>
+          </p:nvGrpSpPr>
+          <p:grpSpPr>
+            <a:xfrm>
+              <a:off x="1490055" y="2914150"/>
+              <a:ext cx="197575" cy="80962"/>
+              <a:chOff x="3371850" y="2904422"/>
+              <a:chExt cx="197575" cy="80962"/>
+            </a:xfrm>
+          </p:grpSpPr>
+          <p:cxnSp>
+            <p:nvCxnSpPr>
+              <p:cNvPr id="44" name="Straight Connector 43"/>
+              <p:cNvCxnSpPr/>
+              <p:nvPr/>
+            </p:nvCxnSpPr>
+            <p:spPr>
+              <a:xfrm>
+                <a:off x="3371850" y="2904422"/>
+                <a:ext cx="197575" cy="0"/>
+              </a:xfrm>
+              <a:prstGeom prst="line">
+                <a:avLst/>
+              </a:prstGeom>
+              <a:ln w="22225">
+                <a:solidFill>
+                  <a:schemeClr val="bg1"/>
+                </a:solidFill>
+              </a:ln>
+            </p:spPr>
+            <p:style>
+              <a:lnRef idx="1">
+                <a:schemeClr val="accent1"/>
+              </a:lnRef>
+              <a:fillRef idx="0">
+                <a:schemeClr val="accent1"/>
+              </a:fillRef>
+              <a:effectRef idx="0">
+                <a:schemeClr val="accent1"/>
+              </a:effectRef>
+              <a:fontRef idx="minor">
+                <a:schemeClr val="tx1"/>
+              </a:fontRef>
+            </p:style>
+          </p:cxnSp>
+          <p:cxnSp>
+            <p:nvCxnSpPr>
+              <p:cNvPr id="45" name="Straight Connector 44"/>
+              <p:cNvCxnSpPr/>
+              <p:nvPr/>
+            </p:nvCxnSpPr>
+            <p:spPr>
+              <a:xfrm>
+                <a:off x="3397485" y="2944903"/>
+                <a:ext cx="146304" cy="0"/>
+              </a:xfrm>
+              <a:prstGeom prst="line">
+                <a:avLst/>
+              </a:prstGeom>
+              <a:ln w="22225">
+                <a:solidFill>
+                  <a:schemeClr val="bg1"/>
+                </a:solidFill>
+              </a:ln>
+            </p:spPr>
+            <p:style>
+              <a:lnRef idx="1">
+                <a:schemeClr val="accent1"/>
+              </a:lnRef>
+              <a:fillRef idx="0">
+                <a:schemeClr val="accent1"/>
+              </a:fillRef>
+              <a:effectRef idx="0">
+                <a:schemeClr val="accent1"/>
+              </a:effectRef>
+              <a:fontRef idx="minor">
+                <a:schemeClr val="tx1"/>
+              </a:fontRef>
+            </p:style>
+          </p:cxnSp>
+          <p:cxnSp>
+            <p:nvCxnSpPr>
+              <p:cNvPr id="46" name="Straight Connector 45"/>
+              <p:cNvCxnSpPr/>
+              <p:nvPr/>
+            </p:nvCxnSpPr>
+            <p:spPr>
+              <a:xfrm>
+                <a:off x="3424917" y="2985384"/>
+                <a:ext cx="91440" cy="0"/>
+              </a:xfrm>
+              <a:prstGeom prst="line">
+                <a:avLst/>
+              </a:prstGeom>
+              <a:ln w="22225">
+                <a:solidFill>
+                  <a:schemeClr val="bg1"/>
+                </a:solidFill>
+              </a:ln>
+            </p:spPr>
+            <p:style>
+              <a:lnRef idx="1">
+                <a:schemeClr val="accent1"/>
+              </a:lnRef>
+              <a:fillRef idx="0">
+                <a:schemeClr val="accent1"/>
+              </a:fillRef>
+              <a:effectRef idx="0">
+                <a:schemeClr val="accent1"/>
+              </a:effectRef>
+              <a:fontRef idx="minor">
+                <a:schemeClr val="tx1"/>
+              </a:fontRef>
+            </p:style>
+          </p:cxnSp>
+        </p:grpSp>
+        <p:grpSp>
+          <p:nvGrpSpPr>
+            <p:cNvPr id="35" name="Group 34"/>
+            <p:cNvGrpSpPr/>
+            <p:nvPr/>
+          </p:nvGrpSpPr>
+          <p:grpSpPr>
+            <a:xfrm>
+              <a:off x="3381024" y="1843908"/>
+              <a:ext cx="197575" cy="80962"/>
+              <a:chOff x="3371850" y="2904422"/>
+              <a:chExt cx="197575" cy="80962"/>
+            </a:xfrm>
+          </p:grpSpPr>
+          <p:cxnSp>
+            <p:nvCxnSpPr>
+              <p:cNvPr id="41" name="Straight Connector 40"/>
+              <p:cNvCxnSpPr/>
+              <p:nvPr/>
+            </p:nvCxnSpPr>
+            <p:spPr>
+              <a:xfrm>
+                <a:off x="3371850" y="2904422"/>
+                <a:ext cx="197575" cy="0"/>
+              </a:xfrm>
+              <a:prstGeom prst="line">
+                <a:avLst/>
+              </a:prstGeom>
+              <a:ln w="22225">
+                <a:solidFill>
+                  <a:schemeClr val="bg1"/>
+                </a:solidFill>
+              </a:ln>
+            </p:spPr>
+            <p:style>
+              <a:lnRef idx="1">
+                <a:schemeClr val="accent1"/>
+              </a:lnRef>
+              <a:fillRef idx="0">
+                <a:schemeClr val="accent1"/>
+              </a:fillRef>
+              <a:effectRef idx="0">
+                <a:schemeClr val="accent1"/>
+              </a:effectRef>
+              <a:fontRef idx="minor">
+                <a:schemeClr val="tx1"/>
+              </a:fontRef>
+            </p:style>
+          </p:cxnSp>
+          <p:cxnSp>
+            <p:nvCxnSpPr>
+              <p:cNvPr id="42" name="Straight Connector 41"/>
+              <p:cNvCxnSpPr/>
+              <p:nvPr/>
+            </p:nvCxnSpPr>
+            <p:spPr>
+              <a:xfrm>
+                <a:off x="3397485" y="2944903"/>
+                <a:ext cx="146304" cy="0"/>
+              </a:xfrm>
+              <a:prstGeom prst="line">
+                <a:avLst/>
+              </a:prstGeom>
+              <a:ln w="22225">
+                <a:solidFill>
+                  <a:schemeClr val="bg1"/>
+                </a:solidFill>
+              </a:ln>
+            </p:spPr>
+            <p:style>
+              <a:lnRef idx="1">
+                <a:schemeClr val="accent1"/>
+              </a:lnRef>
+              <a:fillRef idx="0">
+                <a:schemeClr val="accent1"/>
+              </a:fillRef>
+              <a:effectRef idx="0">
+                <a:schemeClr val="accent1"/>
+              </a:effectRef>
+              <a:fontRef idx="minor">
+                <a:schemeClr val="tx1"/>
+              </a:fontRef>
+            </p:style>
+          </p:cxnSp>
+          <p:cxnSp>
+            <p:nvCxnSpPr>
+              <p:cNvPr id="43" name="Straight Connector 42"/>
+              <p:cNvCxnSpPr/>
+              <p:nvPr/>
+            </p:nvCxnSpPr>
+            <p:spPr>
+              <a:xfrm>
+                <a:off x="3424917" y="2985384"/>
+                <a:ext cx="91440" cy="0"/>
+              </a:xfrm>
+              <a:prstGeom prst="line">
+                <a:avLst/>
+              </a:prstGeom>
+              <a:ln w="22225">
+                <a:solidFill>
+                  <a:schemeClr val="bg1"/>
+                </a:solidFill>
+              </a:ln>
+            </p:spPr>
+            <p:style>
+              <a:lnRef idx="1">
+                <a:schemeClr val="accent1"/>
+              </a:lnRef>
+              <a:fillRef idx="0">
+                <a:schemeClr val="accent1"/>
+              </a:fillRef>
+              <a:effectRef idx="0">
+                <a:schemeClr val="accent1"/>
+              </a:effectRef>
+              <a:fontRef idx="minor">
+                <a:schemeClr val="tx1"/>
+              </a:fontRef>
+            </p:style>
+          </p:cxnSp>
+        </p:grpSp>
+        <p:grpSp>
+          <p:nvGrpSpPr>
+            <p:cNvPr id="36" name="Group 35"/>
+            <p:cNvGrpSpPr/>
+            <p:nvPr/>
+          </p:nvGrpSpPr>
+          <p:grpSpPr>
+            <a:xfrm>
+              <a:off x="1499229" y="1853636"/>
+              <a:ext cx="197575" cy="80962"/>
+              <a:chOff x="3371850" y="2904422"/>
+              <a:chExt cx="197575" cy="80962"/>
+            </a:xfrm>
+          </p:grpSpPr>
+          <p:cxnSp>
+            <p:nvCxnSpPr>
+              <p:cNvPr id="38" name="Straight Connector 37"/>
+              <p:cNvCxnSpPr/>
+              <p:nvPr/>
+            </p:nvCxnSpPr>
+            <p:spPr>
+              <a:xfrm>
+                <a:off x="3371850" y="2904422"/>
+                <a:ext cx="197575" cy="0"/>
+              </a:xfrm>
+              <a:prstGeom prst="line">
+                <a:avLst/>
+              </a:prstGeom>
+              <a:ln w="22225">
+                <a:solidFill>
+                  <a:schemeClr val="bg1"/>
+                </a:solidFill>
+              </a:ln>
+            </p:spPr>
+            <p:style>
+              <a:lnRef idx="1">
+                <a:schemeClr val="accent1"/>
+              </a:lnRef>
+              <a:fillRef idx="0">
+                <a:schemeClr val="accent1"/>
+              </a:fillRef>
+              <a:effectRef idx="0">
+                <a:schemeClr val="accent1"/>
+              </a:effectRef>
+              <a:fontRef idx="minor">
+                <a:schemeClr val="tx1"/>
+              </a:fontRef>
+            </p:style>
+          </p:cxnSp>
+          <p:cxnSp>
+            <p:nvCxnSpPr>
+              <p:cNvPr id="39" name="Straight Connector 38"/>
+              <p:cNvCxnSpPr/>
+              <p:nvPr/>
+            </p:nvCxnSpPr>
+            <p:spPr>
+              <a:xfrm>
+                <a:off x="3397485" y="2944903"/>
+                <a:ext cx="146304" cy="0"/>
+              </a:xfrm>
+              <a:prstGeom prst="line">
+                <a:avLst/>
+              </a:prstGeom>
+              <a:ln w="22225">
+                <a:solidFill>
+                  <a:schemeClr val="bg1"/>
+                </a:solidFill>
+              </a:ln>
+            </p:spPr>
+            <p:style>
+              <a:lnRef idx="1">
+                <a:schemeClr val="accent1"/>
+              </a:lnRef>
+              <a:fillRef idx="0">
+                <a:schemeClr val="accent1"/>
+              </a:fillRef>
+              <a:effectRef idx="0">
+                <a:schemeClr val="accent1"/>
+              </a:effectRef>
+              <a:fontRef idx="minor">
+                <a:schemeClr val="tx1"/>
+              </a:fontRef>
+            </p:style>
+          </p:cxnSp>
+          <p:cxnSp>
+            <p:nvCxnSpPr>
+              <p:cNvPr id="40" name="Straight Connector 39"/>
+              <p:cNvCxnSpPr/>
+              <p:nvPr/>
+            </p:nvCxnSpPr>
+            <p:spPr>
+              <a:xfrm>
+                <a:off x="3424917" y="2985384"/>
+                <a:ext cx="91440" cy="0"/>
+              </a:xfrm>
+              <a:prstGeom prst="line">
+                <a:avLst/>
+              </a:prstGeom>
+              <a:ln w="22225">
+                <a:solidFill>
+                  <a:schemeClr val="bg1"/>
+                </a:solidFill>
+              </a:ln>
+            </p:spPr>
+            <p:style>
+              <a:lnRef idx="1">
+                <a:schemeClr val="accent1"/>
+              </a:lnRef>
+              <a:fillRef idx="0">
+                <a:schemeClr val="accent1"/>
+              </a:fillRef>
+              <a:effectRef idx="0">
+                <a:schemeClr val="accent1"/>
+              </a:effectRef>
+              <a:fontRef idx="minor">
+                <a:schemeClr val="tx1"/>
+              </a:fontRef>
+            </p:style>
+          </p:cxnSp>
+        </p:grpSp>
+        <p:sp>
+          <p:nvSpPr>
+            <p:cNvPr id="37" name="TextBox 36"/>
+            <p:cNvSpPr txBox="1"/>
+            <p:nvPr/>
+          </p:nvSpPr>
+          <p:spPr>
+            <a:xfrm>
+              <a:off x="145488" y="2121599"/>
+              <a:ext cx="1021404" cy="584775"/>
+            </a:xfrm>
+            <a:prstGeom prst="rect">
+              <a:avLst/>
+            </a:prstGeom>
+            <a:noFill/>
+          </p:spPr>
+          <p:txBody>
+            <a:bodyPr wrap="square" rtlCol="0">
+              <a:spAutoFit/>
+            </a:bodyPr>
+            <a:lstStyle/>
+            <a:p>
+              <a:r>
+                <a:rPr lang="en-US" sz="3200" b="1" dirty="0" smtClean="0">
+                  <a:ln w="19050">
+                    <a:solidFill>
+                      <a:schemeClr val="tx1"/>
+                    </a:solidFill>
+                  </a:ln>
+                  <a:solidFill>
+                    <a:schemeClr val="bg1"/>
+                  </a:solidFill>
+                </a:rPr>
+                <a:t>A'</a:t>
+              </a:r>
+              <a:endParaRPr lang="en-US" sz="3200" b="1" dirty="0">
+                <a:ln w="19050">
+                  <a:solidFill>
+                    <a:schemeClr val="tx1"/>
+                  </a:solidFill>
+                </a:ln>
+                <a:solidFill>
+                  <a:schemeClr val="bg1"/>
+                </a:solidFill>
+              </a:endParaRPr>
+            </a:p>
+          </p:txBody>
+        </p:sp>
       </p:grpSp>
       <p:grpSp>
         <p:nvGrpSpPr>
-          <p:cNvPr id="36" name="Group 35"/>
+          <p:cNvPr id="50" name="Group 49"/>
           <p:cNvGrpSpPr/>
           <p:nvPr/>
         </p:nvGrpSpPr>
         <p:grpSpPr>
           <a:xfrm>
-            <a:off x="3381024" y="1843908"/>
-            <a:ext cx="197575" cy="80962"/>
-            <a:chOff x="3371850" y="2904422"/>
-            <a:chExt cx="197575" cy="80962"/>
+            <a:off x="4230282" y="27473"/>
+            <a:ext cx="3735814" cy="1543291"/>
+            <a:chOff x="145488" y="3091975"/>
+            <a:chExt cx="3735814" cy="1543291"/>
           </a:xfrm>
         </p:grpSpPr>
-        <p:cxnSp>
-          <p:nvCxnSpPr>
-            <p:cNvPr id="37" name="Straight Connector 36"/>
-            <p:cNvCxnSpPr/>
+        <p:pic>
+          <p:nvPicPr>
+            <p:cNvPr id="51" name="Picture 50"/>
+            <p:cNvPicPr>
+              <a:picLocks noChangeAspect="1"/>
+            </p:cNvPicPr>
             <p:nvPr/>
-          </p:nvCxnSpPr>
+          </p:nvPicPr>
+          <p:blipFill>
+            <a:blip r:embed="rId5" cstate="print">
+              <a:extLst>
+                <a:ext uri="{28A0092B-C50C-407E-A947-70E740481C1C}">
+                  <a14:useLocalDpi xmlns:a14="http://schemas.microsoft.com/office/drawing/2010/main" val="0"/>
+                </a:ext>
+              </a:extLst>
+            </a:blip>
+            <a:stretch>
+              <a:fillRect/>
+            </a:stretch>
+          </p:blipFill>
           <p:spPr>
             <a:xfrm>
-              <a:off x="3371850" y="2904422"/>
-              <a:ext cx="197575" cy="0"/>
+              <a:off x="223702" y="3189251"/>
+              <a:ext cx="3657600" cy="1371600"/>
             </a:xfrm>
-            <a:prstGeom prst="line">
+            <a:prstGeom prst="rect">
               <a:avLst/>
             </a:prstGeom>
-            <a:ln w="22225">
+            <a:ln w="28575">
               <a:solidFill>
-                <a:schemeClr val="bg1"/>
+                <a:schemeClr val="tx1"/>
               </a:solidFill>
             </a:ln>
           </p:spPr>
-          <p:style>
-            <a:lnRef idx="1">
-              <a:schemeClr val="accent1"/>
-            </a:lnRef>
-            <a:fillRef idx="0">
-              <a:schemeClr val="accent1"/>
-            </a:fillRef>
-            <a:effectRef idx="0">
-              <a:schemeClr val="accent1"/>
-            </a:effectRef>
-            <a:fontRef idx="minor">
-              <a:schemeClr val="tx1"/>
-            </a:fontRef>
-          </p:style>
-        </p:cxnSp>
-        <p:cxnSp>
-          <p:nvCxnSpPr>
-            <p:cNvPr id="38" name="Straight Connector 37"/>
-            <p:cNvCxnSpPr/>
+        </p:pic>
+        <p:sp>
+          <p:nvSpPr>
+            <p:cNvPr id="52" name="TextBox 51"/>
+            <p:cNvSpPr txBox="1"/>
             <p:nvPr/>
-          </p:nvCxnSpPr>
+          </p:nvSpPr>
           <p:spPr>
             <a:xfrm>
-              <a:off x="3397485" y="2944903"/>
-              <a:ext cx="146304" cy="0"/>
+              <a:off x="483870" y="3091975"/>
+              <a:ext cx="502920" cy="461665"/>
             </a:xfrm>
-            <a:prstGeom prst="line">
+            <a:prstGeom prst="rect">
               <a:avLst/>
             </a:prstGeom>
-            <a:ln w="22225">
-              <a:solidFill>
-                <a:schemeClr val="bg1"/>
-              </a:solidFill>
-            </a:ln>
+            <a:noFill/>
           </p:spPr>
-          <p:style>
-            <a:lnRef idx="1">
-              <a:schemeClr val="accent1"/>
-            </a:lnRef>
-            <a:fillRef idx="0">
-              <a:schemeClr val="accent1"/>
-            </a:fillRef>
-            <a:effectRef idx="0">
-              <a:schemeClr val="accent1"/>
-            </a:effectRef>
-            <a:fontRef idx="minor">
-              <a:schemeClr val="tx1"/>
-            </a:fontRef>
-          </p:style>
-        </p:cxnSp>
-        <p:cxnSp>
-          <p:nvCxnSpPr>
-            <p:cNvPr id="39" name="Straight Connector 38"/>
-            <p:cNvCxnSpPr/>
+          <p:txBody>
+            <a:bodyPr wrap="square" rtlCol="0">
+              <a:spAutoFit/>
+            </a:bodyPr>
+            <a:lstStyle/>
+            <a:p>
+              <a:r>
+                <a:rPr lang="en-US" sz="2400" dirty="0" smtClean="0">
+                  <a:solidFill>
+                    <a:schemeClr val="bg1"/>
+                  </a:solidFill>
+                </a:rPr>
+                <a:t>+</a:t>
+              </a:r>
+              <a:endParaRPr lang="en-US" sz="2400" dirty="0">
+                <a:solidFill>
+                  <a:schemeClr val="bg1"/>
+                </a:solidFill>
+              </a:endParaRPr>
+            </a:p>
+          </p:txBody>
+        </p:sp>
+        <p:sp>
+          <p:nvSpPr>
+            <p:cNvPr id="53" name="TextBox 52"/>
+            <p:cNvSpPr txBox="1"/>
             <p:nvPr/>
-          </p:nvCxnSpPr>
+          </p:nvSpPr>
           <p:spPr>
             <a:xfrm>
-              <a:off x="3424917" y="2985384"/>
-              <a:ext cx="91440" cy="0"/>
+              <a:off x="2362200" y="3096480"/>
+              <a:ext cx="502920" cy="461665"/>
             </a:xfrm>
-            <a:prstGeom prst="line">
+            <a:prstGeom prst="rect">
               <a:avLst/>
             </a:prstGeom>
-            <a:ln w="22225">
-              <a:solidFill>
-                <a:schemeClr val="bg1"/>
-              </a:solidFill>
-            </a:ln>
+            <a:noFill/>
           </p:spPr>
-          <p:style>
-            <a:lnRef idx="1">
-              <a:schemeClr val="accent1"/>
-            </a:lnRef>
-            <a:fillRef idx="0">
-              <a:schemeClr val="accent1"/>
-            </a:fillRef>
-            <a:effectRef idx="0">
-              <a:schemeClr val="accent1"/>
-            </a:effectRef>
-            <a:fontRef idx="minor">
-              <a:schemeClr val="tx1"/>
-            </a:fontRef>
-          </p:style>
-        </p:cxnSp>
+          <p:txBody>
+            <a:bodyPr wrap="square" rtlCol="0">
+              <a:spAutoFit/>
+            </a:bodyPr>
+            <a:lstStyle/>
+            <a:p>
+              <a:r>
+                <a:rPr lang="en-US" sz="2400" dirty="0" smtClean="0">
+                  <a:solidFill>
+                    <a:schemeClr val="bg1"/>
+                  </a:solidFill>
+                </a:rPr>
+                <a:t>+</a:t>
+              </a:r>
+              <a:endParaRPr lang="en-US" sz="2400" dirty="0">
+                <a:solidFill>
+                  <a:schemeClr val="bg1"/>
+                </a:solidFill>
+              </a:endParaRPr>
+            </a:p>
+          </p:txBody>
+        </p:sp>
+        <p:sp>
+          <p:nvSpPr>
+            <p:cNvPr id="54" name="TextBox 53"/>
+            <p:cNvSpPr txBox="1"/>
+            <p:nvPr/>
+          </p:nvSpPr>
+          <p:spPr>
+            <a:xfrm>
+              <a:off x="483870" y="4169096"/>
+              <a:ext cx="502920" cy="461665"/>
+            </a:xfrm>
+            <a:prstGeom prst="rect">
+              <a:avLst/>
+            </a:prstGeom>
+            <a:noFill/>
+          </p:spPr>
+          <p:txBody>
+            <a:bodyPr wrap="square" rtlCol="0">
+              <a:spAutoFit/>
+            </a:bodyPr>
+            <a:lstStyle/>
+            <a:p>
+              <a:r>
+                <a:rPr lang="en-US" sz="2400" dirty="0" smtClean="0">
+                  <a:solidFill>
+                    <a:schemeClr val="bg1"/>
+                  </a:solidFill>
+                </a:rPr>
+                <a:t>+</a:t>
+              </a:r>
+              <a:endParaRPr lang="en-US" sz="2400" dirty="0">
+                <a:solidFill>
+                  <a:schemeClr val="bg1"/>
+                </a:solidFill>
+              </a:endParaRPr>
+            </a:p>
+          </p:txBody>
+        </p:sp>
+        <p:sp>
+          <p:nvSpPr>
+            <p:cNvPr id="55" name="TextBox 54"/>
+            <p:cNvSpPr txBox="1"/>
+            <p:nvPr/>
+          </p:nvSpPr>
+          <p:spPr>
+            <a:xfrm>
+              <a:off x="2362200" y="4173601"/>
+              <a:ext cx="502920" cy="461665"/>
+            </a:xfrm>
+            <a:prstGeom prst="rect">
+              <a:avLst/>
+            </a:prstGeom>
+            <a:noFill/>
+          </p:spPr>
+          <p:txBody>
+            <a:bodyPr wrap="square" rtlCol="0">
+              <a:spAutoFit/>
+            </a:bodyPr>
+            <a:lstStyle/>
+            <a:p>
+              <a:r>
+                <a:rPr lang="en-US" sz="2400" dirty="0" smtClean="0">
+                  <a:solidFill>
+                    <a:schemeClr val="bg1"/>
+                  </a:solidFill>
+                </a:rPr>
+                <a:t>+</a:t>
+              </a:r>
+              <a:endParaRPr lang="en-US" sz="2400" dirty="0">
+                <a:solidFill>
+                  <a:schemeClr val="bg1"/>
+                </a:solidFill>
+              </a:endParaRPr>
+            </a:p>
+          </p:txBody>
+        </p:sp>
+        <p:grpSp>
+          <p:nvGrpSpPr>
+            <p:cNvPr id="56" name="Group 55"/>
+            <p:cNvGrpSpPr/>
+            <p:nvPr/>
+          </p:nvGrpSpPr>
+          <p:grpSpPr>
+            <a:xfrm>
+              <a:off x="3366569" y="4367775"/>
+              <a:ext cx="197575" cy="80962"/>
+              <a:chOff x="3371850" y="2904422"/>
+              <a:chExt cx="197575" cy="80962"/>
+            </a:xfrm>
+          </p:grpSpPr>
+          <p:cxnSp>
+            <p:nvCxnSpPr>
+              <p:cNvPr id="70" name="Straight Connector 69"/>
+              <p:cNvCxnSpPr/>
+              <p:nvPr/>
+            </p:nvCxnSpPr>
+            <p:spPr>
+              <a:xfrm>
+                <a:off x="3371850" y="2904422"/>
+                <a:ext cx="197575" cy="0"/>
+              </a:xfrm>
+              <a:prstGeom prst="line">
+                <a:avLst/>
+              </a:prstGeom>
+              <a:ln w="22225">
+                <a:solidFill>
+                  <a:schemeClr val="bg1"/>
+                </a:solidFill>
+              </a:ln>
+            </p:spPr>
+            <p:style>
+              <a:lnRef idx="1">
+                <a:schemeClr val="accent1"/>
+              </a:lnRef>
+              <a:fillRef idx="0">
+                <a:schemeClr val="accent1"/>
+              </a:fillRef>
+              <a:effectRef idx="0">
+                <a:schemeClr val="accent1"/>
+              </a:effectRef>
+              <a:fontRef idx="minor">
+                <a:schemeClr val="tx1"/>
+              </a:fontRef>
+            </p:style>
+          </p:cxnSp>
+          <p:cxnSp>
+            <p:nvCxnSpPr>
+              <p:cNvPr id="71" name="Straight Connector 70"/>
+              <p:cNvCxnSpPr/>
+              <p:nvPr/>
+            </p:nvCxnSpPr>
+            <p:spPr>
+              <a:xfrm>
+                <a:off x="3397485" y="2944903"/>
+                <a:ext cx="146304" cy="0"/>
+              </a:xfrm>
+              <a:prstGeom prst="line">
+                <a:avLst/>
+              </a:prstGeom>
+              <a:ln w="22225">
+                <a:solidFill>
+                  <a:schemeClr val="bg1"/>
+                </a:solidFill>
+              </a:ln>
+            </p:spPr>
+            <p:style>
+              <a:lnRef idx="1">
+                <a:schemeClr val="accent1"/>
+              </a:lnRef>
+              <a:fillRef idx="0">
+                <a:schemeClr val="accent1"/>
+              </a:fillRef>
+              <a:effectRef idx="0">
+                <a:schemeClr val="accent1"/>
+              </a:effectRef>
+              <a:fontRef idx="minor">
+                <a:schemeClr val="tx1"/>
+              </a:fontRef>
+            </p:style>
+          </p:cxnSp>
+          <p:cxnSp>
+            <p:nvCxnSpPr>
+              <p:cNvPr id="72" name="Straight Connector 71"/>
+              <p:cNvCxnSpPr/>
+              <p:nvPr/>
+            </p:nvCxnSpPr>
+            <p:spPr>
+              <a:xfrm>
+                <a:off x="3424917" y="2985384"/>
+                <a:ext cx="91440" cy="0"/>
+              </a:xfrm>
+              <a:prstGeom prst="line">
+                <a:avLst/>
+              </a:prstGeom>
+              <a:ln w="22225">
+                <a:solidFill>
+                  <a:schemeClr val="bg1"/>
+                </a:solidFill>
+              </a:ln>
+            </p:spPr>
+            <p:style>
+              <a:lnRef idx="1">
+                <a:schemeClr val="accent1"/>
+              </a:lnRef>
+              <a:fillRef idx="0">
+                <a:schemeClr val="accent1"/>
+              </a:fillRef>
+              <a:effectRef idx="0">
+                <a:schemeClr val="accent1"/>
+              </a:effectRef>
+              <a:fontRef idx="minor">
+                <a:schemeClr val="tx1"/>
+              </a:fontRef>
+            </p:style>
+          </p:cxnSp>
+        </p:grpSp>
+        <p:grpSp>
+          <p:nvGrpSpPr>
+            <p:cNvPr id="57" name="Group 56"/>
+            <p:cNvGrpSpPr/>
+            <p:nvPr/>
+          </p:nvGrpSpPr>
+          <p:grpSpPr>
+            <a:xfrm>
+              <a:off x="1484774" y="4377503"/>
+              <a:ext cx="197575" cy="80962"/>
+              <a:chOff x="3371850" y="2904422"/>
+              <a:chExt cx="197575" cy="80962"/>
+            </a:xfrm>
+          </p:grpSpPr>
+          <p:cxnSp>
+            <p:nvCxnSpPr>
+              <p:cNvPr id="67" name="Straight Connector 66"/>
+              <p:cNvCxnSpPr/>
+              <p:nvPr/>
+            </p:nvCxnSpPr>
+            <p:spPr>
+              <a:xfrm>
+                <a:off x="3371850" y="2904422"/>
+                <a:ext cx="197575" cy="0"/>
+              </a:xfrm>
+              <a:prstGeom prst="line">
+                <a:avLst/>
+              </a:prstGeom>
+              <a:ln w="22225">
+                <a:solidFill>
+                  <a:schemeClr val="bg1"/>
+                </a:solidFill>
+              </a:ln>
+            </p:spPr>
+            <p:style>
+              <a:lnRef idx="1">
+                <a:schemeClr val="accent1"/>
+              </a:lnRef>
+              <a:fillRef idx="0">
+                <a:schemeClr val="accent1"/>
+              </a:fillRef>
+              <a:effectRef idx="0">
+                <a:schemeClr val="accent1"/>
+              </a:effectRef>
+              <a:fontRef idx="minor">
+                <a:schemeClr val="tx1"/>
+              </a:fontRef>
+            </p:style>
+          </p:cxnSp>
+          <p:cxnSp>
+            <p:nvCxnSpPr>
+              <p:cNvPr id="68" name="Straight Connector 67"/>
+              <p:cNvCxnSpPr/>
+              <p:nvPr/>
+            </p:nvCxnSpPr>
+            <p:spPr>
+              <a:xfrm>
+                <a:off x="3397485" y="2944903"/>
+                <a:ext cx="146304" cy="0"/>
+              </a:xfrm>
+              <a:prstGeom prst="line">
+                <a:avLst/>
+              </a:prstGeom>
+              <a:ln w="22225">
+                <a:solidFill>
+                  <a:schemeClr val="bg1"/>
+                </a:solidFill>
+              </a:ln>
+            </p:spPr>
+            <p:style>
+              <a:lnRef idx="1">
+                <a:schemeClr val="accent1"/>
+              </a:lnRef>
+              <a:fillRef idx="0">
+                <a:schemeClr val="accent1"/>
+              </a:fillRef>
+              <a:effectRef idx="0">
+                <a:schemeClr val="accent1"/>
+              </a:effectRef>
+              <a:fontRef idx="minor">
+                <a:schemeClr val="tx1"/>
+              </a:fontRef>
+            </p:style>
+          </p:cxnSp>
+          <p:cxnSp>
+            <p:nvCxnSpPr>
+              <p:cNvPr id="69" name="Straight Connector 68"/>
+              <p:cNvCxnSpPr/>
+              <p:nvPr/>
+            </p:nvCxnSpPr>
+            <p:spPr>
+              <a:xfrm>
+                <a:off x="3424917" y="2985384"/>
+                <a:ext cx="91440" cy="0"/>
+              </a:xfrm>
+              <a:prstGeom prst="line">
+                <a:avLst/>
+              </a:prstGeom>
+              <a:ln w="22225">
+                <a:solidFill>
+                  <a:schemeClr val="bg1"/>
+                </a:solidFill>
+              </a:ln>
+            </p:spPr>
+            <p:style>
+              <a:lnRef idx="1">
+                <a:schemeClr val="accent1"/>
+              </a:lnRef>
+              <a:fillRef idx="0">
+                <a:schemeClr val="accent1"/>
+              </a:fillRef>
+              <a:effectRef idx="0">
+                <a:schemeClr val="accent1"/>
+              </a:effectRef>
+              <a:fontRef idx="minor">
+                <a:schemeClr val="tx1"/>
+              </a:fontRef>
+            </p:style>
+          </p:cxnSp>
+        </p:grpSp>
+        <p:grpSp>
+          <p:nvGrpSpPr>
+            <p:cNvPr id="58" name="Group 57"/>
+            <p:cNvGrpSpPr/>
+            <p:nvPr/>
+          </p:nvGrpSpPr>
+          <p:grpSpPr>
+            <a:xfrm>
+              <a:off x="3376296" y="3284827"/>
+              <a:ext cx="197575" cy="80962"/>
+              <a:chOff x="3371850" y="2904422"/>
+              <a:chExt cx="197575" cy="80962"/>
+            </a:xfrm>
+          </p:grpSpPr>
+          <p:cxnSp>
+            <p:nvCxnSpPr>
+              <p:cNvPr id="64" name="Straight Connector 63"/>
+              <p:cNvCxnSpPr/>
+              <p:nvPr/>
+            </p:nvCxnSpPr>
+            <p:spPr>
+              <a:xfrm>
+                <a:off x="3371850" y="2904422"/>
+                <a:ext cx="197575" cy="0"/>
+              </a:xfrm>
+              <a:prstGeom prst="line">
+                <a:avLst/>
+              </a:prstGeom>
+              <a:ln w="22225">
+                <a:solidFill>
+                  <a:schemeClr val="bg1"/>
+                </a:solidFill>
+              </a:ln>
+            </p:spPr>
+            <p:style>
+              <a:lnRef idx="1">
+                <a:schemeClr val="accent1"/>
+              </a:lnRef>
+              <a:fillRef idx="0">
+                <a:schemeClr val="accent1"/>
+              </a:fillRef>
+              <a:effectRef idx="0">
+                <a:schemeClr val="accent1"/>
+              </a:effectRef>
+              <a:fontRef idx="minor">
+                <a:schemeClr val="tx1"/>
+              </a:fontRef>
+            </p:style>
+          </p:cxnSp>
+          <p:cxnSp>
+            <p:nvCxnSpPr>
+              <p:cNvPr id="65" name="Straight Connector 64"/>
+              <p:cNvCxnSpPr/>
+              <p:nvPr/>
+            </p:nvCxnSpPr>
+            <p:spPr>
+              <a:xfrm>
+                <a:off x="3397485" y="2944903"/>
+                <a:ext cx="146304" cy="0"/>
+              </a:xfrm>
+              <a:prstGeom prst="line">
+                <a:avLst/>
+              </a:prstGeom>
+              <a:ln w="22225">
+                <a:solidFill>
+                  <a:schemeClr val="bg1"/>
+                </a:solidFill>
+              </a:ln>
+            </p:spPr>
+            <p:style>
+              <a:lnRef idx="1">
+                <a:schemeClr val="accent1"/>
+              </a:lnRef>
+              <a:fillRef idx="0">
+                <a:schemeClr val="accent1"/>
+              </a:fillRef>
+              <a:effectRef idx="0">
+                <a:schemeClr val="accent1"/>
+              </a:effectRef>
+              <a:fontRef idx="minor">
+                <a:schemeClr val="tx1"/>
+              </a:fontRef>
+            </p:style>
+          </p:cxnSp>
+          <p:cxnSp>
+            <p:nvCxnSpPr>
+              <p:cNvPr id="66" name="Straight Connector 65"/>
+              <p:cNvCxnSpPr/>
+              <p:nvPr/>
+            </p:nvCxnSpPr>
+            <p:spPr>
+              <a:xfrm>
+                <a:off x="3424917" y="2985384"/>
+                <a:ext cx="91440" cy="0"/>
+              </a:xfrm>
+              <a:prstGeom prst="line">
+                <a:avLst/>
+              </a:prstGeom>
+              <a:ln w="22225">
+                <a:solidFill>
+                  <a:schemeClr val="bg1"/>
+                </a:solidFill>
+              </a:ln>
+            </p:spPr>
+            <p:style>
+              <a:lnRef idx="1">
+                <a:schemeClr val="accent1"/>
+              </a:lnRef>
+              <a:fillRef idx="0">
+                <a:schemeClr val="accent1"/>
+              </a:fillRef>
+              <a:effectRef idx="0">
+                <a:schemeClr val="accent1"/>
+              </a:effectRef>
+              <a:fontRef idx="minor">
+                <a:schemeClr val="tx1"/>
+              </a:fontRef>
+            </p:style>
+          </p:cxnSp>
+        </p:grpSp>
+        <p:grpSp>
+          <p:nvGrpSpPr>
+            <p:cNvPr id="59" name="Group 58"/>
+            <p:cNvGrpSpPr/>
+            <p:nvPr/>
+          </p:nvGrpSpPr>
+          <p:grpSpPr>
+            <a:xfrm>
+              <a:off x="1494501" y="3294555"/>
+              <a:ext cx="197575" cy="80962"/>
+              <a:chOff x="3371850" y="2904422"/>
+              <a:chExt cx="197575" cy="80962"/>
+            </a:xfrm>
+          </p:grpSpPr>
+          <p:cxnSp>
+            <p:nvCxnSpPr>
+              <p:cNvPr id="61" name="Straight Connector 60"/>
+              <p:cNvCxnSpPr/>
+              <p:nvPr/>
+            </p:nvCxnSpPr>
+            <p:spPr>
+              <a:xfrm>
+                <a:off x="3371850" y="2904422"/>
+                <a:ext cx="197575" cy="0"/>
+              </a:xfrm>
+              <a:prstGeom prst="line">
+                <a:avLst/>
+              </a:prstGeom>
+              <a:ln w="22225">
+                <a:solidFill>
+                  <a:schemeClr val="bg1"/>
+                </a:solidFill>
+              </a:ln>
+            </p:spPr>
+            <p:style>
+              <a:lnRef idx="1">
+                <a:schemeClr val="accent1"/>
+              </a:lnRef>
+              <a:fillRef idx="0">
+                <a:schemeClr val="accent1"/>
+              </a:fillRef>
+              <a:effectRef idx="0">
+                <a:schemeClr val="accent1"/>
+              </a:effectRef>
+              <a:fontRef idx="minor">
+                <a:schemeClr val="tx1"/>
+              </a:fontRef>
+            </p:style>
+          </p:cxnSp>
+          <p:cxnSp>
+            <p:nvCxnSpPr>
+              <p:cNvPr id="62" name="Straight Connector 61"/>
+              <p:cNvCxnSpPr/>
+              <p:nvPr/>
+            </p:nvCxnSpPr>
+            <p:spPr>
+              <a:xfrm>
+                <a:off x="3397485" y="2944903"/>
+                <a:ext cx="146304" cy="0"/>
+              </a:xfrm>
+              <a:prstGeom prst="line">
+                <a:avLst/>
+              </a:prstGeom>
+              <a:ln w="22225">
+                <a:solidFill>
+                  <a:schemeClr val="bg1"/>
+                </a:solidFill>
+              </a:ln>
+            </p:spPr>
+            <p:style>
+              <a:lnRef idx="1">
+                <a:schemeClr val="accent1"/>
+              </a:lnRef>
+              <a:fillRef idx="0">
+                <a:schemeClr val="accent1"/>
+              </a:fillRef>
+              <a:effectRef idx="0">
+                <a:schemeClr val="accent1"/>
+              </a:effectRef>
+              <a:fontRef idx="minor">
+                <a:schemeClr val="tx1"/>
+              </a:fontRef>
+            </p:style>
+          </p:cxnSp>
+          <p:cxnSp>
+            <p:nvCxnSpPr>
+              <p:cNvPr id="63" name="Straight Connector 62"/>
+              <p:cNvCxnSpPr/>
+              <p:nvPr/>
+            </p:nvCxnSpPr>
+            <p:spPr>
+              <a:xfrm>
+                <a:off x="3424917" y="2985384"/>
+                <a:ext cx="91440" cy="0"/>
+              </a:xfrm>
+              <a:prstGeom prst="line">
+                <a:avLst/>
+              </a:prstGeom>
+              <a:ln w="22225">
+                <a:solidFill>
+                  <a:schemeClr val="bg1"/>
+                </a:solidFill>
+              </a:ln>
+            </p:spPr>
+            <p:style>
+              <a:lnRef idx="1">
+                <a:schemeClr val="accent1"/>
+              </a:lnRef>
+              <a:fillRef idx="0">
+                <a:schemeClr val="accent1"/>
+              </a:fillRef>
+              <a:effectRef idx="0">
+                <a:schemeClr val="accent1"/>
+              </a:effectRef>
+              <a:fontRef idx="minor">
+                <a:schemeClr val="tx1"/>
+              </a:fontRef>
+            </p:style>
+          </p:cxnSp>
+        </p:grpSp>
+        <p:sp>
+          <p:nvSpPr>
+            <p:cNvPr id="60" name="TextBox 59"/>
+            <p:cNvSpPr txBox="1"/>
+            <p:nvPr/>
+          </p:nvSpPr>
+          <p:spPr>
+            <a:xfrm>
+              <a:off x="145488" y="3574513"/>
+              <a:ext cx="1021404" cy="584775"/>
+            </a:xfrm>
+            <a:prstGeom prst="rect">
+              <a:avLst/>
+            </a:prstGeom>
+            <a:noFill/>
+          </p:spPr>
+          <p:txBody>
+            <a:bodyPr wrap="square" rtlCol="0">
+              <a:spAutoFit/>
+            </a:bodyPr>
+            <a:lstStyle/>
+            <a:p>
+              <a:r>
+                <a:rPr lang="en-US" sz="3200" b="1" dirty="0" smtClean="0">
+                  <a:ln w="19050">
+                    <a:solidFill>
+                      <a:schemeClr val="tx1"/>
+                    </a:solidFill>
+                  </a:ln>
+                  <a:solidFill>
+                    <a:schemeClr val="bg1"/>
+                  </a:solidFill>
+                </a:rPr>
+                <a:t>B</a:t>
+              </a:r>
+              <a:endParaRPr lang="en-US" sz="3200" b="1" dirty="0">
+                <a:ln w="19050">
+                  <a:solidFill>
+                    <a:schemeClr val="tx1"/>
+                  </a:solidFill>
+                </a:ln>
+                <a:solidFill>
+                  <a:schemeClr val="bg1"/>
+                </a:solidFill>
+              </a:endParaRPr>
+            </a:p>
+          </p:txBody>
+        </p:sp>
       </p:grpSp>
       <p:grpSp>
         <p:nvGrpSpPr>
-          <p:cNvPr id="40" name="Group 39"/>
+          <p:cNvPr id="73" name="Group 72"/>
           <p:cNvGrpSpPr/>
           <p:nvPr/>
         </p:nvGrpSpPr>
         <p:grpSpPr>
           <a:xfrm>
-            <a:off x="1499229" y="1853636"/>
-            <a:ext cx="197575" cy="80962"/>
-            <a:chOff x="3371850" y="2904422"/>
-            <a:chExt cx="197575" cy="80962"/>
+            <a:off x="4240411" y="1533613"/>
+            <a:ext cx="3888622" cy="1543291"/>
+            <a:chOff x="145488" y="4560851"/>
+            <a:chExt cx="3888622" cy="1543291"/>
           </a:xfrm>
         </p:grpSpPr>
-        <p:cxnSp>
-          <p:nvCxnSpPr>
-            <p:cNvPr id="41" name="Straight Connector 40"/>
-            <p:cNvCxnSpPr/>
+        <p:pic>
+          <p:nvPicPr>
+            <p:cNvPr id="74" name="Picture 73"/>
+            <p:cNvPicPr>
+              <a:picLocks noChangeAspect="1"/>
+            </p:cNvPicPr>
             <p:nvPr/>
-          </p:nvCxnSpPr>
+          </p:nvPicPr>
+          <p:blipFill>
+            <a:blip r:embed="rId6" cstate="print">
+              <a:extLst>
+                <a:ext uri="{28A0092B-C50C-407E-A947-70E740481C1C}">
+                  <a14:useLocalDpi xmlns:a14="http://schemas.microsoft.com/office/drawing/2010/main" val="0"/>
+                </a:ext>
+              </a:extLst>
+            </a:blip>
+            <a:stretch>
+              <a:fillRect/>
+            </a:stretch>
+          </p:blipFill>
           <p:spPr>
             <a:xfrm>
-              <a:off x="3371850" y="2904422"/>
-              <a:ext cx="197575" cy="0"/>
+              <a:off x="223702" y="4635267"/>
+              <a:ext cx="3657600" cy="1371600"/>
             </a:xfrm>
-            <a:prstGeom prst="line">
+            <a:prstGeom prst="rect">
               <a:avLst/>
             </a:prstGeom>
-            <a:ln w="22225">
+            <a:ln w="28575">
               <a:solidFill>
-                <a:schemeClr val="bg1"/>
+                <a:schemeClr val="tx1"/>
               </a:solidFill>
             </a:ln>
           </p:spPr>
-          <p:style>
-            <a:lnRef idx="1">
-              <a:schemeClr val="accent1"/>
-            </a:lnRef>
-            <a:fillRef idx="0">
-              <a:schemeClr val="accent1"/>
-            </a:fillRef>
-            <a:effectRef idx="0">
-              <a:schemeClr val="accent1"/>
-            </a:effectRef>
-            <a:fontRef idx="minor">
-              <a:schemeClr val="tx1"/>
-            </a:fontRef>
-          </p:style>
-        </p:cxnSp>
-        <p:cxnSp>
-          <p:nvCxnSpPr>
-            <p:cNvPr id="42" name="Straight Connector 41"/>
-            <p:cNvCxnSpPr/>
+        </p:pic>
+        <p:sp>
+          <p:nvSpPr>
+            <p:cNvPr id="75" name="TextBox 74"/>
+            <p:cNvSpPr txBox="1"/>
             <p:nvPr/>
-          </p:nvCxnSpPr>
+          </p:nvSpPr>
           <p:spPr>
             <a:xfrm>
-              <a:off x="3397485" y="2944903"/>
-              <a:ext cx="146304" cy="0"/>
+              <a:off x="483870" y="4560851"/>
+              <a:ext cx="502920" cy="461665"/>
             </a:xfrm>
-            <a:prstGeom prst="line">
+            <a:prstGeom prst="rect">
               <a:avLst/>
             </a:prstGeom>
-            <a:ln w="22225">
-              <a:solidFill>
-                <a:schemeClr val="bg1"/>
-              </a:solidFill>
-            </a:ln>
+            <a:noFill/>
           </p:spPr>
-          <p:style>
-            <a:lnRef idx="1">
-              <a:schemeClr val="accent1"/>
-            </a:lnRef>
-            <a:fillRef idx="0">
-              <a:schemeClr val="accent1"/>
-            </a:fillRef>
-            <a:effectRef idx="0">
-              <a:schemeClr val="accent1"/>
-            </a:effectRef>
-            <a:fontRef idx="minor">
-              <a:schemeClr val="tx1"/>
-            </a:fontRef>
-          </p:style>
-        </p:cxnSp>
-        <p:cxnSp>
-          <p:nvCxnSpPr>
-            <p:cNvPr id="43" name="Straight Connector 42"/>
-            <p:cNvCxnSpPr/>
+          <p:txBody>
+            <a:bodyPr wrap="square" rtlCol="0">
+              <a:spAutoFit/>
+            </a:bodyPr>
+            <a:lstStyle/>
+            <a:p>
+              <a:r>
+                <a:rPr lang="en-US" sz="2400" dirty="0" smtClean="0">
+                  <a:solidFill>
+                    <a:schemeClr val="bg1"/>
+                  </a:solidFill>
+                </a:rPr>
+                <a:t>+</a:t>
+              </a:r>
+              <a:endParaRPr lang="en-US" sz="2400" dirty="0">
+                <a:solidFill>
+                  <a:schemeClr val="bg1"/>
+                </a:solidFill>
+              </a:endParaRPr>
+            </a:p>
+          </p:txBody>
+        </p:sp>
+        <p:sp>
+          <p:nvSpPr>
+            <p:cNvPr id="76" name="TextBox 75"/>
+            <p:cNvSpPr txBox="1"/>
             <p:nvPr/>
-          </p:nvCxnSpPr>
+          </p:nvSpPr>
           <p:spPr>
             <a:xfrm>
-              <a:off x="3424917" y="2985384"/>
-              <a:ext cx="91440" cy="0"/>
+              <a:off x="2362200" y="4565356"/>
+              <a:ext cx="502920" cy="461665"/>
             </a:xfrm>
-            <a:prstGeom prst="line">
+            <a:prstGeom prst="rect">
               <a:avLst/>
             </a:prstGeom>
-            <a:ln w="22225">
-              <a:solidFill>
-                <a:schemeClr val="bg1"/>
-              </a:solidFill>
-            </a:ln>
+            <a:noFill/>
           </p:spPr>
-          <p:style>
-            <a:lnRef idx="1">
-              <a:schemeClr val="accent1"/>
-            </a:lnRef>
-            <a:fillRef idx="0">
-              <a:schemeClr val="accent1"/>
-            </a:fillRef>
-            <a:effectRef idx="0">
-              <a:schemeClr val="accent1"/>
-            </a:effectRef>
-            <a:fontRef idx="minor">
-              <a:schemeClr val="tx1"/>
-            </a:fontRef>
-          </p:style>
-        </p:cxnSp>
-      </p:grpSp>
-      <p:grpSp>
-        <p:nvGrpSpPr>
-          <p:cNvPr id="44" name="Group 43"/>
-          <p:cNvGrpSpPr/>
-          <p:nvPr/>
-        </p:nvGrpSpPr>
-        <p:grpSpPr>
-          <a:xfrm>
-            <a:off x="3366569" y="4367775"/>
-            <a:ext cx="197575" cy="80962"/>
-            <a:chOff x="3371850" y="2904422"/>
-            <a:chExt cx="197575" cy="80962"/>
-          </a:xfrm>
-        </p:grpSpPr>
-        <p:cxnSp>
-          <p:nvCxnSpPr>
-            <p:cNvPr id="45" name="Straight Connector 44"/>
-            <p:cNvCxnSpPr/>
+          <p:txBody>
+            <a:bodyPr wrap="square" rtlCol="0">
+              <a:spAutoFit/>
+            </a:bodyPr>
+            <a:lstStyle/>
+            <a:p>
+              <a:r>
+                <a:rPr lang="en-US" sz="2400" dirty="0" smtClean="0">
+                  <a:solidFill>
+                    <a:schemeClr val="bg1"/>
+                  </a:solidFill>
+                </a:rPr>
+                <a:t>+</a:t>
+              </a:r>
+              <a:endParaRPr lang="en-US" sz="2400" dirty="0">
+                <a:solidFill>
+                  <a:schemeClr val="bg1"/>
+                </a:solidFill>
+              </a:endParaRPr>
+            </a:p>
+          </p:txBody>
+        </p:sp>
+        <p:sp>
+          <p:nvSpPr>
+            <p:cNvPr id="77" name="TextBox 76"/>
+            <p:cNvSpPr txBox="1"/>
             <p:nvPr/>
-          </p:nvCxnSpPr>
+          </p:nvSpPr>
           <p:spPr>
             <a:xfrm>
-              <a:off x="3371850" y="2904422"/>
-              <a:ext cx="197575" cy="0"/>
+              <a:off x="483870" y="5637972"/>
+              <a:ext cx="502920" cy="461665"/>
             </a:xfrm>
-            <a:prstGeom prst="line">
+            <a:prstGeom prst="rect">
               <a:avLst/>
             </a:prstGeom>
-            <a:ln w="22225">
-              <a:solidFill>
-                <a:schemeClr val="bg1"/>
-              </a:solidFill>
-            </a:ln>
+            <a:noFill/>
           </p:spPr>
-          <p:style>
-            <a:lnRef idx="1">
-              <a:schemeClr val="accent1"/>
-            </a:lnRef>
-            <a:fillRef idx="0">
-              <a:schemeClr val="accent1"/>
-            </a:fillRef>
-            <a:effectRef idx="0">
-              <a:schemeClr val="accent1"/>
-            </a:effectRef>
-            <a:fontRef idx="minor">
-              <a:schemeClr val="tx1"/>
-            </a:fontRef>
-          </p:style>
-        </p:cxnSp>
-        <p:cxnSp>
-          <p:nvCxnSpPr>
-            <p:cNvPr id="46" name="Straight Connector 45"/>
-            <p:cNvCxnSpPr/>
+          <p:txBody>
+            <a:bodyPr wrap="square" rtlCol="0">
+              <a:spAutoFit/>
+            </a:bodyPr>
+            <a:lstStyle/>
+            <a:p>
+              <a:r>
+                <a:rPr lang="en-US" sz="2400" dirty="0" smtClean="0">
+                  <a:solidFill>
+                    <a:schemeClr val="bg1"/>
+                  </a:solidFill>
+                </a:rPr>
+                <a:t>+</a:t>
+              </a:r>
+              <a:endParaRPr lang="en-US" sz="2400" dirty="0">
+                <a:solidFill>
+                  <a:schemeClr val="bg1"/>
+                </a:solidFill>
+              </a:endParaRPr>
+            </a:p>
+          </p:txBody>
+        </p:sp>
+        <p:sp>
+          <p:nvSpPr>
+            <p:cNvPr id="78" name="TextBox 77"/>
+            <p:cNvSpPr txBox="1"/>
             <p:nvPr/>
-          </p:nvCxnSpPr>
+          </p:nvSpPr>
           <p:spPr>
             <a:xfrm>
-              <a:off x="3397485" y="2944903"/>
-              <a:ext cx="146304" cy="0"/>
+              <a:off x="2362200" y="5642477"/>
+              <a:ext cx="502920" cy="461665"/>
             </a:xfrm>
-            <a:prstGeom prst="line">
+            <a:prstGeom prst="rect">
               <a:avLst/>
             </a:prstGeom>
-            <a:ln w="22225">
-              <a:solidFill>
-                <a:schemeClr val="bg1"/>
-              </a:solidFill>
-            </a:ln>
+            <a:noFill/>
           </p:spPr>
-          <p:style>
-            <a:lnRef idx="1">
-              <a:schemeClr val="accent1"/>
-            </a:lnRef>
-            <a:fillRef idx="0">
-              <a:schemeClr val="accent1"/>
-            </a:fillRef>
-            <a:effectRef idx="0">
-              <a:schemeClr val="accent1"/>
-            </a:effectRef>
-            <a:fontRef idx="minor">
-              <a:schemeClr val="tx1"/>
-            </a:fontRef>
-          </p:style>
-        </p:cxnSp>
-        <p:cxnSp>
-          <p:nvCxnSpPr>
-            <p:cNvPr id="47" name="Straight Connector 46"/>
-            <p:cNvCxnSpPr/>
+          <p:txBody>
+            <a:bodyPr wrap="square" rtlCol="0">
+              <a:spAutoFit/>
+            </a:bodyPr>
+            <a:lstStyle/>
+            <a:p>
+              <a:r>
+                <a:rPr lang="en-US" sz="2400" dirty="0" smtClean="0">
+                  <a:solidFill>
+                    <a:schemeClr val="bg1"/>
+                  </a:solidFill>
+                </a:rPr>
+                <a:t>+</a:t>
+              </a:r>
+              <a:endParaRPr lang="en-US" sz="2400" dirty="0">
+                <a:solidFill>
+                  <a:schemeClr val="bg1"/>
+                </a:solidFill>
+              </a:endParaRPr>
+            </a:p>
+          </p:txBody>
+        </p:sp>
+        <p:sp>
+          <p:nvSpPr>
+            <p:cNvPr id="79" name="TextBox 78"/>
+            <p:cNvSpPr txBox="1"/>
             <p:nvPr/>
-          </p:nvCxnSpPr>
+          </p:nvSpPr>
           <p:spPr>
             <a:xfrm>
-              <a:off x="3424917" y="2985384"/>
-              <a:ext cx="91440" cy="0"/>
+              <a:off x="3268300" y="5697603"/>
+              <a:ext cx="765810" cy="369332"/>
             </a:xfrm>
-            <a:prstGeom prst="line">
+            <a:prstGeom prst="rect">
               <a:avLst/>
             </a:prstGeom>
-            <a:ln w="22225">
-              <a:solidFill>
-                <a:schemeClr val="bg1"/>
-              </a:solidFill>
-            </a:ln>
+            <a:noFill/>
           </p:spPr>
-          <p:style>
-            <a:lnRef idx="1">
-              <a:schemeClr val="accent1"/>
-            </a:lnRef>
-            <a:fillRef idx="0">
-              <a:schemeClr val="accent1"/>
-            </a:fillRef>
-            <a:effectRef idx="0">
-              <a:schemeClr val="accent1"/>
-            </a:effectRef>
-            <a:fontRef idx="minor">
-              <a:schemeClr val="tx1"/>
-            </a:fontRef>
-          </p:style>
-        </p:cxnSp>
-      </p:grpSp>
-      <p:grpSp>
-        <p:nvGrpSpPr>
-          <p:cNvPr id="48" name="Group 47"/>
-          <p:cNvGrpSpPr/>
-          <p:nvPr/>
-        </p:nvGrpSpPr>
-        <p:grpSpPr>
-          <a:xfrm>
-            <a:off x="1484774" y="4377503"/>
-            <a:ext cx="197575" cy="80962"/>
-            <a:chOff x="3371850" y="2904422"/>
-            <a:chExt cx="197575" cy="80962"/>
-          </a:xfrm>
-        </p:grpSpPr>
-        <p:cxnSp>
-          <p:nvCxnSpPr>
-            <p:cNvPr id="49" name="Straight Connector 48"/>
-            <p:cNvCxnSpPr/>
+          <p:txBody>
+            <a:bodyPr wrap="square" rtlCol="0">
+              <a:spAutoFit/>
+            </a:bodyPr>
+            <a:lstStyle/>
+            <a:p>
+              <a:r>
+                <a:rPr lang="en-US" b="1" dirty="0" smtClean="0">
+                  <a:solidFill>
+                    <a:schemeClr val="bg1"/>
+                  </a:solidFill>
+                </a:rPr>
+                <a:t>—</a:t>
+              </a:r>
+              <a:endParaRPr lang="en-US" b="1" dirty="0">
+                <a:solidFill>
+                  <a:schemeClr val="bg1"/>
+                </a:solidFill>
+              </a:endParaRPr>
+            </a:p>
+          </p:txBody>
+        </p:sp>
+        <p:sp>
+          <p:nvSpPr>
+            <p:cNvPr id="80" name="TextBox 79"/>
+            <p:cNvSpPr txBox="1"/>
             <p:nvPr/>
-          </p:nvCxnSpPr>
+          </p:nvSpPr>
           <p:spPr>
             <a:xfrm>
-              <a:off x="3371850" y="2904422"/>
-              <a:ext cx="197575" cy="0"/>
+              <a:off x="1399495" y="5693098"/>
+              <a:ext cx="765810" cy="369332"/>
             </a:xfrm>
-            <a:prstGeom prst="line">
+            <a:prstGeom prst="rect">
               <a:avLst/>
             </a:prstGeom>
-            <a:ln w="22225">
-              <a:solidFill>
-                <a:schemeClr val="bg1"/>
-              </a:solidFill>
-            </a:ln>
+            <a:noFill/>
           </p:spPr>
-          <p:style>
-            <a:lnRef idx="1">
-              <a:schemeClr val="accent1"/>
-            </a:lnRef>
-            <a:fillRef idx="0">
-              <a:schemeClr val="accent1"/>
-            </a:fillRef>
-            <a:effectRef idx="0">
-              <a:schemeClr val="accent1"/>
-            </a:effectRef>
-            <a:fontRef idx="minor">
-              <a:schemeClr val="tx1"/>
-            </a:fontRef>
-          </p:style>
-        </p:cxnSp>
-        <p:cxnSp>
-          <p:nvCxnSpPr>
-            <p:cNvPr id="50" name="Straight Connector 49"/>
-            <p:cNvCxnSpPr/>
+          <p:txBody>
+            <a:bodyPr wrap="square" rtlCol="0">
+              <a:spAutoFit/>
+            </a:bodyPr>
+            <a:lstStyle/>
+            <a:p>
+              <a:r>
+                <a:rPr lang="en-US" b="1" dirty="0" smtClean="0">
+                  <a:solidFill>
+                    <a:schemeClr val="bg1"/>
+                  </a:solidFill>
+                </a:rPr>
+                <a:t>—</a:t>
+              </a:r>
+              <a:endParaRPr lang="en-US" b="1" dirty="0">
+                <a:solidFill>
+                  <a:schemeClr val="bg1"/>
+                </a:solidFill>
+              </a:endParaRPr>
+            </a:p>
+          </p:txBody>
+        </p:sp>
+        <p:sp>
+          <p:nvSpPr>
+            <p:cNvPr id="81" name="TextBox 80"/>
+            <p:cNvSpPr txBox="1"/>
             <p:nvPr/>
-          </p:nvCxnSpPr>
+          </p:nvSpPr>
           <p:spPr>
             <a:xfrm>
-              <a:off x="3397485" y="2944903"/>
-              <a:ext cx="146304" cy="0"/>
+              <a:off x="3268300" y="4597511"/>
+              <a:ext cx="765810" cy="369332"/>
             </a:xfrm>
-            <a:prstGeom prst="line">
+            <a:prstGeom prst="rect">
               <a:avLst/>
             </a:prstGeom>
-            <a:ln w="22225">
-              <a:solidFill>
-                <a:schemeClr val="bg1"/>
-              </a:solidFill>
-            </a:ln>
+            <a:noFill/>
           </p:spPr>
-          <p:style>
-            <a:lnRef idx="1">
-              <a:schemeClr val="accent1"/>
-            </a:lnRef>
-            <a:fillRef idx="0">
-              <a:schemeClr val="accent1"/>
-            </a:fillRef>
-            <a:effectRef idx="0">
-              <a:schemeClr val="accent1"/>
-            </a:effectRef>
-            <a:fontRef idx="minor">
-              <a:schemeClr val="tx1"/>
-            </a:fontRef>
-          </p:style>
-        </p:cxnSp>
-        <p:cxnSp>
-          <p:nvCxnSpPr>
-            <p:cNvPr id="51" name="Straight Connector 50"/>
-            <p:cNvCxnSpPr/>
+          <p:txBody>
+            <a:bodyPr wrap="square" rtlCol="0">
+              <a:spAutoFit/>
+            </a:bodyPr>
+            <a:lstStyle/>
+            <a:p>
+              <a:r>
+                <a:rPr lang="en-US" b="1" dirty="0" smtClean="0">
+                  <a:solidFill>
+                    <a:schemeClr val="bg1"/>
+                  </a:solidFill>
+                </a:rPr>
+                <a:t>—</a:t>
+              </a:r>
+              <a:endParaRPr lang="en-US" b="1" dirty="0">
+                <a:solidFill>
+                  <a:schemeClr val="bg1"/>
+                </a:solidFill>
+              </a:endParaRPr>
+            </a:p>
+          </p:txBody>
+        </p:sp>
+        <p:sp>
+          <p:nvSpPr>
+            <p:cNvPr id="82" name="TextBox 81"/>
+            <p:cNvSpPr txBox="1"/>
             <p:nvPr/>
-          </p:nvCxnSpPr>
+          </p:nvSpPr>
           <p:spPr>
             <a:xfrm>
-              <a:off x="3424917" y="2985384"/>
-              <a:ext cx="91440" cy="0"/>
+              <a:off x="1399495" y="4593006"/>
+              <a:ext cx="765810" cy="369332"/>
             </a:xfrm>
-            <a:prstGeom prst="line">
+            <a:prstGeom prst="rect">
               <a:avLst/>
             </a:prstGeom>
-            <a:ln w="22225">
-              <a:solidFill>
-                <a:schemeClr val="bg1"/>
-              </a:solidFill>
-            </a:ln>
+            <a:noFill/>
           </p:spPr>
-          <p:style>
-            <a:lnRef idx="1">
-              <a:schemeClr val="accent1"/>
-            </a:lnRef>
-            <a:fillRef idx="0">
-              <a:schemeClr val="accent1"/>
-            </a:fillRef>
-            <a:effectRef idx="0">
-              <a:schemeClr val="accent1"/>
-            </a:effectRef>
-            <a:fontRef idx="minor">
-              <a:schemeClr val="tx1"/>
-            </a:fontRef>
-          </p:style>
-        </p:cxnSp>
-      </p:grpSp>
-      <p:grpSp>
-        <p:nvGrpSpPr>
-          <p:cNvPr id="52" name="Group 51"/>
-          <p:cNvGrpSpPr/>
-          <p:nvPr/>
-        </p:nvGrpSpPr>
-        <p:grpSpPr>
-          <a:xfrm>
-            <a:off x="3376296" y="3284827"/>
-            <a:ext cx="197575" cy="80962"/>
-            <a:chOff x="3371850" y="2904422"/>
-            <a:chExt cx="197575" cy="80962"/>
-          </a:xfrm>
-        </p:grpSpPr>
-        <p:cxnSp>
-          <p:nvCxnSpPr>
-            <p:cNvPr id="53" name="Straight Connector 52"/>
-            <p:cNvCxnSpPr/>
+          <p:txBody>
+            <a:bodyPr wrap="square" rtlCol="0">
+              <a:spAutoFit/>
+            </a:bodyPr>
+            <a:lstStyle/>
+            <a:p>
+              <a:r>
+                <a:rPr lang="en-US" b="1" dirty="0" smtClean="0">
+                  <a:solidFill>
+                    <a:schemeClr val="bg1"/>
+                  </a:solidFill>
+                </a:rPr>
+                <a:t>—</a:t>
+              </a:r>
+              <a:endParaRPr lang="en-US" b="1" dirty="0">
+                <a:solidFill>
+                  <a:schemeClr val="bg1"/>
+                </a:solidFill>
+              </a:endParaRPr>
+            </a:p>
+          </p:txBody>
+        </p:sp>
+        <p:sp>
+          <p:nvSpPr>
+            <p:cNvPr id="83" name="TextBox 82"/>
+            <p:cNvSpPr txBox="1"/>
             <p:nvPr/>
-          </p:nvCxnSpPr>
+          </p:nvSpPr>
           <p:spPr>
             <a:xfrm>
-              <a:off x="3371850" y="2904422"/>
-              <a:ext cx="197575" cy="0"/>
+              <a:off x="145488" y="5027427"/>
+              <a:ext cx="1021404" cy="584775"/>
             </a:xfrm>
-            <a:prstGeom prst="line">
+            <a:prstGeom prst="rect">
               <a:avLst/>
             </a:prstGeom>
-            <a:ln w="22225">
-              <a:solidFill>
-                <a:schemeClr val="bg1"/>
-              </a:solidFill>
-            </a:ln>
+            <a:noFill/>
           </p:spPr>
-          <p:style>
-            <a:lnRef idx="1">
-              <a:schemeClr val="accent1"/>
-            </a:lnRef>
-            <a:fillRef idx="0">
-              <a:schemeClr val="accent1"/>
-            </a:fillRef>
-            <a:effectRef idx="0">
-              <a:schemeClr val="accent1"/>
-            </a:effectRef>
-            <a:fontRef idx="minor">
-              <a:schemeClr val="tx1"/>
-            </a:fontRef>
-          </p:style>
-        </p:cxnSp>
-        <p:cxnSp>
-          <p:nvCxnSpPr>
-            <p:cNvPr id="54" name="Straight Connector 53"/>
-            <p:cNvCxnSpPr/>
-            <p:nvPr/>
-          </p:nvCxnSpPr>
-          <p:spPr>
-            <a:xfrm>
-              <a:off x="3397485" y="2944903"/>
-              <a:ext cx="146304" cy="0"/>
-            </a:xfrm>
-            <a:prstGeom prst="line">
-              <a:avLst/>
-            </a:prstGeom>
-            <a:ln w="22225">
-              <a:solidFill>
-                <a:schemeClr val="bg1"/>
-              </a:solidFill>
-            </a:ln>
-          </p:spPr>
-          <p:style>
-            <a:lnRef idx="1">
-              <a:schemeClr val="accent1"/>
-            </a:lnRef>
-            <a:fillRef idx="0">
-              <a:schemeClr val="accent1"/>
-            </a:fillRef>
-            <a:effectRef idx="0">
-              <a:schemeClr val="accent1"/>
-            </a:effectRef>
-            <a:fontRef idx="minor">
-              <a:schemeClr val="tx1"/>
-            </a:fontRef>
-          </p:style>
-        </p:cxnSp>
-        <p:cxnSp>
-          <p:nvCxnSpPr>
-            <p:cNvPr id="55" name="Straight Connector 54"/>
-            <p:cNvCxnSpPr/>
-            <p:nvPr/>
-          </p:nvCxnSpPr>
-          <p:spPr>
-            <a:xfrm>
-              <a:off x="3424917" y="2985384"/>
-              <a:ext cx="91440" cy="0"/>
-            </a:xfrm>
-            <a:prstGeom prst="line">
-              <a:avLst/>
-            </a:prstGeom>
-            <a:ln w="22225">
-              <a:solidFill>
-                <a:schemeClr val="bg1"/>
-              </a:solidFill>
-            </a:ln>
-          </p:spPr>
-          <p:style>
-            <a:lnRef idx="1">
-              <a:schemeClr val="accent1"/>
-            </a:lnRef>
-            <a:fillRef idx="0">
-              <a:schemeClr val="accent1"/>
-            </a:fillRef>
-            <a:effectRef idx="0">
-              <a:schemeClr val="accent1"/>
-            </a:effectRef>
-            <a:fontRef idx="minor">
-              <a:schemeClr val="tx1"/>
-            </a:fontRef>
-          </p:style>
-        </p:cxnSp>
-      </p:grpSp>
-      <p:grpSp>
-        <p:nvGrpSpPr>
-          <p:cNvPr id="56" name="Group 55"/>
-          <p:cNvGrpSpPr/>
-          <p:nvPr/>
-        </p:nvGrpSpPr>
-        <p:grpSpPr>
-          <a:xfrm>
-            <a:off x="1494501" y="3294555"/>
-            <a:ext cx="197575" cy="80962"/>
-            <a:chOff x="3371850" y="2904422"/>
-            <a:chExt cx="197575" cy="80962"/>
-          </a:xfrm>
-        </p:grpSpPr>
-        <p:cxnSp>
-          <p:nvCxnSpPr>
-            <p:cNvPr id="57" name="Straight Connector 56"/>
-            <p:cNvCxnSpPr/>
-            <p:nvPr/>
-          </p:nvCxnSpPr>
-          <p:spPr>
-            <a:xfrm>
-              <a:off x="3371850" y="2904422"/>
-              <a:ext cx="197575" cy="0"/>
-            </a:xfrm>
-            <a:prstGeom prst="line">
-              <a:avLst/>
-            </a:prstGeom>
-            <a:ln w="22225">
-              <a:solidFill>
-                <a:schemeClr val="bg1"/>
-              </a:solidFill>
-            </a:ln>
-          </p:spPr>
-          <p:style>
-            <a:lnRef idx="1">
-              <a:schemeClr val="accent1"/>
-            </a:lnRef>
-            <a:fillRef idx="0">
-              <a:schemeClr val="accent1"/>
-            </a:fillRef>
-            <a:effectRef idx="0">
-              <a:schemeClr val="accent1"/>
-            </a:effectRef>
-            <a:fontRef idx="minor">
-              <a:schemeClr val="tx1"/>
-            </a:fontRef>
-          </p:style>
-        </p:cxnSp>
-        <p:cxnSp>
-          <p:nvCxnSpPr>
-            <p:cNvPr id="58" name="Straight Connector 57"/>
-            <p:cNvCxnSpPr/>
-            <p:nvPr/>
-          </p:nvCxnSpPr>
-          <p:spPr>
-            <a:xfrm>
-              <a:off x="3397485" y="2944903"/>
-              <a:ext cx="146304" cy="0"/>
-            </a:xfrm>
-            <a:prstGeom prst="line">
-              <a:avLst/>
-            </a:prstGeom>
-            <a:ln w="22225">
-              <a:solidFill>
-                <a:schemeClr val="bg1"/>
-              </a:solidFill>
-            </a:ln>
-          </p:spPr>
-          <p:style>
-            <a:lnRef idx="1">
-              <a:schemeClr val="accent1"/>
-            </a:lnRef>
-            <a:fillRef idx="0">
-              <a:schemeClr val="accent1"/>
-            </a:fillRef>
-            <a:effectRef idx="0">
-              <a:schemeClr val="accent1"/>
-            </a:effectRef>
-            <a:fontRef idx="minor">
-              <a:schemeClr val="tx1"/>
-            </a:fontRef>
-          </p:style>
-        </p:cxnSp>
-        <p:cxnSp>
-          <p:nvCxnSpPr>
-            <p:cNvPr id="59" name="Straight Connector 58"/>
-            <p:cNvCxnSpPr/>
-            <p:nvPr/>
-          </p:nvCxnSpPr>
-          <p:spPr>
-            <a:xfrm>
-              <a:off x="3424917" y="2985384"/>
-              <a:ext cx="91440" cy="0"/>
-            </a:xfrm>
-            <a:prstGeom prst="line">
-              <a:avLst/>
-            </a:prstGeom>
-            <a:ln w="22225">
-              <a:solidFill>
-                <a:schemeClr val="bg1"/>
-              </a:solidFill>
-            </a:ln>
-          </p:spPr>
-          <p:style>
-            <a:lnRef idx="1">
-              <a:schemeClr val="accent1"/>
-            </a:lnRef>
-            <a:fillRef idx="0">
-              <a:schemeClr val="accent1"/>
-            </a:fillRef>
-            <a:effectRef idx="0">
-              <a:schemeClr val="accent1"/>
-            </a:effectRef>
-            <a:fontRef idx="minor">
-              <a:schemeClr val="tx1"/>
-            </a:fontRef>
-          </p:style>
-        </p:cxnSp>
-      </p:grpSp>
-      <p:grpSp>
-        <p:nvGrpSpPr>
-          <p:cNvPr id="60" name="Group 59"/>
-          <p:cNvGrpSpPr/>
-          <p:nvPr/>
-        </p:nvGrpSpPr>
-        <p:grpSpPr>
-          <a:xfrm>
-            <a:off x="2429470" y="1472240"/>
-            <a:ext cx="197575" cy="80962"/>
-            <a:chOff x="3371850" y="2904422"/>
-            <a:chExt cx="197575" cy="80962"/>
-          </a:xfrm>
-        </p:grpSpPr>
-        <p:cxnSp>
-          <p:nvCxnSpPr>
-            <p:cNvPr id="61" name="Straight Connector 60"/>
-            <p:cNvCxnSpPr/>
-            <p:nvPr/>
-          </p:nvCxnSpPr>
-          <p:spPr>
-            <a:xfrm>
-              <a:off x="3371850" y="2904422"/>
-              <a:ext cx="197575" cy="0"/>
-            </a:xfrm>
-            <a:prstGeom prst="line">
-              <a:avLst/>
-            </a:prstGeom>
-            <a:ln w="22225">
-              <a:solidFill>
-                <a:schemeClr val="bg1"/>
-              </a:solidFill>
-            </a:ln>
-          </p:spPr>
-          <p:style>
-            <a:lnRef idx="1">
-              <a:schemeClr val="accent1"/>
-            </a:lnRef>
-            <a:fillRef idx="0">
-              <a:schemeClr val="accent1"/>
-            </a:fillRef>
-            <a:effectRef idx="0">
-              <a:schemeClr val="accent1"/>
-            </a:effectRef>
-            <a:fontRef idx="minor">
-              <a:schemeClr val="tx1"/>
-            </a:fontRef>
-          </p:style>
-        </p:cxnSp>
-        <p:cxnSp>
-          <p:nvCxnSpPr>
-            <p:cNvPr id="62" name="Straight Connector 61"/>
-            <p:cNvCxnSpPr/>
-            <p:nvPr/>
-          </p:nvCxnSpPr>
-          <p:spPr>
-            <a:xfrm>
-              <a:off x="3397485" y="2944903"/>
-              <a:ext cx="146304" cy="0"/>
-            </a:xfrm>
-            <a:prstGeom prst="line">
-              <a:avLst/>
-            </a:prstGeom>
-            <a:ln w="22225">
-              <a:solidFill>
-                <a:schemeClr val="bg1"/>
-              </a:solidFill>
-            </a:ln>
-          </p:spPr>
-          <p:style>
-            <a:lnRef idx="1">
-              <a:schemeClr val="accent1"/>
-            </a:lnRef>
-            <a:fillRef idx="0">
-              <a:schemeClr val="accent1"/>
-            </a:fillRef>
-            <a:effectRef idx="0">
-              <a:schemeClr val="accent1"/>
-            </a:effectRef>
-            <a:fontRef idx="minor">
-              <a:schemeClr val="tx1"/>
-            </a:fontRef>
-          </p:style>
-        </p:cxnSp>
-        <p:cxnSp>
-          <p:nvCxnSpPr>
-            <p:cNvPr id="63" name="Straight Connector 62"/>
-            <p:cNvCxnSpPr/>
-            <p:nvPr/>
-          </p:nvCxnSpPr>
-          <p:spPr>
-            <a:xfrm>
-              <a:off x="3424917" y="2985384"/>
-              <a:ext cx="91440" cy="0"/>
-            </a:xfrm>
-            <a:prstGeom prst="line">
-              <a:avLst/>
-            </a:prstGeom>
-            <a:ln w="22225">
-              <a:solidFill>
-                <a:schemeClr val="bg1"/>
-              </a:solidFill>
-            </a:ln>
-          </p:spPr>
-          <p:style>
-            <a:lnRef idx="1">
-              <a:schemeClr val="accent1"/>
-            </a:lnRef>
-            <a:fillRef idx="0">
-              <a:schemeClr val="accent1"/>
-            </a:fillRef>
-            <a:effectRef idx="0">
-              <a:schemeClr val="accent1"/>
-            </a:effectRef>
-            <a:fontRef idx="minor">
-              <a:schemeClr val="tx1"/>
-            </a:fontRef>
-          </p:style>
-        </p:cxnSp>
-      </p:grpSp>
-      <p:grpSp>
-        <p:nvGrpSpPr>
-          <p:cNvPr id="64" name="Group 63"/>
-          <p:cNvGrpSpPr/>
-          <p:nvPr/>
-        </p:nvGrpSpPr>
-        <p:grpSpPr>
-          <a:xfrm>
-            <a:off x="547675" y="1481968"/>
-            <a:ext cx="197575" cy="80962"/>
-            <a:chOff x="3371850" y="2904422"/>
-            <a:chExt cx="197575" cy="80962"/>
-          </a:xfrm>
-        </p:grpSpPr>
-        <p:cxnSp>
-          <p:nvCxnSpPr>
-            <p:cNvPr id="65" name="Straight Connector 64"/>
-            <p:cNvCxnSpPr/>
-            <p:nvPr/>
-          </p:nvCxnSpPr>
-          <p:spPr>
-            <a:xfrm>
-              <a:off x="3371850" y="2904422"/>
-              <a:ext cx="197575" cy="0"/>
-            </a:xfrm>
-            <a:prstGeom prst="line">
-              <a:avLst/>
-            </a:prstGeom>
-            <a:ln w="22225">
-              <a:solidFill>
-                <a:schemeClr val="bg1"/>
-              </a:solidFill>
-            </a:ln>
-          </p:spPr>
-          <p:style>
-            <a:lnRef idx="1">
-              <a:schemeClr val="accent1"/>
-            </a:lnRef>
-            <a:fillRef idx="0">
-              <a:schemeClr val="accent1"/>
-            </a:fillRef>
-            <a:effectRef idx="0">
-              <a:schemeClr val="accent1"/>
-            </a:effectRef>
-            <a:fontRef idx="minor">
-              <a:schemeClr val="tx1"/>
-            </a:fontRef>
-          </p:style>
-        </p:cxnSp>
-        <p:cxnSp>
-          <p:nvCxnSpPr>
-            <p:cNvPr id="66" name="Straight Connector 65"/>
-            <p:cNvCxnSpPr/>
-            <p:nvPr/>
-          </p:nvCxnSpPr>
-          <p:spPr>
-            <a:xfrm>
-              <a:off x="3397485" y="2944903"/>
-              <a:ext cx="146304" cy="0"/>
-            </a:xfrm>
-            <a:prstGeom prst="line">
-              <a:avLst/>
-            </a:prstGeom>
-            <a:ln w="22225">
-              <a:solidFill>
-                <a:schemeClr val="bg1"/>
-              </a:solidFill>
-            </a:ln>
-          </p:spPr>
-          <p:style>
-            <a:lnRef idx="1">
-              <a:schemeClr val="accent1"/>
-            </a:lnRef>
-            <a:fillRef idx="0">
-              <a:schemeClr val="accent1"/>
-            </a:fillRef>
-            <a:effectRef idx="0">
-              <a:schemeClr val="accent1"/>
-            </a:effectRef>
-            <a:fontRef idx="minor">
-              <a:schemeClr val="tx1"/>
-            </a:fontRef>
-          </p:style>
-        </p:cxnSp>
-        <p:cxnSp>
-          <p:nvCxnSpPr>
-            <p:cNvPr id="67" name="Straight Connector 66"/>
-            <p:cNvCxnSpPr/>
-            <p:nvPr/>
-          </p:nvCxnSpPr>
-          <p:spPr>
-            <a:xfrm>
-              <a:off x="3424917" y="2985384"/>
-              <a:ext cx="91440" cy="0"/>
-            </a:xfrm>
-            <a:prstGeom prst="line">
-              <a:avLst/>
-            </a:prstGeom>
-            <a:ln w="22225">
-              <a:solidFill>
-                <a:schemeClr val="bg1"/>
-              </a:solidFill>
-            </a:ln>
-          </p:spPr>
-          <p:style>
-            <a:lnRef idx="1">
-              <a:schemeClr val="accent1"/>
-            </a:lnRef>
-            <a:fillRef idx="0">
-              <a:schemeClr val="accent1"/>
-            </a:fillRef>
-            <a:effectRef idx="0">
-              <a:schemeClr val="accent1"/>
-            </a:effectRef>
-            <a:fontRef idx="minor">
-              <a:schemeClr val="tx1"/>
-            </a:fontRef>
-          </p:style>
-        </p:cxnSp>
-      </p:grpSp>
-      <p:grpSp>
-        <p:nvGrpSpPr>
-          <p:cNvPr id="68" name="Group 67"/>
-          <p:cNvGrpSpPr/>
-          <p:nvPr/>
-        </p:nvGrpSpPr>
-        <p:grpSpPr>
-          <a:xfrm>
-            <a:off x="2429470" y="379565"/>
-            <a:ext cx="197575" cy="80962"/>
-            <a:chOff x="3371850" y="2904422"/>
-            <a:chExt cx="197575" cy="80962"/>
-          </a:xfrm>
-        </p:grpSpPr>
-        <p:cxnSp>
-          <p:nvCxnSpPr>
-            <p:cNvPr id="69" name="Straight Connector 68"/>
-            <p:cNvCxnSpPr/>
-            <p:nvPr/>
-          </p:nvCxnSpPr>
-          <p:spPr>
-            <a:xfrm>
-              <a:off x="3371850" y="2904422"/>
-              <a:ext cx="197575" cy="0"/>
-            </a:xfrm>
-            <a:prstGeom prst="line">
-              <a:avLst/>
-            </a:prstGeom>
-            <a:ln w="22225">
-              <a:solidFill>
-                <a:schemeClr val="bg1"/>
-              </a:solidFill>
-            </a:ln>
-          </p:spPr>
-          <p:style>
-            <a:lnRef idx="1">
-              <a:schemeClr val="accent1"/>
-            </a:lnRef>
-            <a:fillRef idx="0">
-              <a:schemeClr val="accent1"/>
-            </a:fillRef>
-            <a:effectRef idx="0">
-              <a:schemeClr val="accent1"/>
-            </a:effectRef>
-            <a:fontRef idx="minor">
-              <a:schemeClr val="tx1"/>
-            </a:fontRef>
-          </p:style>
-        </p:cxnSp>
-        <p:cxnSp>
-          <p:nvCxnSpPr>
-            <p:cNvPr id="70" name="Straight Connector 69"/>
-            <p:cNvCxnSpPr/>
-            <p:nvPr/>
-          </p:nvCxnSpPr>
-          <p:spPr>
-            <a:xfrm>
-              <a:off x="3397485" y="2944903"/>
-              <a:ext cx="146304" cy="0"/>
-            </a:xfrm>
-            <a:prstGeom prst="line">
-              <a:avLst/>
-            </a:prstGeom>
-            <a:ln w="22225">
-              <a:solidFill>
-                <a:schemeClr val="bg1"/>
-              </a:solidFill>
-            </a:ln>
-          </p:spPr>
-          <p:style>
-            <a:lnRef idx="1">
-              <a:schemeClr val="accent1"/>
-            </a:lnRef>
-            <a:fillRef idx="0">
-              <a:schemeClr val="accent1"/>
-            </a:fillRef>
-            <a:effectRef idx="0">
-              <a:schemeClr val="accent1"/>
-            </a:effectRef>
-            <a:fontRef idx="minor">
-              <a:schemeClr val="tx1"/>
-            </a:fontRef>
-          </p:style>
-        </p:cxnSp>
-        <p:cxnSp>
-          <p:nvCxnSpPr>
-            <p:cNvPr id="71" name="Straight Connector 70"/>
-            <p:cNvCxnSpPr/>
-            <p:nvPr/>
-          </p:nvCxnSpPr>
-          <p:spPr>
-            <a:xfrm>
-              <a:off x="3424917" y="2985384"/>
-              <a:ext cx="91440" cy="0"/>
-            </a:xfrm>
-            <a:prstGeom prst="line">
-              <a:avLst/>
-            </a:prstGeom>
-            <a:ln w="22225">
-              <a:solidFill>
-                <a:schemeClr val="bg1"/>
-              </a:solidFill>
-            </a:ln>
-          </p:spPr>
-          <p:style>
-            <a:lnRef idx="1">
-              <a:schemeClr val="accent1"/>
-            </a:lnRef>
-            <a:fillRef idx="0">
-              <a:schemeClr val="accent1"/>
-            </a:fillRef>
-            <a:effectRef idx="0">
-              <a:schemeClr val="accent1"/>
-            </a:effectRef>
-            <a:fontRef idx="minor">
-              <a:schemeClr val="tx1"/>
-            </a:fontRef>
-          </p:style>
-        </p:cxnSp>
-      </p:grpSp>
-      <p:grpSp>
-        <p:nvGrpSpPr>
-          <p:cNvPr id="72" name="Group 71"/>
-          <p:cNvGrpSpPr/>
-          <p:nvPr/>
-        </p:nvGrpSpPr>
-        <p:grpSpPr>
-          <a:xfrm>
-            <a:off x="547675" y="389293"/>
-            <a:ext cx="197575" cy="80962"/>
-            <a:chOff x="3371850" y="2904422"/>
-            <a:chExt cx="197575" cy="80962"/>
-          </a:xfrm>
-        </p:grpSpPr>
-        <p:cxnSp>
-          <p:nvCxnSpPr>
-            <p:cNvPr id="73" name="Straight Connector 72"/>
-            <p:cNvCxnSpPr/>
-            <p:nvPr/>
-          </p:nvCxnSpPr>
-          <p:spPr>
-            <a:xfrm>
-              <a:off x="3371850" y="2904422"/>
-              <a:ext cx="197575" cy="0"/>
-            </a:xfrm>
-            <a:prstGeom prst="line">
-              <a:avLst/>
-            </a:prstGeom>
-            <a:ln w="22225">
-              <a:solidFill>
-                <a:schemeClr val="bg1"/>
-              </a:solidFill>
-            </a:ln>
-          </p:spPr>
-          <p:style>
-            <a:lnRef idx="1">
-              <a:schemeClr val="accent1"/>
-            </a:lnRef>
-            <a:fillRef idx="0">
-              <a:schemeClr val="accent1"/>
-            </a:fillRef>
-            <a:effectRef idx="0">
-              <a:schemeClr val="accent1"/>
-            </a:effectRef>
-            <a:fontRef idx="minor">
-              <a:schemeClr val="tx1"/>
-            </a:fontRef>
-          </p:style>
-        </p:cxnSp>
-        <p:cxnSp>
-          <p:nvCxnSpPr>
-            <p:cNvPr id="74" name="Straight Connector 73"/>
-            <p:cNvCxnSpPr/>
-            <p:nvPr/>
-          </p:nvCxnSpPr>
-          <p:spPr>
-            <a:xfrm>
-              <a:off x="3397485" y="2944903"/>
-              <a:ext cx="146304" cy="0"/>
-            </a:xfrm>
-            <a:prstGeom prst="line">
-              <a:avLst/>
-            </a:prstGeom>
-            <a:ln w="22225">
-              <a:solidFill>
-                <a:schemeClr val="bg1"/>
-              </a:solidFill>
-            </a:ln>
-          </p:spPr>
-          <p:style>
-            <a:lnRef idx="1">
-              <a:schemeClr val="accent1"/>
-            </a:lnRef>
-            <a:fillRef idx="0">
-              <a:schemeClr val="accent1"/>
-            </a:fillRef>
-            <a:effectRef idx="0">
-              <a:schemeClr val="accent1"/>
-            </a:effectRef>
-            <a:fontRef idx="minor">
-              <a:schemeClr val="tx1"/>
-            </a:fontRef>
-          </p:style>
-        </p:cxnSp>
-        <p:cxnSp>
-          <p:nvCxnSpPr>
-            <p:cNvPr id="75" name="Straight Connector 74"/>
-            <p:cNvCxnSpPr/>
-            <p:nvPr/>
-          </p:nvCxnSpPr>
-          <p:spPr>
-            <a:xfrm>
-              <a:off x="3424917" y="2985384"/>
-              <a:ext cx="91440" cy="0"/>
-            </a:xfrm>
-            <a:prstGeom prst="line">
-              <a:avLst/>
-            </a:prstGeom>
-            <a:ln w="22225">
-              <a:solidFill>
-                <a:schemeClr val="bg1"/>
-              </a:solidFill>
-            </a:ln>
-          </p:spPr>
-          <p:style>
-            <a:lnRef idx="1">
-              <a:schemeClr val="accent1"/>
-            </a:lnRef>
-            <a:fillRef idx="0">
-              <a:schemeClr val="accent1"/>
-            </a:fillRef>
-            <a:effectRef idx="0">
-              <a:schemeClr val="accent1"/>
-            </a:effectRef>
-            <a:fontRef idx="minor">
-              <a:schemeClr val="tx1"/>
-            </a:fontRef>
-          </p:style>
-        </p:cxnSp>
-      </p:grpSp>
-      <p:sp>
-        <p:nvSpPr>
-          <p:cNvPr id="76" name="TextBox 75"/>
-          <p:cNvSpPr txBox="1"/>
-          <p:nvPr/>
-        </p:nvSpPr>
-        <p:spPr>
-          <a:xfrm>
-            <a:off x="145488" y="672388"/>
-            <a:ext cx="1021404" cy="584775"/>
-          </a:xfrm>
-          <a:prstGeom prst="rect">
-            <a:avLst/>
-          </a:prstGeom>
-          <a:noFill/>
-        </p:spPr>
-        <p:txBody>
-          <a:bodyPr wrap="square" rtlCol="0">
-            <a:spAutoFit/>
-          </a:bodyPr>
-          <a:lstStyle/>
-          <a:p>
-            <a:r>
-              <a:rPr lang="en-US" sz="3200" b="1" dirty="0" smtClean="0">
+          <p:txBody>
+            <a:bodyPr wrap="square" rtlCol="0">
+              <a:spAutoFit/>
+            </a:bodyPr>
+            <a:lstStyle/>
+            <a:p>
+              <a:r>
+                <a:rPr lang="en-US" sz="3200" b="1" dirty="0" smtClean="0">
+                  <a:ln w="19050">
+                    <a:solidFill>
+                      <a:schemeClr val="tx1"/>
+                    </a:solidFill>
+                  </a:ln>
+                  <a:solidFill>
+                    <a:schemeClr val="bg1"/>
+                  </a:solidFill>
+                </a:rPr>
+                <a:t>C</a:t>
+              </a:r>
+              <a:endParaRPr lang="en-US" sz="3200" b="1" dirty="0">
                 <a:ln w="19050">
                   <a:solidFill>
                     <a:schemeClr val="tx1"/>
@@ -5341,170 +5586,15 @@
                 <a:solidFill>
                   <a:schemeClr val="bg1"/>
                 </a:solidFill>
-              </a:rPr>
-              <a:t>A</a:t>
-            </a:r>
-            <a:endParaRPr lang="en-US" sz="3200" b="1" dirty="0">
-              <a:ln w="19050">
-                <a:solidFill>
-                  <a:schemeClr val="tx1"/>
-                </a:solidFill>
-              </a:ln>
-              <a:solidFill>
-                <a:schemeClr val="bg1"/>
-              </a:solidFill>
-            </a:endParaRPr>
-          </a:p>
-        </p:txBody>
-      </p:sp>
-      <p:sp>
-        <p:nvSpPr>
-          <p:cNvPr id="77" name="TextBox 76"/>
-          <p:cNvSpPr txBox="1"/>
-          <p:nvPr/>
-        </p:nvSpPr>
-        <p:spPr>
-          <a:xfrm>
-            <a:off x="145488" y="2121599"/>
-            <a:ext cx="1021404" cy="584775"/>
-          </a:xfrm>
-          <a:prstGeom prst="rect">
-            <a:avLst/>
-          </a:prstGeom>
-          <a:noFill/>
-        </p:spPr>
-        <p:txBody>
-          <a:bodyPr wrap="square" rtlCol="0">
-            <a:spAutoFit/>
-          </a:bodyPr>
-          <a:lstStyle/>
-          <a:p>
-            <a:r>
-              <a:rPr lang="en-US" sz="3200" b="1" dirty="0" smtClean="0">
-                <a:ln w="19050">
-                  <a:solidFill>
-                    <a:schemeClr val="tx1"/>
-                  </a:solidFill>
-                </a:ln>
-                <a:solidFill>
-                  <a:schemeClr val="bg1"/>
-                </a:solidFill>
-              </a:rPr>
-              <a:t>A’</a:t>
-            </a:r>
-            <a:endParaRPr lang="en-US" sz="3200" b="1" dirty="0">
-              <a:ln w="19050">
-                <a:solidFill>
-                  <a:schemeClr val="tx1"/>
-                </a:solidFill>
-              </a:ln>
-              <a:solidFill>
-                <a:schemeClr val="bg1"/>
-              </a:solidFill>
-            </a:endParaRPr>
-          </a:p>
-        </p:txBody>
-      </p:sp>
-      <p:sp>
-        <p:nvSpPr>
-          <p:cNvPr id="78" name="TextBox 77"/>
-          <p:cNvSpPr txBox="1"/>
-          <p:nvPr/>
-        </p:nvSpPr>
-        <p:spPr>
-          <a:xfrm>
-            <a:off x="145488" y="3574513"/>
-            <a:ext cx="1021404" cy="584775"/>
-          </a:xfrm>
-          <a:prstGeom prst="rect">
-            <a:avLst/>
-          </a:prstGeom>
-          <a:noFill/>
-        </p:spPr>
-        <p:txBody>
-          <a:bodyPr wrap="square" rtlCol="0">
-            <a:spAutoFit/>
-          </a:bodyPr>
-          <a:lstStyle/>
-          <a:p>
-            <a:r>
-              <a:rPr lang="en-US" sz="3200" b="1" dirty="0" smtClean="0">
-                <a:ln w="19050">
-                  <a:solidFill>
-                    <a:schemeClr val="tx1"/>
-                  </a:solidFill>
-                </a:ln>
-                <a:solidFill>
-                  <a:schemeClr val="bg1"/>
-                </a:solidFill>
-              </a:rPr>
-              <a:t>B</a:t>
-            </a:r>
-            <a:endParaRPr lang="en-US" sz="3200" b="1" dirty="0">
-              <a:ln w="19050">
-                <a:solidFill>
-                  <a:schemeClr val="tx1"/>
-                </a:solidFill>
-              </a:ln>
-              <a:solidFill>
-                <a:schemeClr val="bg1"/>
-              </a:solidFill>
-            </a:endParaRPr>
-          </a:p>
-        </p:txBody>
-      </p:sp>
-      <p:sp>
-        <p:nvSpPr>
-          <p:cNvPr id="79" name="TextBox 78"/>
-          <p:cNvSpPr txBox="1"/>
-          <p:nvPr/>
-        </p:nvSpPr>
-        <p:spPr>
-          <a:xfrm>
-            <a:off x="145488" y="5027427"/>
-            <a:ext cx="1021404" cy="584775"/>
-          </a:xfrm>
-          <a:prstGeom prst="rect">
-            <a:avLst/>
-          </a:prstGeom>
-          <a:noFill/>
-        </p:spPr>
-        <p:txBody>
-          <a:bodyPr wrap="square" rtlCol="0">
-            <a:spAutoFit/>
-          </a:bodyPr>
-          <a:lstStyle/>
-          <a:p>
-            <a:r>
-              <a:rPr lang="en-US" sz="3200" b="1" dirty="0" smtClean="0">
-                <a:ln w="19050">
-                  <a:solidFill>
-                    <a:schemeClr val="tx1"/>
-                  </a:solidFill>
-                </a:ln>
-                <a:solidFill>
-                  <a:schemeClr val="bg1"/>
-                </a:solidFill>
-              </a:rPr>
-              <a:t>C</a:t>
-            </a:r>
-            <a:endParaRPr lang="en-US" sz="3200" b="1" dirty="0">
-              <a:ln w="19050">
-                <a:solidFill>
-                  <a:schemeClr val="tx1"/>
-                </a:solidFill>
-              </a:ln>
-              <a:solidFill>
-                <a:schemeClr val="bg1"/>
-              </a:solidFill>
-            </a:endParaRPr>
-          </a:p>
-        </p:txBody>
-      </p:sp>
+              </a:endParaRPr>
+            </a:p>
+          </p:txBody>
+        </p:sp>
+      </p:grpSp>
     </p:spTree>
     <p:extLst>
       <p:ext uri="{BB962C8B-B14F-4D97-AF65-F5344CB8AC3E}">
-        <p14:creationId xmlns:p14="http://schemas.microsoft.com/office/powerpoint/2010/main" val="3692614941"/>
+        <p14:creationId xmlns:p14="http://schemas.microsoft.com/office/powerpoint/2010/main" val="1737165568"/>
       </p:ext>
     </p:extLst>
   </p:cSld>
